--- a/Documents/Capstone Presentation.pptx
+++ b/Documents/Capstone Presentation.pptx
@@ -1,16 +1,34 @@
 
 <file path=ppt/presentation.xml><?xml version="1.0" encoding="utf-8"?>
-<p:presentation xmlns:a="http://schemas.openxmlformats.org/drawingml/2006/main" xmlns:r="http://schemas.openxmlformats.org/officeDocument/2006/relationships" xmlns:p="http://schemas.openxmlformats.org/presentationml/2006/main" saveSubsetFonts="1">
+<p:presentation xmlns:a="http://schemas.openxmlformats.org/drawingml/2006/main" xmlns:r="http://schemas.openxmlformats.org/officeDocument/2006/relationships" xmlns:p="http://schemas.openxmlformats.org/presentationml/2006/main" showSpecialPlsOnTitleSld="0" saveSubsetFonts="1">
   <p:sldMasterIdLst>
     <p:sldMasterId id="2147483648" r:id="rId1"/>
   </p:sldMasterIdLst>
   <p:notesMasterIdLst>
-    <p:notesMasterId r:id="rId5"/>
+    <p:notesMasterId r:id="rId23"/>
   </p:notesMasterIdLst>
   <p:sldIdLst>
     <p:sldId id="256" r:id="rId2"/>
     <p:sldId id="257" r:id="rId3"/>
-    <p:sldId id="258" r:id="rId4"/>
+    <p:sldId id="263" r:id="rId4"/>
+    <p:sldId id="260" r:id="rId5"/>
+    <p:sldId id="261" r:id="rId6"/>
+    <p:sldId id="262" r:id="rId7"/>
+    <p:sldId id="264" r:id="rId8"/>
+    <p:sldId id="265" r:id="rId9"/>
+    <p:sldId id="266" r:id="rId10"/>
+    <p:sldId id="267" r:id="rId11"/>
+    <p:sldId id="271" r:id="rId12"/>
+    <p:sldId id="268" r:id="rId13"/>
+    <p:sldId id="269" r:id="rId14"/>
+    <p:sldId id="270" r:id="rId15"/>
+    <p:sldId id="272" r:id="rId16"/>
+    <p:sldId id="273" r:id="rId17"/>
+    <p:sldId id="274" r:id="rId18"/>
+    <p:sldId id="275" r:id="rId19"/>
+    <p:sldId id="276" r:id="rId20"/>
+    <p:sldId id="277" r:id="rId21"/>
+    <p:sldId id="278" r:id="rId22"/>
   </p:sldIdLst>
   <p:sldSz cx="9144000" cy="6858000" type="screen4x3"/>
   <p:notesSz cx="6858000" cy="9144000"/>
@@ -116,10 +134,56 @@
           <p14:sldIdLst>
             <p14:sldId id="256"/>
             <p14:sldId id="257"/>
-            <p14:sldId id="258"/>
+            <p14:sldId id="263"/>
+            <p14:sldId id="260"/>
+            <p14:sldId id="261"/>
+            <p14:sldId id="262"/>
+            <p14:sldId id="264"/>
+            <p14:sldId id="265"/>
+            <p14:sldId id="266"/>
+            <p14:sldId id="267"/>
+            <p14:sldId id="271"/>
+            <p14:sldId id="268"/>
+            <p14:sldId id="269"/>
+            <p14:sldId id="270"/>
+            <p14:sldId id="272"/>
+            <p14:sldId id="273"/>
+            <p14:sldId id="274"/>
+            <p14:sldId id="275"/>
+            <p14:sldId id="276"/>
+            <p14:sldId id="277"/>
+            <p14:sldId id="278"/>
           </p14:sldIdLst>
         </p14:section>
       </p14:sectionLst>
+    </p:ext>
+    <p:ext uri="{EFAFB233-063F-42B5-8137-9DF3F51BA10A}">
+      <p15:sldGuideLst xmlns:p15="http://schemas.microsoft.com/office/powerpoint/2012/main">
+        <p15:guide id="1" orient="horz" pos="2160">
+          <p15:clr>
+            <a:srgbClr val="A4A3A4"/>
+          </p15:clr>
+        </p15:guide>
+        <p15:guide id="2" pos="2880">
+          <p15:clr>
+            <a:srgbClr val="A4A3A4"/>
+          </p15:clr>
+        </p15:guide>
+      </p15:sldGuideLst>
+    </p:ext>
+    <p:ext uri="{2D200454-40CA-4A62-9FC3-DE9A4176ACB9}">
+      <p15:notesGuideLst xmlns:p15="http://schemas.microsoft.com/office/powerpoint/2012/main">
+        <p15:guide id="1" orient="horz" pos="2880">
+          <p15:clr>
+            <a:srgbClr val="A4A3A4"/>
+          </p15:clr>
+        </p15:guide>
+        <p15:guide id="2" pos="2160">
+          <p15:clr>
+            <a:srgbClr val="A4A3A4"/>
+          </p15:clr>
+        </p15:guide>
+      </p15:notesGuideLst>
     </p:ext>
   </p:extLst>
 </p:presentation>
@@ -207,7 +271,7 @@
           <a:p>
             <a:fld id="{75F97464-49D0-4ABF-BA47-FB13333AE372}" type="datetimeFigureOut">
               <a:rPr lang="en-US" smtClean="0"/>
-              <a:t>6/3/2014</a:t>
+              <a:t>6/4/2014</a:t>
             </a:fld>
             <a:endParaRPr lang="en-US"/>
           </a:p>
@@ -559,6 +623,321 @@
 </p:notes>
 </file>
 
+<file path=ppt/notesSlides/notesSlide2.xml><?xml version="1.0" encoding="utf-8"?>
+<p:notes xmlns:a="http://schemas.openxmlformats.org/drawingml/2006/main" xmlns:r="http://schemas.openxmlformats.org/officeDocument/2006/relationships" xmlns:p="http://schemas.openxmlformats.org/presentationml/2006/main">
+  <p:cSld>
+    <p:spTree>
+      <p:nvGrpSpPr>
+        <p:cNvPr id="1" name=""/>
+        <p:cNvGrpSpPr/>
+        <p:nvPr/>
+      </p:nvGrpSpPr>
+      <p:grpSpPr>
+        <a:xfrm>
+          <a:off x="0" y="0"/>
+          <a:ext cx="0" cy="0"/>
+          <a:chOff x="0" y="0"/>
+          <a:chExt cx="0" cy="0"/>
+        </a:xfrm>
+      </p:grpSpPr>
+      <p:sp>
+        <p:nvSpPr>
+          <p:cNvPr id="2" name="Slide Image Placeholder 1"/>
+          <p:cNvSpPr>
+            <a:spLocks noGrp="1" noRot="1" noChangeAspect="1"/>
+          </p:cNvSpPr>
+          <p:nvPr>
+            <p:ph type="sldImg"/>
+          </p:nvPr>
+        </p:nvSpPr>
+        <p:spPr/>
+      </p:sp>
+      <p:sp>
+        <p:nvSpPr>
+          <p:cNvPr id="3" name="Notes Placeholder 2"/>
+          <p:cNvSpPr>
+            <a:spLocks noGrp="1"/>
+          </p:cNvSpPr>
+          <p:nvPr>
+            <p:ph type="body" idx="1"/>
+          </p:nvPr>
+        </p:nvSpPr>
+        <p:spPr/>
+        <p:txBody>
+          <a:bodyPr/>
+          <a:lstStyle/>
+          <a:p>
+            <a:r>
+              <a:rPr lang="en-US" dirty="0" smtClean="0"/>
+              <a:t>Ethernet: </a:t>
+            </a:r>
+          </a:p>
+          <a:p>
+            <a:r>
+              <a:rPr lang="en-US" dirty="0" smtClean="0"/>
+              <a:t>Cheap</a:t>
+            </a:r>
+            <a:r>
+              <a:rPr lang="en-US" baseline="0" dirty="0" smtClean="0"/>
+              <a:t> cables are important for keeping costs low.</a:t>
+            </a:r>
+          </a:p>
+          <a:p>
+            <a:r>
+              <a:rPr lang="en-US" baseline="0" dirty="0" smtClean="0"/>
+              <a:t>Easy to work with in consideration of use by children (not to hard to make your own cable).</a:t>
+            </a:r>
+          </a:p>
+          <a:p>
+            <a:r>
+              <a:rPr lang="en-US" baseline="0" dirty="0" smtClean="0"/>
+              <a:t>Length kept in mind for future applications (e.g. sensor in a well)</a:t>
+            </a:r>
+          </a:p>
+          <a:p>
+            <a:endParaRPr lang="en-US" baseline="0" dirty="0" smtClean="0"/>
+          </a:p>
+          <a:p>
+            <a:r>
+              <a:rPr lang="en-US" baseline="0" dirty="0" smtClean="0"/>
+              <a:t>USB:</a:t>
+            </a:r>
+          </a:p>
+          <a:p>
+            <a:endParaRPr lang="en-US" dirty="0"/>
+          </a:p>
+        </p:txBody>
+      </p:sp>
+      <p:sp>
+        <p:nvSpPr>
+          <p:cNvPr id="4" name="Slide Number Placeholder 3"/>
+          <p:cNvSpPr>
+            <a:spLocks noGrp="1"/>
+          </p:cNvSpPr>
+          <p:nvPr>
+            <p:ph type="sldNum" sz="quarter" idx="10"/>
+          </p:nvPr>
+        </p:nvSpPr>
+        <p:spPr/>
+        <p:txBody>
+          <a:bodyPr/>
+          <a:lstStyle/>
+          <a:p>
+            <a:fld id="{80A39CBA-3246-41BD-B461-7A6F199FC541}" type="slidenum">
+              <a:rPr lang="en-US" smtClean="0"/>
+              <a:t>7</a:t>
+            </a:fld>
+            <a:endParaRPr lang="en-US"/>
+          </a:p>
+        </p:txBody>
+      </p:sp>
+    </p:spTree>
+    <p:extLst>
+      <p:ext uri="{BB962C8B-B14F-4D97-AF65-F5344CB8AC3E}">
+        <p14:creationId xmlns:p14="http://schemas.microsoft.com/office/powerpoint/2010/main" val="356323975"/>
+      </p:ext>
+    </p:extLst>
+  </p:cSld>
+  <p:clrMapOvr>
+    <a:masterClrMapping/>
+  </p:clrMapOvr>
+</p:notes>
+</file>
+
+<file path=ppt/notesSlides/notesSlide3.xml><?xml version="1.0" encoding="utf-8"?>
+<p:notes xmlns:a="http://schemas.openxmlformats.org/drawingml/2006/main" xmlns:r="http://schemas.openxmlformats.org/officeDocument/2006/relationships" xmlns:p="http://schemas.openxmlformats.org/presentationml/2006/main">
+  <p:cSld>
+    <p:spTree>
+      <p:nvGrpSpPr>
+        <p:cNvPr id="1" name=""/>
+        <p:cNvGrpSpPr/>
+        <p:nvPr/>
+      </p:nvGrpSpPr>
+      <p:grpSpPr>
+        <a:xfrm>
+          <a:off x="0" y="0"/>
+          <a:ext cx="0" cy="0"/>
+          <a:chOff x="0" y="0"/>
+          <a:chExt cx="0" cy="0"/>
+        </a:xfrm>
+      </p:grpSpPr>
+      <p:sp>
+        <p:nvSpPr>
+          <p:cNvPr id="2" name="Slide Image Placeholder 1"/>
+          <p:cNvSpPr>
+            <a:spLocks noGrp="1" noRot="1" noChangeAspect="1"/>
+          </p:cNvSpPr>
+          <p:nvPr>
+            <p:ph type="sldImg"/>
+          </p:nvPr>
+        </p:nvSpPr>
+        <p:spPr/>
+      </p:sp>
+      <p:sp>
+        <p:nvSpPr>
+          <p:cNvPr id="3" name="Notes Placeholder 2"/>
+          <p:cNvSpPr>
+            <a:spLocks noGrp="1"/>
+          </p:cNvSpPr>
+          <p:nvPr>
+            <p:ph type="body" idx="1"/>
+          </p:nvPr>
+        </p:nvSpPr>
+        <p:spPr/>
+        <p:txBody>
+          <a:bodyPr/>
+          <a:lstStyle/>
+          <a:p>
+            <a:r>
+              <a:rPr lang="en-US" dirty="0" smtClean="0"/>
+              <a:t>Labeled</a:t>
+            </a:r>
+            <a:r>
+              <a:rPr lang="en-US" baseline="0" dirty="0" smtClean="0"/>
+              <a:t> as an air contaminant sensor, the device senses contaminants due to the displacement of oxygen (or just normal breathing air) causing a change in the flow of electrons. Different sensitivity characteristics for different gasses.</a:t>
+            </a:r>
+          </a:p>
+          <a:p>
+            <a:endParaRPr lang="en-US" baseline="0" dirty="0" smtClean="0"/>
+          </a:p>
+          <a:p>
+            <a:r>
+              <a:rPr lang="en-US" baseline="0" dirty="0" smtClean="0"/>
+              <a:t>Wanted to do a sensor that detected the quality of a substance similar to the original request for a VOC sensor for wells.</a:t>
+            </a:r>
+          </a:p>
+          <a:p>
+            <a:endParaRPr lang="en-US" baseline="0" dirty="0" smtClean="0"/>
+          </a:p>
+          <a:p>
+            <a:r>
+              <a:rPr lang="en-US" baseline="0" dirty="0" smtClean="0"/>
+              <a:t>Experiments include things such as detecting change in air quality in high traffic areas over certain times or seeing how rapidly the quality of air changes when enclosed with a burning candle (and how long it takes for air to return to normal).</a:t>
+            </a:r>
+            <a:endParaRPr lang="en-US" dirty="0"/>
+          </a:p>
+        </p:txBody>
+      </p:sp>
+      <p:sp>
+        <p:nvSpPr>
+          <p:cNvPr id="4" name="Slide Number Placeholder 3"/>
+          <p:cNvSpPr>
+            <a:spLocks noGrp="1"/>
+          </p:cNvSpPr>
+          <p:nvPr>
+            <p:ph type="sldNum" sz="quarter" idx="10"/>
+          </p:nvPr>
+        </p:nvSpPr>
+        <p:spPr/>
+        <p:txBody>
+          <a:bodyPr/>
+          <a:lstStyle/>
+          <a:p>
+            <a:fld id="{80A39CBA-3246-41BD-B461-7A6F199FC541}" type="slidenum">
+              <a:rPr lang="en-US" smtClean="0"/>
+              <a:t>9</a:t>
+            </a:fld>
+            <a:endParaRPr lang="en-US"/>
+          </a:p>
+        </p:txBody>
+      </p:sp>
+    </p:spTree>
+    <p:extLst>
+      <p:ext uri="{BB962C8B-B14F-4D97-AF65-F5344CB8AC3E}">
+        <p14:creationId xmlns:p14="http://schemas.microsoft.com/office/powerpoint/2010/main" val="1415599538"/>
+      </p:ext>
+    </p:extLst>
+  </p:cSld>
+  <p:clrMapOvr>
+    <a:masterClrMapping/>
+  </p:clrMapOvr>
+</p:notes>
+</file>
+
+<file path=ppt/notesSlides/notesSlide4.xml><?xml version="1.0" encoding="utf-8"?>
+<p:notes xmlns:a="http://schemas.openxmlformats.org/drawingml/2006/main" xmlns:r="http://schemas.openxmlformats.org/officeDocument/2006/relationships" xmlns:p="http://schemas.openxmlformats.org/presentationml/2006/main">
+  <p:cSld>
+    <p:spTree>
+      <p:nvGrpSpPr>
+        <p:cNvPr id="1" name=""/>
+        <p:cNvGrpSpPr/>
+        <p:nvPr/>
+      </p:nvGrpSpPr>
+      <p:grpSpPr>
+        <a:xfrm>
+          <a:off x="0" y="0"/>
+          <a:ext cx="0" cy="0"/>
+          <a:chOff x="0" y="0"/>
+          <a:chExt cx="0" cy="0"/>
+        </a:xfrm>
+      </p:grpSpPr>
+      <p:sp>
+        <p:nvSpPr>
+          <p:cNvPr id="2" name="Slide Image Placeholder 1"/>
+          <p:cNvSpPr>
+            <a:spLocks noGrp="1" noRot="1" noChangeAspect="1"/>
+          </p:cNvSpPr>
+          <p:nvPr>
+            <p:ph type="sldImg"/>
+          </p:nvPr>
+        </p:nvSpPr>
+        <p:spPr/>
+      </p:sp>
+      <p:sp>
+        <p:nvSpPr>
+          <p:cNvPr id="3" name="Notes Placeholder 2"/>
+          <p:cNvSpPr>
+            <a:spLocks noGrp="1"/>
+          </p:cNvSpPr>
+          <p:nvPr>
+            <p:ph type="body" idx="1"/>
+          </p:nvPr>
+        </p:nvSpPr>
+        <p:spPr/>
+        <p:txBody>
+          <a:bodyPr/>
+          <a:lstStyle/>
+          <a:p>
+            <a:endParaRPr lang="en-US" dirty="0"/>
+          </a:p>
+        </p:txBody>
+      </p:sp>
+      <p:sp>
+        <p:nvSpPr>
+          <p:cNvPr id="4" name="Slide Number Placeholder 3"/>
+          <p:cNvSpPr>
+            <a:spLocks noGrp="1"/>
+          </p:cNvSpPr>
+          <p:nvPr>
+            <p:ph type="sldNum" sz="quarter" idx="10"/>
+          </p:nvPr>
+        </p:nvSpPr>
+        <p:spPr/>
+        <p:txBody>
+          <a:bodyPr/>
+          <a:lstStyle/>
+          <a:p>
+            <a:fld id="{80A39CBA-3246-41BD-B461-7A6F199FC541}" type="slidenum">
+              <a:rPr lang="en-US" smtClean="0"/>
+              <a:t>13</a:t>
+            </a:fld>
+            <a:endParaRPr lang="en-US"/>
+          </a:p>
+        </p:txBody>
+      </p:sp>
+    </p:spTree>
+    <p:extLst>
+      <p:ext uri="{BB962C8B-B14F-4D97-AF65-F5344CB8AC3E}">
+        <p14:creationId xmlns:p14="http://schemas.microsoft.com/office/powerpoint/2010/main" val="2949825411"/>
+      </p:ext>
+    </p:extLst>
+  </p:cSld>
+  <p:clrMapOvr>
+    <a:masterClrMapping/>
+  </p:clrMapOvr>
+</p:notes>
+</file>
+
 <file path=ppt/slideLayouts/slideLayout1.xml><?xml version="1.0" encoding="utf-8"?>
 <p:sldLayout xmlns:a="http://schemas.openxmlformats.org/drawingml/2006/main" xmlns:r="http://schemas.openxmlformats.org/officeDocument/2006/relationships" xmlns:p="http://schemas.openxmlformats.org/presentationml/2006/main" type="title" preserve="1">
   <p:cSld name="Title Slide">
@@ -801,9 +1180,9 @@
           <a:bodyPr/>
           <a:lstStyle/>
           <a:p>
-            <a:fld id="{236C9135-91A3-437A-855A-6D6FB18BCAC9}" type="datetimeFigureOut">
-              <a:rPr lang="en-US" smtClean="0"/>
-              <a:t>6/3/2014</a:t>
+            <a:fld id="{3E399128-3A6E-4265-83BD-088A220794F4}" type="datetime1">
+              <a:rPr lang="en-US" smtClean="0"/>
+              <a:t>6/4/2014</a:t>
             </a:fld>
             <a:endParaRPr lang="en-US"/>
           </a:p>
@@ -824,6 +1203,10 @@
           <a:bodyPr/>
           <a:lstStyle/>
           <a:p>
+            <a:r>
+              <a:rPr lang="en-US" smtClean="0"/>
+              <a:t>Erebus Labs STEM Sensor</a:t>
+            </a:r>
             <a:endParaRPr lang="en-US"/>
           </a:p>
         </p:txBody>
@@ -872,7 +1255,7 @@
 </file>
 
 <file path=ppt/slideLayouts/slideLayout2.xml><?xml version="1.0" encoding="utf-8"?>
-<p:sldLayout xmlns:a="http://schemas.openxmlformats.org/drawingml/2006/main" xmlns:r="http://schemas.openxmlformats.org/officeDocument/2006/relationships" xmlns:p="http://schemas.openxmlformats.org/presentationml/2006/main" type="obj" preserve="1">
+<p:sldLayout xmlns:a="http://schemas.openxmlformats.org/drawingml/2006/main" xmlns:r="http://schemas.openxmlformats.org/officeDocument/2006/relationships" xmlns:p="http://schemas.openxmlformats.org/presentationml/2006/main" preserve="1" userDrawn="1">
   <p:cSld name="Title and Content">
     <p:bg>
       <p:bgPr>
@@ -956,7 +1339,7 @@
         </p:nvSpPr>
         <p:spPr>
           <a:xfrm>
-            <a:off x="472966" y="488730"/>
+            <a:off x="488731" y="2873265"/>
             <a:ext cx="8166537" cy="1111469"/>
           </a:xfrm>
           <a:prstGeom prst="rect">
@@ -977,63 +1360,6 @@
       </p:sp>
       <p:sp>
         <p:nvSpPr>
-          <p:cNvPr id="3" name="Content Placeholder 2"/>
-          <p:cNvSpPr>
-            <a:spLocks noGrp="1"/>
-          </p:cNvSpPr>
-          <p:nvPr>
-            <p:ph idx="1"/>
-          </p:nvPr>
-        </p:nvSpPr>
-        <p:spPr>
-          <a:xfrm>
-            <a:off x="488730" y="1752600"/>
-            <a:ext cx="8150773" cy="4600903"/>
-          </a:xfrm>
-        </p:spPr>
-        <p:txBody>
-          <a:bodyPr/>
-          <a:lstStyle/>
-          <a:p>
-            <a:pPr lvl="0"/>
-            <a:r>
-              <a:rPr lang="en-US" smtClean="0"/>
-              <a:t>Click to edit Master text styles</a:t>
-            </a:r>
-          </a:p>
-          <a:p>
-            <a:pPr lvl="1"/>
-            <a:r>
-              <a:rPr lang="en-US" smtClean="0"/>
-              <a:t>Second level</a:t>
-            </a:r>
-          </a:p>
-          <a:p>
-            <a:pPr lvl="2"/>
-            <a:r>
-              <a:rPr lang="en-US" smtClean="0"/>
-              <a:t>Third level</a:t>
-            </a:r>
-          </a:p>
-          <a:p>
-            <a:pPr lvl="3"/>
-            <a:r>
-              <a:rPr lang="en-US" smtClean="0"/>
-              <a:t>Fourth level</a:t>
-            </a:r>
-          </a:p>
-          <a:p>
-            <a:pPr lvl="4"/>
-            <a:r>
-              <a:rPr lang="en-US" smtClean="0"/>
-              <a:t>Fifth level</a:t>
-            </a:r>
-            <a:endParaRPr lang="en-US"/>
-          </a:p>
-        </p:txBody>
-      </p:sp>
-      <p:sp>
-        <p:nvSpPr>
           <p:cNvPr id="4" name="Date Placeholder 3"/>
           <p:cNvSpPr>
             <a:spLocks noGrp="1"/>
@@ -1052,9 +1378,9 @@
           <a:bodyPr/>
           <a:lstStyle/>
           <a:p>
-            <a:fld id="{236C9135-91A3-437A-855A-6D6FB18BCAC9}" type="datetimeFigureOut">
-              <a:rPr lang="en-US" smtClean="0"/>
-              <a:t>6/3/2014</a:t>
+            <a:fld id="{EFA17BF7-EF90-4DFB-80E4-BEDB24037ACB}" type="datetime1">
+              <a:rPr lang="en-US" smtClean="0"/>
+              <a:t>6/4/2014</a:t>
             </a:fld>
             <a:endParaRPr lang="en-US"/>
           </a:p>
@@ -1080,6 +1406,10 @@
           <a:bodyPr/>
           <a:lstStyle/>
           <a:p>
+            <a:r>
+              <a:rPr lang="en-US" smtClean="0"/>
+              <a:t>Erebus Labs STEM Sensor</a:t>
+            </a:r>
             <a:endParaRPr lang="en-US" dirty="0"/>
           </a:p>
         </p:txBody>
@@ -1122,6 +1452,13 @@
   <p:clrMapOvr>
     <a:masterClrMapping/>
   </p:clrMapOvr>
+  <p:timing>
+    <p:tnLst>
+      <p:par>
+        <p:cTn id="1" dur="indefinite" restart="never" nodeType="tmRoot"/>
+      </p:par>
+    </p:tnLst>
+  </p:timing>
 </p:sldLayout>
 </file>
 
@@ -1150,71 +1487,6 @@
           <a:chExt cx="0" cy="0"/>
         </a:xfrm>
       </p:grpSpPr>
-      <p:sp>
-        <p:nvSpPr>
-          <p:cNvPr id="3" name="Date Placeholder 2"/>
-          <p:cNvSpPr>
-            <a:spLocks noGrp="1"/>
-          </p:cNvSpPr>
-          <p:nvPr>
-            <p:ph type="dt" sz="half" idx="10"/>
-          </p:nvPr>
-        </p:nvSpPr>
-        <p:spPr/>
-        <p:txBody>
-          <a:bodyPr/>
-          <a:lstStyle/>
-          <a:p>
-            <a:fld id="{236C9135-91A3-437A-855A-6D6FB18BCAC9}" type="datetimeFigureOut">
-              <a:rPr lang="en-US" smtClean="0"/>
-              <a:t>6/3/2014</a:t>
-            </a:fld>
-            <a:endParaRPr lang="en-US"/>
-          </a:p>
-        </p:txBody>
-      </p:sp>
-      <p:sp>
-        <p:nvSpPr>
-          <p:cNvPr id="4" name="Footer Placeholder 3"/>
-          <p:cNvSpPr>
-            <a:spLocks noGrp="1"/>
-          </p:cNvSpPr>
-          <p:nvPr>
-            <p:ph type="ftr" sz="quarter" idx="11"/>
-          </p:nvPr>
-        </p:nvSpPr>
-        <p:spPr/>
-        <p:txBody>
-          <a:bodyPr/>
-          <a:lstStyle/>
-          <a:p>
-            <a:endParaRPr lang="en-US" dirty="0"/>
-          </a:p>
-        </p:txBody>
-      </p:sp>
-      <p:sp>
-        <p:nvSpPr>
-          <p:cNvPr id="5" name="Slide Number Placeholder 4"/>
-          <p:cNvSpPr>
-            <a:spLocks noGrp="1"/>
-          </p:cNvSpPr>
-          <p:nvPr>
-            <p:ph type="sldNum" sz="quarter" idx="12"/>
-          </p:nvPr>
-        </p:nvSpPr>
-        <p:spPr/>
-        <p:txBody>
-          <a:bodyPr/>
-          <a:lstStyle/>
-          <a:p>
-            <a:fld id="{41FBF465-1333-4AA3-A58E-1653FDB8C624}" type="slidenum">
-              <a:rPr lang="en-US" smtClean="0"/>
-              <a:t>‹#›</a:t>
-            </a:fld>
-            <a:endParaRPr lang="en-US"/>
-          </a:p>
-        </p:txBody>
-      </p:sp>
       <p:sp>
         <p:nvSpPr>
           <p:cNvPr id="6" name="Rectangle 5"/>
@@ -1263,27 +1535,194 @@
       </p:sp>
       <p:sp>
         <p:nvSpPr>
-          <p:cNvPr id="10" name="Title 9"/>
-          <p:cNvSpPr>
-            <a:spLocks noGrp="1"/>
-          </p:cNvSpPr>
-          <p:nvPr>
-            <p:ph type="title"/>
+          <p:cNvPr id="3" name="Date Placeholder 2"/>
+          <p:cNvSpPr>
+            <a:spLocks noGrp="1"/>
+          </p:cNvSpPr>
+          <p:nvPr>
+            <p:ph type="dt" sz="half" idx="10"/>
+          </p:nvPr>
+        </p:nvSpPr>
+        <p:spPr/>
+        <p:txBody>
+          <a:bodyPr/>
+          <a:lstStyle/>
+          <a:p>
+            <a:fld id="{C29800E0-75F7-49C7-9A2B-4D6AEABEED8B}" type="datetime1">
+              <a:rPr lang="en-US" smtClean="0"/>
+              <a:t>6/4/2014</a:t>
+            </a:fld>
+            <a:endParaRPr lang="en-US"/>
+          </a:p>
+        </p:txBody>
+      </p:sp>
+      <p:sp>
+        <p:nvSpPr>
+          <p:cNvPr id="4" name="Footer Placeholder 3"/>
+          <p:cNvSpPr>
+            <a:spLocks noGrp="1"/>
+          </p:cNvSpPr>
+          <p:nvPr>
+            <p:ph type="ftr" sz="quarter" idx="11"/>
+          </p:nvPr>
+        </p:nvSpPr>
+        <p:spPr/>
+        <p:txBody>
+          <a:bodyPr/>
+          <a:lstStyle/>
+          <a:p>
+            <a:r>
+              <a:rPr lang="en-US" smtClean="0"/>
+              <a:t>Erebus Labs STEM Sensor</a:t>
+            </a:r>
+            <a:endParaRPr lang="en-US" dirty="0"/>
+          </a:p>
+        </p:txBody>
+      </p:sp>
+      <p:sp>
+        <p:nvSpPr>
+          <p:cNvPr id="5" name="Slide Number Placeholder 4"/>
+          <p:cNvSpPr>
+            <a:spLocks noGrp="1"/>
+          </p:cNvSpPr>
+          <p:nvPr>
+            <p:ph type="sldNum" sz="quarter" idx="12"/>
+          </p:nvPr>
+        </p:nvSpPr>
+        <p:spPr/>
+        <p:txBody>
+          <a:bodyPr/>
+          <a:lstStyle/>
+          <a:p>
+            <a:fld id="{41FBF465-1333-4AA3-A58E-1653FDB8C624}" type="slidenum">
+              <a:rPr lang="en-US" smtClean="0"/>
+              <a:t>‹#›</a:t>
+            </a:fld>
+            <a:endParaRPr lang="en-US"/>
+          </a:p>
+        </p:txBody>
+      </p:sp>
+      <p:sp>
+        <p:nvSpPr>
+          <p:cNvPr id="8" name="Text Placeholder 7"/>
+          <p:cNvSpPr>
+            <a:spLocks noGrp="1"/>
+          </p:cNvSpPr>
+          <p:nvPr>
+            <p:ph type="body" sz="quarter" idx="13" hasCustomPrompt="1"/>
           </p:nvPr>
         </p:nvSpPr>
         <p:spPr>
-          <a:xfrm rot="5400000">
-            <a:off x="5143500" y="2857500"/>
-            <a:ext cx="6858000" cy="1143000"/>
+          <a:xfrm>
+            <a:off x="8001000" y="0"/>
+            <a:ext cx="1143000" cy="6858000"/>
           </a:xfrm>
-          <a:prstGeom prst="rect">
-            <a:avLst/>
-          </a:prstGeom>
         </p:spPr>
         <p:txBody>
-          <a:bodyPr/>
-          <a:lstStyle/>
-          <a:p>
+          <a:bodyPr vert="vert" anchor="ctr" anchorCtr="1">
+            <a:noAutofit/>
+          </a:bodyPr>
+          <a:lstStyle>
+            <a:lvl1pPr marL="0" indent="0">
+              <a:buNone/>
+              <a:defRPr b="1" baseline="0"/>
+            </a:lvl1pPr>
+          </a:lstStyle>
+          <a:p>
+            <a:pPr lvl="0"/>
+            <a:r>
+              <a:rPr lang="en-US" dirty="0" smtClean="0"/>
+              <a:t>Section Title</a:t>
+            </a:r>
+            <a:endParaRPr lang="en-US" dirty="0"/>
+          </a:p>
+        </p:txBody>
+      </p:sp>
+      <p:sp>
+        <p:nvSpPr>
+          <p:cNvPr id="11" name="Text Placeholder 10"/>
+          <p:cNvSpPr>
+            <a:spLocks noGrp="1"/>
+          </p:cNvSpPr>
+          <p:nvPr>
+            <p:ph type="body" sz="quarter" idx="14"/>
+          </p:nvPr>
+        </p:nvSpPr>
+        <p:spPr>
+          <a:xfrm>
+            <a:off x="0" y="0"/>
+            <a:ext cx="8001000" cy="1339850"/>
+          </a:xfrm>
+        </p:spPr>
+        <p:txBody>
+          <a:bodyPr anchor="ctr" anchorCtr="1">
+            <a:noAutofit/>
+          </a:bodyPr>
+          <a:lstStyle>
+            <a:lvl1pPr marL="0" indent="0">
+              <a:buNone/>
+              <a:defRPr b="0"/>
+            </a:lvl1pPr>
+          </a:lstStyle>
+          <a:p>
+            <a:pPr lvl="0"/>
+            <a:endParaRPr lang="en-US" dirty="0"/>
+          </a:p>
+        </p:txBody>
+      </p:sp>
+      <p:sp>
+        <p:nvSpPr>
+          <p:cNvPr id="13" name="Text Placeholder 12"/>
+          <p:cNvSpPr>
+            <a:spLocks noGrp="1"/>
+          </p:cNvSpPr>
+          <p:nvPr>
+            <p:ph type="body" sz="quarter" idx="15"/>
+          </p:nvPr>
+        </p:nvSpPr>
+        <p:spPr>
+          <a:xfrm>
+            <a:off x="76200" y="1524000"/>
+            <a:ext cx="7848600" cy="4648200"/>
+          </a:xfrm>
+        </p:spPr>
+        <p:txBody>
+          <a:bodyPr/>
+          <a:lstStyle/>
+          <a:p>
+            <a:pPr lvl="0"/>
+            <a:r>
+              <a:rPr lang="en-US" dirty="0" smtClean="0"/>
+              <a:t>Click to edit Master text styles</a:t>
+            </a:r>
+          </a:p>
+          <a:p>
+            <a:pPr lvl="1"/>
+            <a:r>
+              <a:rPr lang="en-US" dirty="0" smtClean="0"/>
+              <a:t>Second level</a:t>
+            </a:r>
+          </a:p>
+          <a:p>
+            <a:pPr lvl="2"/>
+            <a:r>
+              <a:rPr lang="en-US" dirty="0" smtClean="0"/>
+              <a:t>Third level</a:t>
+            </a:r>
+          </a:p>
+          <a:p>
+            <a:pPr lvl="3"/>
+            <a:r>
+              <a:rPr lang="en-US" dirty="0" smtClean="0"/>
+              <a:t>Fourth level</a:t>
+            </a:r>
+          </a:p>
+          <a:p>
+            <a:pPr lvl="4"/>
+            <a:r>
+              <a:rPr lang="en-US" dirty="0" smtClean="0"/>
+              <a:t>Fifth level</a:t>
+            </a:r>
             <a:endParaRPr lang="en-US" dirty="0"/>
           </a:p>
         </p:txBody>
@@ -1298,6 +1737,13 @@
   <p:clrMapOvr>
     <a:masterClrMapping/>
   </p:clrMapOvr>
+  <p:timing>
+    <p:tnLst>
+      <p:par>
+        <p:cTn id="1" dur="indefinite" restart="never" nodeType="tmRoot"/>
+      </p:par>
+    </p:tnLst>
+  </p:timing>
 </p:sldLayout>
 </file>
 
@@ -1491,10 +1937,9 @@
             </a:lvl1pPr>
           </a:lstStyle>
           <a:p>
-            <a:fld id="{236C9135-91A3-437A-855A-6D6FB18BCAC9}" type="datetimeFigureOut">
-              <a:rPr lang="en-US" smtClean="0"/>
-              <a:pPr/>
-              <a:t>6/3/2014</a:t>
+            <a:fld id="{B7016397-4199-4A8C-831C-12C1185F1413}" type="datetime1">
+              <a:rPr lang="en-US" smtClean="0"/>
+              <a:t>6/4/2014</a:t>
             </a:fld>
             <a:endParaRPr lang="en-US"/>
           </a:p>
@@ -1529,6 +1974,10 @@
             </a:lvl1pPr>
           </a:lstStyle>
           <a:p>
+            <a:r>
+              <a:rPr lang="en-US" smtClean="0"/>
+              <a:t>Erebus Labs STEM Sensor</a:t>
+            </a:r>
             <a:endParaRPr lang="en-US" dirty="0"/>
           </a:p>
         </p:txBody>
@@ -1581,10 +2030,302 @@
   <p:clrMapOvr>
     <a:masterClrMapping/>
   </p:clrMapOvr>
+  <p:timing>
+    <p:tnLst>
+      <p:par>
+        <p:cTn id="1" dur="indefinite" restart="never" nodeType="tmRoot"/>
+      </p:par>
+    </p:tnLst>
+  </p:timing>
 </p:sldLayout>
 </file>
 
 <file path=ppt/slideLayouts/slideLayout5.xml><?xml version="1.0" encoding="utf-8"?>
+<p:sldLayout xmlns:a="http://schemas.openxmlformats.org/drawingml/2006/main" xmlns:r="http://schemas.openxmlformats.org/officeDocument/2006/relationships" xmlns:p="http://schemas.openxmlformats.org/presentationml/2006/main" preserve="1" userDrawn="1">
+  <p:cSld name="2_Custom Layout">
+    <p:bg>
+      <p:bgPr>
+        <a:solidFill>
+          <a:srgbClr val="D1F3FF"/>
+        </a:solidFill>
+        <a:effectLst/>
+      </p:bgPr>
+    </p:bg>
+    <p:spTree>
+      <p:nvGrpSpPr>
+        <p:cNvPr id="1" name=""/>
+        <p:cNvGrpSpPr/>
+        <p:nvPr/>
+      </p:nvGrpSpPr>
+      <p:grpSpPr>
+        <a:xfrm>
+          <a:off x="0" y="0"/>
+          <a:ext cx="0" cy="0"/>
+          <a:chOff x="0" y="0"/>
+          <a:chExt cx="0" cy="0"/>
+        </a:xfrm>
+      </p:grpSpPr>
+      <p:sp>
+        <p:nvSpPr>
+          <p:cNvPr id="6" name="Rectangle 5"/>
+          <p:cNvSpPr/>
+          <p:nvPr userDrawn="1"/>
+        </p:nvSpPr>
+        <p:spPr>
+          <a:xfrm>
+            <a:off x="8001000" y="0"/>
+            <a:ext cx="1143000" cy="6858000"/>
+          </a:xfrm>
+          <a:prstGeom prst="rect">
+            <a:avLst/>
+          </a:prstGeom>
+          <a:solidFill>
+            <a:srgbClr val="8FE2FF"/>
+          </a:solidFill>
+          <a:ln w="57150">
+            <a:noFill/>
+          </a:ln>
+        </p:spPr>
+        <p:style>
+          <a:lnRef idx="2">
+            <a:schemeClr val="accent1">
+              <a:shade val="50000"/>
+            </a:schemeClr>
+          </a:lnRef>
+          <a:fillRef idx="1">
+            <a:schemeClr val="accent1"/>
+          </a:fillRef>
+          <a:effectRef idx="0">
+            <a:schemeClr val="accent1"/>
+          </a:effectRef>
+          <a:fontRef idx="minor">
+            <a:schemeClr val="lt1"/>
+          </a:fontRef>
+        </p:style>
+        <p:txBody>
+          <a:bodyPr rtlCol="0" anchor="ctr"/>
+          <a:lstStyle/>
+          <a:p>
+            <a:pPr algn="ctr"/>
+            <a:endParaRPr lang="en-US"/>
+          </a:p>
+        </p:txBody>
+      </p:sp>
+      <p:sp>
+        <p:nvSpPr>
+          <p:cNvPr id="3" name="Date Placeholder 2"/>
+          <p:cNvSpPr>
+            <a:spLocks noGrp="1"/>
+          </p:cNvSpPr>
+          <p:nvPr>
+            <p:ph type="dt" sz="half" idx="10"/>
+          </p:nvPr>
+        </p:nvSpPr>
+        <p:spPr/>
+        <p:txBody>
+          <a:bodyPr/>
+          <a:lstStyle/>
+          <a:p>
+            <a:fld id="{C29800E0-75F7-49C7-9A2B-4D6AEABEED8B}" type="datetime1">
+              <a:rPr lang="en-US" smtClean="0"/>
+              <a:t>6/4/2014</a:t>
+            </a:fld>
+            <a:endParaRPr lang="en-US"/>
+          </a:p>
+        </p:txBody>
+      </p:sp>
+      <p:sp>
+        <p:nvSpPr>
+          <p:cNvPr id="4" name="Footer Placeholder 3"/>
+          <p:cNvSpPr>
+            <a:spLocks noGrp="1"/>
+          </p:cNvSpPr>
+          <p:nvPr>
+            <p:ph type="ftr" sz="quarter" idx="11"/>
+          </p:nvPr>
+        </p:nvSpPr>
+        <p:spPr/>
+        <p:txBody>
+          <a:bodyPr/>
+          <a:lstStyle/>
+          <a:p>
+            <a:r>
+              <a:rPr lang="en-US" smtClean="0"/>
+              <a:t>Erebus Labs STEM Sensor</a:t>
+            </a:r>
+            <a:endParaRPr lang="en-US" dirty="0"/>
+          </a:p>
+        </p:txBody>
+      </p:sp>
+      <p:sp>
+        <p:nvSpPr>
+          <p:cNvPr id="5" name="Slide Number Placeholder 4"/>
+          <p:cNvSpPr>
+            <a:spLocks noGrp="1"/>
+          </p:cNvSpPr>
+          <p:nvPr>
+            <p:ph type="sldNum" sz="quarter" idx="12"/>
+          </p:nvPr>
+        </p:nvSpPr>
+        <p:spPr/>
+        <p:txBody>
+          <a:bodyPr/>
+          <a:lstStyle/>
+          <a:p>
+            <a:fld id="{41FBF465-1333-4AA3-A58E-1653FDB8C624}" type="slidenum">
+              <a:rPr lang="en-US" smtClean="0"/>
+              <a:t>‹#›</a:t>
+            </a:fld>
+            <a:endParaRPr lang="en-US"/>
+          </a:p>
+        </p:txBody>
+      </p:sp>
+      <p:sp>
+        <p:nvSpPr>
+          <p:cNvPr id="8" name="Text Placeholder 7"/>
+          <p:cNvSpPr>
+            <a:spLocks noGrp="1"/>
+          </p:cNvSpPr>
+          <p:nvPr>
+            <p:ph type="body" sz="quarter" idx="13" hasCustomPrompt="1"/>
+          </p:nvPr>
+        </p:nvSpPr>
+        <p:spPr>
+          <a:xfrm>
+            <a:off x="8001000" y="0"/>
+            <a:ext cx="1143000" cy="6858000"/>
+          </a:xfrm>
+        </p:spPr>
+        <p:txBody>
+          <a:bodyPr vert="vert" anchor="ctr" anchorCtr="1">
+            <a:noAutofit/>
+          </a:bodyPr>
+          <a:lstStyle>
+            <a:lvl1pPr marL="0" indent="0">
+              <a:buNone/>
+              <a:defRPr b="1" baseline="0"/>
+            </a:lvl1pPr>
+          </a:lstStyle>
+          <a:p>
+            <a:pPr lvl="0"/>
+            <a:r>
+              <a:rPr lang="en-US" dirty="0" smtClean="0"/>
+              <a:t>Section Title</a:t>
+            </a:r>
+            <a:endParaRPr lang="en-US" dirty="0"/>
+          </a:p>
+        </p:txBody>
+      </p:sp>
+      <p:sp>
+        <p:nvSpPr>
+          <p:cNvPr id="11" name="Text Placeholder 10"/>
+          <p:cNvSpPr>
+            <a:spLocks noGrp="1"/>
+          </p:cNvSpPr>
+          <p:nvPr>
+            <p:ph type="body" sz="quarter" idx="14"/>
+          </p:nvPr>
+        </p:nvSpPr>
+        <p:spPr>
+          <a:xfrm>
+            <a:off x="0" y="0"/>
+            <a:ext cx="8001000" cy="1339850"/>
+          </a:xfrm>
+        </p:spPr>
+        <p:txBody>
+          <a:bodyPr anchor="ctr" anchorCtr="1">
+            <a:noAutofit/>
+          </a:bodyPr>
+          <a:lstStyle>
+            <a:lvl1pPr marL="0" indent="0">
+              <a:buNone/>
+              <a:defRPr b="0"/>
+            </a:lvl1pPr>
+          </a:lstStyle>
+          <a:p>
+            <a:pPr lvl="0"/>
+            <a:endParaRPr lang="en-US" dirty="0"/>
+          </a:p>
+        </p:txBody>
+      </p:sp>
+      <p:sp>
+        <p:nvSpPr>
+          <p:cNvPr id="13" name="Text Placeholder 12"/>
+          <p:cNvSpPr>
+            <a:spLocks noGrp="1"/>
+          </p:cNvSpPr>
+          <p:nvPr>
+            <p:ph type="body" sz="quarter" idx="15"/>
+          </p:nvPr>
+        </p:nvSpPr>
+        <p:spPr>
+          <a:xfrm>
+            <a:off x="76200" y="1524000"/>
+            <a:ext cx="7848600" cy="4648200"/>
+          </a:xfrm>
+        </p:spPr>
+        <p:txBody>
+          <a:bodyPr/>
+          <a:lstStyle/>
+          <a:p>
+            <a:pPr lvl="0"/>
+            <a:r>
+              <a:rPr lang="en-US" dirty="0" smtClean="0"/>
+              <a:t>Click to edit Master text styles</a:t>
+            </a:r>
+          </a:p>
+          <a:p>
+            <a:pPr lvl="1"/>
+            <a:r>
+              <a:rPr lang="en-US" dirty="0" smtClean="0"/>
+              <a:t>Second level</a:t>
+            </a:r>
+          </a:p>
+          <a:p>
+            <a:pPr lvl="2"/>
+            <a:r>
+              <a:rPr lang="en-US" dirty="0" smtClean="0"/>
+              <a:t>Third level</a:t>
+            </a:r>
+          </a:p>
+          <a:p>
+            <a:pPr lvl="3"/>
+            <a:r>
+              <a:rPr lang="en-US" dirty="0" smtClean="0"/>
+              <a:t>Fourth level</a:t>
+            </a:r>
+          </a:p>
+          <a:p>
+            <a:pPr lvl="4"/>
+            <a:r>
+              <a:rPr lang="en-US" dirty="0" smtClean="0"/>
+              <a:t>Fifth level</a:t>
+            </a:r>
+            <a:endParaRPr lang="en-US" dirty="0"/>
+          </a:p>
+        </p:txBody>
+      </p:sp>
+    </p:spTree>
+    <p:extLst>
+      <p:ext uri="{BB962C8B-B14F-4D97-AF65-F5344CB8AC3E}">
+        <p14:creationId xmlns:p14="http://schemas.microsoft.com/office/powerpoint/2010/main" val="3196404340"/>
+      </p:ext>
+    </p:extLst>
+  </p:cSld>
+  <p:clrMapOvr>
+    <a:masterClrMapping/>
+  </p:clrMapOvr>
+  <p:timing>
+    <p:tnLst>
+      <p:par>
+        <p:cTn id="1" dur="indefinite" restart="never" nodeType="tmRoot"/>
+      </p:par>
+    </p:tnLst>
+  </p:timing>
+</p:sldLayout>
+</file>
+
+<file path=ppt/slideLayouts/slideLayout6.xml><?xml version="1.0" encoding="utf-8"?>
 <p:sldLayout xmlns:a="http://schemas.openxmlformats.org/drawingml/2006/main" xmlns:r="http://schemas.openxmlformats.org/officeDocument/2006/relationships" xmlns:p="http://schemas.openxmlformats.org/presentationml/2006/main" type="obj" preserve="1">
   <p:cSld name="2_Title and Content">
     <p:bg>
@@ -1765,9 +2506,9 @@
           <a:bodyPr/>
           <a:lstStyle/>
           <a:p>
-            <a:fld id="{236C9135-91A3-437A-855A-6D6FB18BCAC9}" type="datetimeFigureOut">
-              <a:rPr lang="en-US" smtClean="0"/>
-              <a:t>6/3/2014</a:t>
+            <a:fld id="{3D5BC15F-23A8-447B-98F2-73382115937F}" type="datetime1">
+              <a:rPr lang="en-US" smtClean="0"/>
+              <a:t>6/4/2014</a:t>
             </a:fld>
             <a:endParaRPr lang="en-US"/>
           </a:p>
@@ -1793,6 +2534,10 @@
           <a:bodyPr/>
           <a:lstStyle/>
           <a:p>
+            <a:r>
+              <a:rPr lang="en-US" smtClean="0"/>
+              <a:t>Erebus Labs STEM Sensor</a:t>
+            </a:r>
             <a:endParaRPr lang="en-US"/>
           </a:p>
         </p:txBody>
@@ -1835,16 +2580,23 @@
   <p:clrMapOvr>
     <a:masterClrMapping/>
   </p:clrMapOvr>
+  <p:timing>
+    <p:tnLst>
+      <p:par>
+        <p:cTn id="1" dur="indefinite" restart="never" nodeType="tmRoot"/>
+      </p:par>
+    </p:tnLst>
+  </p:timing>
 </p:sldLayout>
 </file>
 
-<file path=ppt/slideLayouts/slideLayout6.xml><?xml version="1.0" encoding="utf-8"?>
-<p:sldLayout xmlns:a="http://schemas.openxmlformats.org/drawingml/2006/main" xmlns:r="http://schemas.openxmlformats.org/officeDocument/2006/relationships" xmlns:p="http://schemas.openxmlformats.org/presentationml/2006/main" type="obj" preserve="1">
-  <p:cSld name="3_Title and Content">
+<file path=ppt/slideLayouts/slideLayout7.xml><?xml version="1.0" encoding="utf-8"?>
+<p:sldLayout xmlns:a="http://schemas.openxmlformats.org/drawingml/2006/main" xmlns:r="http://schemas.openxmlformats.org/officeDocument/2006/relationships" xmlns:p="http://schemas.openxmlformats.org/presentationml/2006/main" preserve="1" userDrawn="1">
+  <p:cSld name="1_Custom Layout">
     <p:bg>
       <p:bgPr>
         <a:solidFill>
-          <a:srgbClr val="9BBB59"/>
+          <a:srgbClr val="EAFFDD"/>
         </a:solidFill>
         <a:effectLst/>
       </p:bgPr>
@@ -1865,25 +2617,23 @@
       </p:grpSpPr>
       <p:sp>
         <p:nvSpPr>
-          <p:cNvPr id="8" name="Rectangle 7"/>
+          <p:cNvPr id="6" name="Rectangle 5"/>
           <p:cNvSpPr/>
           <p:nvPr userDrawn="1"/>
         </p:nvSpPr>
         <p:spPr>
           <a:xfrm>
-            <a:off x="457200" y="457200"/>
-            <a:ext cx="8229600" cy="5943600"/>
+            <a:off x="8001000" y="0"/>
+            <a:ext cx="1143000" cy="6858000"/>
           </a:xfrm>
           <a:prstGeom prst="rect">
             <a:avLst/>
           </a:prstGeom>
           <a:solidFill>
-            <a:srgbClr val="FFE48F"/>
+            <a:srgbClr val="BAFF8F"/>
           </a:solidFill>
           <a:ln w="57150">
-            <a:solidFill>
-              <a:schemeClr val="tx1"/>
-            </a:solidFill>
+            <a:noFill/>
           </a:ln>
         </p:spPr>
         <p:style>
@@ -1913,95 +2663,43 @@
       </p:sp>
       <p:sp>
         <p:nvSpPr>
-          <p:cNvPr id="2" name="Title 1"/>
-          <p:cNvSpPr>
-            <a:spLocks noGrp="1"/>
-          </p:cNvSpPr>
-          <p:nvPr>
-            <p:ph type="title"/>
+          <p:cNvPr id="7" name="Text Placeholder 7"/>
+          <p:cNvSpPr>
+            <a:spLocks noGrp="1"/>
+          </p:cNvSpPr>
+          <p:nvPr>
+            <p:ph type="body" sz="quarter" idx="13" hasCustomPrompt="1"/>
           </p:nvPr>
         </p:nvSpPr>
         <p:spPr>
           <a:xfrm>
-            <a:off x="472966" y="488730"/>
-            <a:ext cx="8166537" cy="1111469"/>
-          </a:xfrm>
-          <a:prstGeom prst="rect">
-            <a:avLst/>
-          </a:prstGeom>
-        </p:spPr>
-        <p:txBody>
-          <a:bodyPr/>
-          <a:lstStyle/>
-          <a:p>
-            <a:r>
-              <a:rPr lang="en-US" dirty="0" smtClean="0"/>
-              <a:t>Click to edit Master title style</a:t>
-            </a:r>
-            <a:endParaRPr lang="en-US" dirty="0"/>
-          </a:p>
-        </p:txBody>
-      </p:sp>
-      <p:sp>
-        <p:nvSpPr>
-          <p:cNvPr id="3" name="Content Placeholder 2"/>
-          <p:cNvSpPr>
-            <a:spLocks noGrp="1"/>
-          </p:cNvSpPr>
-          <p:nvPr>
-            <p:ph idx="1"/>
-          </p:nvPr>
-        </p:nvSpPr>
-        <p:spPr>
-          <a:xfrm>
-            <a:off x="488730" y="1752600"/>
-            <a:ext cx="8150773" cy="4600903"/>
+            <a:off x="8001000" y="0"/>
+            <a:ext cx="1143000" cy="6858000"/>
           </a:xfrm>
         </p:spPr>
         <p:txBody>
-          <a:bodyPr/>
-          <a:lstStyle/>
+          <a:bodyPr vert="vert" anchor="ctr" anchorCtr="1">
+            <a:noAutofit/>
+          </a:bodyPr>
+          <a:lstStyle>
+            <a:lvl1pPr marL="0" indent="0">
+              <a:buNone/>
+              <a:defRPr b="1" baseline="0"/>
+            </a:lvl1pPr>
+          </a:lstStyle>
           <a:p>
             <a:pPr lvl="0"/>
             <a:r>
-              <a:rPr lang="en-US" smtClean="0"/>
-              <a:t>Click to edit Master text styles</a:t>
-            </a:r>
-          </a:p>
-          <a:p>
-            <a:pPr lvl="1"/>
-            <a:r>
-              <a:rPr lang="en-US" smtClean="0"/>
-              <a:t>Second level</a:t>
-            </a:r>
-          </a:p>
-          <a:p>
-            <a:pPr lvl="2"/>
-            <a:r>
-              <a:rPr lang="en-US" smtClean="0"/>
-              <a:t>Third level</a:t>
-            </a:r>
-          </a:p>
-          <a:p>
-            <a:pPr lvl="3"/>
-            <a:r>
-              <a:rPr lang="en-US" smtClean="0"/>
-              <a:t>Fourth level</a:t>
-            </a:r>
-          </a:p>
-          <a:p>
-            <a:pPr lvl="4"/>
-            <a:r>
-              <a:rPr lang="en-US" smtClean="0"/>
-              <a:t>Fifth level</a:t>
-            </a:r>
-            <a:endParaRPr lang="en-US"/>
-          </a:p>
-        </p:txBody>
-      </p:sp>
-      <p:sp>
-        <p:nvSpPr>
-          <p:cNvPr id="4" name="Date Placeholder 3"/>
+              <a:rPr lang="en-US" dirty="0" smtClean="0"/>
+              <a:t>Section Title</a:t>
+            </a:r>
+            <a:endParaRPr lang="en-US" dirty="0"/>
+          </a:p>
+        </p:txBody>
+      </p:sp>
+      <p:sp>
+        <p:nvSpPr>
+          <p:cNvPr id="3" name="Date Placeholder 2"/>
           <p:cNvSpPr>
             <a:spLocks noGrp="1"/>
           </p:cNvSpPr>
@@ -2009,19 +2707,14 @@
             <p:ph type="dt" sz="half" idx="10"/>
           </p:nvPr>
         </p:nvSpPr>
-        <p:spPr>
-          <a:xfrm>
-            <a:off x="457200" y="6416675"/>
-            <a:ext cx="2133600" cy="365125"/>
-          </a:xfrm>
-        </p:spPr>
-        <p:txBody>
-          <a:bodyPr/>
-          <a:lstStyle/>
-          <a:p>
-            <a:fld id="{236C9135-91A3-437A-855A-6D6FB18BCAC9}" type="datetimeFigureOut">
-              <a:rPr lang="en-US" smtClean="0"/>
-              <a:t>6/3/2014</a:t>
+        <p:spPr/>
+        <p:txBody>
+          <a:bodyPr/>
+          <a:lstStyle/>
+          <a:p>
+            <a:fld id="{B7ADC19B-5FB9-4704-99F7-B6E940347A84}" type="datetime1">
+              <a:rPr lang="en-US" smtClean="0"/>
+              <a:t>6/4/2014</a:t>
             </a:fld>
             <a:endParaRPr lang="en-US"/>
           </a:p>
@@ -2029,7 +2722,7 @@
       </p:sp>
       <p:sp>
         <p:nvSpPr>
-          <p:cNvPr id="5" name="Footer Placeholder 4"/>
+          <p:cNvPr id="4" name="Footer Placeholder 3"/>
           <p:cNvSpPr>
             <a:spLocks noGrp="1"/>
           </p:cNvSpPr>
@@ -2037,23 +2730,22 @@
             <p:ph type="ftr" sz="quarter" idx="11"/>
           </p:nvPr>
         </p:nvSpPr>
-        <p:spPr>
-          <a:xfrm>
-            <a:off x="3124200" y="6416675"/>
-            <a:ext cx="2895600" cy="365125"/>
-          </a:xfrm>
-        </p:spPr>
-        <p:txBody>
-          <a:bodyPr/>
-          <a:lstStyle/>
-          <a:p>
-            <a:endParaRPr lang="en-US"/>
-          </a:p>
-        </p:txBody>
-      </p:sp>
-      <p:sp>
-        <p:nvSpPr>
-          <p:cNvPr id="6" name="Slide Number Placeholder 5"/>
+        <p:spPr/>
+        <p:txBody>
+          <a:bodyPr/>
+          <a:lstStyle/>
+          <a:p>
+            <a:r>
+              <a:rPr lang="en-US" smtClean="0"/>
+              <a:t>Erebus Labs STEM Sensor</a:t>
+            </a:r>
+            <a:endParaRPr lang="en-US" dirty="0"/>
+          </a:p>
+        </p:txBody>
+      </p:sp>
+      <p:sp>
+        <p:nvSpPr>
+          <p:cNvPr id="5" name="Slide Number Placeholder 4"/>
           <p:cNvSpPr>
             <a:spLocks noGrp="1"/>
           </p:cNvSpPr>
@@ -2061,12 +2753,7 @@
             <p:ph type="sldNum" sz="quarter" idx="12"/>
           </p:nvPr>
         </p:nvSpPr>
-        <p:spPr>
-          <a:xfrm>
-            <a:off x="6553200" y="6416675"/>
-            <a:ext cx="2133600" cy="365125"/>
-          </a:xfrm>
-        </p:spPr>
+        <p:spPr/>
         <p:txBody>
           <a:bodyPr/>
           <a:lstStyle/>
@@ -2079,524 +2766,112 @@
           </a:p>
         </p:txBody>
       </p:sp>
+      <p:sp>
+        <p:nvSpPr>
+          <p:cNvPr id="10" name="Text Placeholder 10"/>
+          <p:cNvSpPr>
+            <a:spLocks noGrp="1"/>
+          </p:cNvSpPr>
+          <p:nvPr>
+            <p:ph type="body" sz="quarter" idx="14"/>
+          </p:nvPr>
+        </p:nvSpPr>
+        <p:spPr>
+          <a:xfrm>
+            <a:off x="0" y="0"/>
+            <a:ext cx="8001000" cy="1339850"/>
+          </a:xfrm>
+        </p:spPr>
+        <p:txBody>
+          <a:bodyPr anchor="ctr" anchorCtr="1">
+            <a:noAutofit/>
+          </a:bodyPr>
+          <a:lstStyle>
+            <a:lvl1pPr marL="0" indent="0">
+              <a:buNone/>
+              <a:defRPr b="0"/>
+            </a:lvl1pPr>
+          </a:lstStyle>
+          <a:p>
+            <a:pPr lvl="0"/>
+            <a:endParaRPr lang="en-US" dirty="0"/>
+          </a:p>
+        </p:txBody>
+      </p:sp>
+      <p:sp>
+        <p:nvSpPr>
+          <p:cNvPr id="11" name="Text Placeholder 12"/>
+          <p:cNvSpPr>
+            <a:spLocks noGrp="1"/>
+          </p:cNvSpPr>
+          <p:nvPr>
+            <p:ph type="body" sz="quarter" idx="15"/>
+          </p:nvPr>
+        </p:nvSpPr>
+        <p:spPr>
+          <a:xfrm>
+            <a:off x="76200" y="1524000"/>
+            <a:ext cx="7848600" cy="4648200"/>
+          </a:xfrm>
+        </p:spPr>
+        <p:txBody>
+          <a:bodyPr/>
+          <a:lstStyle/>
+          <a:p>
+            <a:pPr lvl="0"/>
+            <a:r>
+              <a:rPr lang="en-US" dirty="0" smtClean="0"/>
+              <a:t>Click to edit Master text styles</a:t>
+            </a:r>
+          </a:p>
+          <a:p>
+            <a:pPr lvl="1"/>
+            <a:r>
+              <a:rPr lang="en-US" dirty="0" smtClean="0"/>
+              <a:t>Second level</a:t>
+            </a:r>
+          </a:p>
+          <a:p>
+            <a:pPr lvl="2"/>
+            <a:r>
+              <a:rPr lang="en-US" dirty="0" smtClean="0"/>
+              <a:t>Third level</a:t>
+            </a:r>
+          </a:p>
+          <a:p>
+            <a:pPr lvl="3"/>
+            <a:r>
+              <a:rPr lang="en-US" dirty="0" smtClean="0"/>
+              <a:t>Fourth level</a:t>
+            </a:r>
+          </a:p>
+          <a:p>
+            <a:pPr lvl="4"/>
+            <a:r>
+              <a:rPr lang="en-US" dirty="0" smtClean="0"/>
+              <a:t>Fifth level</a:t>
+            </a:r>
+            <a:endParaRPr lang="en-US" dirty="0"/>
+          </a:p>
+        </p:txBody>
+      </p:sp>
     </p:spTree>
     <p:extLst>
       <p:ext uri="{BB962C8B-B14F-4D97-AF65-F5344CB8AC3E}">
-        <p14:creationId xmlns:p14="http://schemas.microsoft.com/office/powerpoint/2010/main" val="1846162233"/>
+        <p14:creationId xmlns:p14="http://schemas.microsoft.com/office/powerpoint/2010/main" val="2414344859"/>
       </p:ext>
     </p:extLst>
   </p:cSld>
   <p:clrMapOvr>
     <a:masterClrMapping/>
   </p:clrMapOvr>
-</p:sldLayout>
-</file>
-
-<file path=ppt/slideLayouts/slideLayout7.xml><?xml version="1.0" encoding="utf-8"?>
-<p:sldLayout xmlns:a="http://schemas.openxmlformats.org/drawingml/2006/main" xmlns:r="http://schemas.openxmlformats.org/officeDocument/2006/relationships" xmlns:p="http://schemas.openxmlformats.org/presentationml/2006/main" type="obj" preserve="1">
-  <p:cSld name="4_Title and Content">
-    <p:bg>
-      <p:bgPr>
-        <a:solidFill>
-          <a:srgbClr val="558EFF"/>
-        </a:solidFill>
-        <a:effectLst/>
-      </p:bgPr>
-    </p:bg>
-    <p:spTree>
-      <p:nvGrpSpPr>
-        <p:cNvPr id="1" name=""/>
-        <p:cNvGrpSpPr/>
-        <p:nvPr/>
-      </p:nvGrpSpPr>
-      <p:grpSpPr>
-        <a:xfrm>
-          <a:off x="0" y="0"/>
-          <a:ext cx="0" cy="0"/>
-          <a:chOff x="0" y="0"/>
-          <a:chExt cx="0" cy="0"/>
-        </a:xfrm>
-      </p:grpSpPr>
-      <p:sp>
-        <p:nvSpPr>
-          <p:cNvPr id="8" name="Rectangle 7"/>
-          <p:cNvSpPr/>
-          <p:nvPr userDrawn="1"/>
-        </p:nvSpPr>
-        <p:spPr>
-          <a:xfrm>
-            <a:off x="457200" y="457200"/>
-            <a:ext cx="8229600" cy="5943600"/>
-          </a:xfrm>
-          <a:prstGeom prst="rect">
-            <a:avLst/>
-          </a:prstGeom>
-          <a:solidFill>
-            <a:srgbClr val="FF7875"/>
-          </a:solidFill>
-          <a:ln w="57150">
-            <a:solidFill>
-              <a:schemeClr val="tx1"/>
-            </a:solidFill>
-          </a:ln>
-        </p:spPr>
-        <p:style>
-          <a:lnRef idx="2">
-            <a:schemeClr val="accent1">
-              <a:shade val="50000"/>
-            </a:schemeClr>
-          </a:lnRef>
-          <a:fillRef idx="1">
-            <a:schemeClr val="accent1"/>
-          </a:fillRef>
-          <a:effectRef idx="0">
-            <a:schemeClr val="accent1"/>
-          </a:effectRef>
-          <a:fontRef idx="minor">
-            <a:schemeClr val="lt1"/>
-          </a:fontRef>
-        </p:style>
-        <p:txBody>
-          <a:bodyPr rtlCol="0" anchor="ctr"/>
-          <a:lstStyle/>
-          <a:p>
-            <a:pPr algn="ctr"/>
-            <a:endParaRPr lang="en-US"/>
-          </a:p>
-        </p:txBody>
-      </p:sp>
-      <p:sp>
-        <p:nvSpPr>
-          <p:cNvPr id="2" name="Title 1"/>
-          <p:cNvSpPr>
-            <a:spLocks noGrp="1"/>
-          </p:cNvSpPr>
-          <p:nvPr>
-            <p:ph type="title"/>
-          </p:nvPr>
-        </p:nvSpPr>
-        <p:spPr>
-          <a:xfrm>
-            <a:off x="472966" y="488730"/>
-            <a:ext cx="8166537" cy="1111469"/>
-          </a:xfrm>
-          <a:prstGeom prst="rect">
-            <a:avLst/>
-          </a:prstGeom>
-        </p:spPr>
-        <p:txBody>
-          <a:bodyPr/>
-          <a:lstStyle/>
-          <a:p>
-            <a:r>
-              <a:rPr lang="en-US" dirty="0" smtClean="0"/>
-              <a:t>Click to edit Master title style</a:t>
-            </a:r>
-            <a:endParaRPr lang="en-US" dirty="0"/>
-          </a:p>
-        </p:txBody>
-      </p:sp>
-      <p:sp>
-        <p:nvSpPr>
-          <p:cNvPr id="3" name="Content Placeholder 2"/>
-          <p:cNvSpPr>
-            <a:spLocks noGrp="1"/>
-          </p:cNvSpPr>
-          <p:nvPr>
-            <p:ph idx="1"/>
-          </p:nvPr>
-        </p:nvSpPr>
-        <p:spPr>
-          <a:xfrm>
-            <a:off x="488730" y="1752600"/>
-            <a:ext cx="8150773" cy="4600903"/>
-          </a:xfrm>
-        </p:spPr>
-        <p:txBody>
-          <a:bodyPr/>
-          <a:lstStyle/>
-          <a:p>
-            <a:pPr lvl="0"/>
-            <a:r>
-              <a:rPr lang="en-US" smtClean="0"/>
-              <a:t>Click to edit Master text styles</a:t>
-            </a:r>
-          </a:p>
-          <a:p>
-            <a:pPr lvl="1"/>
-            <a:r>
-              <a:rPr lang="en-US" smtClean="0"/>
-              <a:t>Second level</a:t>
-            </a:r>
-          </a:p>
-          <a:p>
-            <a:pPr lvl="2"/>
-            <a:r>
-              <a:rPr lang="en-US" smtClean="0"/>
-              <a:t>Third level</a:t>
-            </a:r>
-          </a:p>
-          <a:p>
-            <a:pPr lvl="3"/>
-            <a:r>
-              <a:rPr lang="en-US" smtClean="0"/>
-              <a:t>Fourth level</a:t>
-            </a:r>
-          </a:p>
-          <a:p>
-            <a:pPr lvl="4"/>
-            <a:r>
-              <a:rPr lang="en-US" smtClean="0"/>
-              <a:t>Fifth level</a:t>
-            </a:r>
-            <a:endParaRPr lang="en-US"/>
-          </a:p>
-        </p:txBody>
-      </p:sp>
-      <p:sp>
-        <p:nvSpPr>
-          <p:cNvPr id="4" name="Date Placeholder 3"/>
-          <p:cNvSpPr>
-            <a:spLocks noGrp="1"/>
-          </p:cNvSpPr>
-          <p:nvPr>
-            <p:ph type="dt" sz="half" idx="10"/>
-          </p:nvPr>
-        </p:nvSpPr>
-        <p:spPr>
-          <a:xfrm>
-            <a:off x="457200" y="6416675"/>
-            <a:ext cx="2133600" cy="365125"/>
-          </a:xfrm>
-        </p:spPr>
-        <p:txBody>
-          <a:bodyPr/>
-          <a:lstStyle/>
-          <a:p>
-            <a:fld id="{236C9135-91A3-437A-855A-6D6FB18BCAC9}" type="datetimeFigureOut">
-              <a:rPr lang="en-US" smtClean="0"/>
-              <a:t>6/3/2014</a:t>
-            </a:fld>
-            <a:endParaRPr lang="en-US"/>
-          </a:p>
-        </p:txBody>
-      </p:sp>
-      <p:sp>
-        <p:nvSpPr>
-          <p:cNvPr id="5" name="Footer Placeholder 4"/>
-          <p:cNvSpPr>
-            <a:spLocks noGrp="1"/>
-          </p:cNvSpPr>
-          <p:nvPr>
-            <p:ph type="ftr" sz="quarter" idx="11"/>
-          </p:nvPr>
-        </p:nvSpPr>
-        <p:spPr>
-          <a:xfrm>
-            <a:off x="3124200" y="6416675"/>
-            <a:ext cx="2895600" cy="365125"/>
-          </a:xfrm>
-        </p:spPr>
-        <p:txBody>
-          <a:bodyPr/>
-          <a:lstStyle/>
-          <a:p>
-            <a:endParaRPr lang="en-US"/>
-          </a:p>
-        </p:txBody>
-      </p:sp>
-      <p:sp>
-        <p:nvSpPr>
-          <p:cNvPr id="6" name="Slide Number Placeholder 5"/>
-          <p:cNvSpPr>
-            <a:spLocks noGrp="1"/>
-          </p:cNvSpPr>
-          <p:nvPr>
-            <p:ph type="sldNum" sz="quarter" idx="12"/>
-          </p:nvPr>
-        </p:nvSpPr>
-        <p:spPr>
-          <a:xfrm>
-            <a:off x="6553200" y="6416675"/>
-            <a:ext cx="2133600" cy="365125"/>
-          </a:xfrm>
-        </p:spPr>
-        <p:txBody>
-          <a:bodyPr/>
-          <a:lstStyle/>
-          <a:p>
-            <a:fld id="{41FBF465-1333-4AA3-A58E-1653FDB8C624}" type="slidenum">
-              <a:rPr lang="en-US" smtClean="0"/>
-              <a:t>‹#›</a:t>
-            </a:fld>
-            <a:endParaRPr lang="en-US"/>
-          </a:p>
-        </p:txBody>
-      </p:sp>
-    </p:spTree>
-    <p:extLst>
-      <p:ext uri="{BB962C8B-B14F-4D97-AF65-F5344CB8AC3E}">
-        <p14:creationId xmlns:p14="http://schemas.microsoft.com/office/powerpoint/2010/main" val="252787712"/>
-      </p:ext>
-    </p:extLst>
-  </p:cSld>
-  <p:clrMapOvr>
-    <a:masterClrMapping/>
-  </p:clrMapOvr>
-</p:sldLayout>
-</file>
-
-<file path=ppt/slideLayouts/slideLayout8.xml><?xml version="1.0" encoding="utf-8"?>
-<p:sldLayout xmlns:a="http://schemas.openxmlformats.org/drawingml/2006/main" xmlns:r="http://schemas.openxmlformats.org/officeDocument/2006/relationships" xmlns:p="http://schemas.openxmlformats.org/presentationml/2006/main" type="obj" preserve="1">
-  <p:cSld name="5_Title and Content">
-    <p:bg>
-      <p:bgPr>
-        <a:solidFill>
-          <a:srgbClr val="558EFF"/>
-        </a:solidFill>
-        <a:effectLst/>
-      </p:bgPr>
-    </p:bg>
-    <p:spTree>
-      <p:nvGrpSpPr>
-        <p:cNvPr id="1" name=""/>
-        <p:cNvGrpSpPr/>
-        <p:nvPr/>
-      </p:nvGrpSpPr>
-      <p:grpSpPr>
-        <a:xfrm>
-          <a:off x="0" y="0"/>
-          <a:ext cx="0" cy="0"/>
-          <a:chOff x="0" y="0"/>
-          <a:chExt cx="0" cy="0"/>
-        </a:xfrm>
-      </p:grpSpPr>
-      <p:sp>
-        <p:nvSpPr>
-          <p:cNvPr id="8" name="Rectangle 7"/>
-          <p:cNvSpPr/>
-          <p:nvPr userDrawn="1"/>
-        </p:nvSpPr>
-        <p:spPr>
-          <a:xfrm>
-            <a:off x="457200" y="457200"/>
-            <a:ext cx="8229600" cy="5943600"/>
-          </a:xfrm>
-          <a:prstGeom prst="rect">
-            <a:avLst/>
-          </a:prstGeom>
-          <a:solidFill>
-            <a:srgbClr val="FFE48F"/>
-          </a:solidFill>
-          <a:ln w="57150">
-            <a:solidFill>
-              <a:schemeClr val="tx1"/>
-            </a:solidFill>
-          </a:ln>
-        </p:spPr>
-        <p:style>
-          <a:lnRef idx="2">
-            <a:schemeClr val="accent1">
-              <a:shade val="50000"/>
-            </a:schemeClr>
-          </a:lnRef>
-          <a:fillRef idx="1">
-            <a:schemeClr val="accent1"/>
-          </a:fillRef>
-          <a:effectRef idx="0">
-            <a:schemeClr val="accent1"/>
-          </a:effectRef>
-          <a:fontRef idx="minor">
-            <a:schemeClr val="lt1"/>
-          </a:fontRef>
-        </p:style>
-        <p:txBody>
-          <a:bodyPr rtlCol="0" anchor="ctr"/>
-          <a:lstStyle/>
-          <a:p>
-            <a:pPr algn="ctr"/>
-            <a:endParaRPr lang="en-US"/>
-          </a:p>
-        </p:txBody>
-      </p:sp>
-      <p:sp>
-        <p:nvSpPr>
-          <p:cNvPr id="2" name="Title 1"/>
-          <p:cNvSpPr>
-            <a:spLocks noGrp="1"/>
-          </p:cNvSpPr>
-          <p:nvPr>
-            <p:ph type="title"/>
-          </p:nvPr>
-        </p:nvSpPr>
-        <p:spPr>
-          <a:xfrm>
-            <a:off x="472966" y="488730"/>
-            <a:ext cx="8166537" cy="1111469"/>
-          </a:xfrm>
-          <a:prstGeom prst="rect">
-            <a:avLst/>
-          </a:prstGeom>
-        </p:spPr>
-        <p:txBody>
-          <a:bodyPr/>
-          <a:lstStyle/>
-          <a:p>
-            <a:r>
-              <a:rPr lang="en-US" dirty="0" smtClean="0"/>
-              <a:t>Click to edit Master title style</a:t>
-            </a:r>
-            <a:endParaRPr lang="en-US" dirty="0"/>
-          </a:p>
-        </p:txBody>
-      </p:sp>
-      <p:sp>
-        <p:nvSpPr>
-          <p:cNvPr id="3" name="Content Placeholder 2"/>
-          <p:cNvSpPr>
-            <a:spLocks noGrp="1"/>
-          </p:cNvSpPr>
-          <p:nvPr>
-            <p:ph idx="1"/>
-          </p:nvPr>
-        </p:nvSpPr>
-        <p:spPr>
-          <a:xfrm>
-            <a:off x="488730" y="1752600"/>
-            <a:ext cx="8150773" cy="4600903"/>
-          </a:xfrm>
-        </p:spPr>
-        <p:txBody>
-          <a:bodyPr/>
-          <a:lstStyle/>
-          <a:p>
-            <a:pPr lvl="0"/>
-            <a:r>
-              <a:rPr lang="en-US" smtClean="0"/>
-              <a:t>Click to edit Master text styles</a:t>
-            </a:r>
-          </a:p>
-          <a:p>
-            <a:pPr lvl="1"/>
-            <a:r>
-              <a:rPr lang="en-US" smtClean="0"/>
-              <a:t>Second level</a:t>
-            </a:r>
-          </a:p>
-          <a:p>
-            <a:pPr lvl="2"/>
-            <a:r>
-              <a:rPr lang="en-US" smtClean="0"/>
-              <a:t>Third level</a:t>
-            </a:r>
-          </a:p>
-          <a:p>
-            <a:pPr lvl="3"/>
-            <a:r>
-              <a:rPr lang="en-US" smtClean="0"/>
-              <a:t>Fourth level</a:t>
-            </a:r>
-          </a:p>
-          <a:p>
-            <a:pPr lvl="4"/>
-            <a:r>
-              <a:rPr lang="en-US" smtClean="0"/>
-              <a:t>Fifth level</a:t>
-            </a:r>
-            <a:endParaRPr lang="en-US"/>
-          </a:p>
-        </p:txBody>
-      </p:sp>
-      <p:sp>
-        <p:nvSpPr>
-          <p:cNvPr id="4" name="Date Placeholder 3"/>
-          <p:cNvSpPr>
-            <a:spLocks noGrp="1"/>
-          </p:cNvSpPr>
-          <p:nvPr>
-            <p:ph type="dt" sz="half" idx="10"/>
-          </p:nvPr>
-        </p:nvSpPr>
-        <p:spPr>
-          <a:xfrm>
-            <a:off x="457200" y="6416675"/>
-            <a:ext cx="2133600" cy="365125"/>
-          </a:xfrm>
-        </p:spPr>
-        <p:txBody>
-          <a:bodyPr/>
-          <a:lstStyle/>
-          <a:p>
-            <a:fld id="{236C9135-91A3-437A-855A-6D6FB18BCAC9}" type="datetimeFigureOut">
-              <a:rPr lang="en-US" smtClean="0"/>
-              <a:t>6/3/2014</a:t>
-            </a:fld>
-            <a:endParaRPr lang="en-US"/>
-          </a:p>
-        </p:txBody>
-      </p:sp>
-      <p:sp>
-        <p:nvSpPr>
-          <p:cNvPr id="5" name="Footer Placeholder 4"/>
-          <p:cNvSpPr>
-            <a:spLocks noGrp="1"/>
-          </p:cNvSpPr>
-          <p:nvPr>
-            <p:ph type="ftr" sz="quarter" idx="11"/>
-          </p:nvPr>
-        </p:nvSpPr>
-        <p:spPr>
-          <a:xfrm>
-            <a:off x="3124200" y="6416675"/>
-            <a:ext cx="2895600" cy="365125"/>
-          </a:xfrm>
-        </p:spPr>
-        <p:txBody>
-          <a:bodyPr/>
-          <a:lstStyle/>
-          <a:p>
-            <a:endParaRPr lang="en-US"/>
-          </a:p>
-        </p:txBody>
-      </p:sp>
-      <p:sp>
-        <p:nvSpPr>
-          <p:cNvPr id="6" name="Slide Number Placeholder 5"/>
-          <p:cNvSpPr>
-            <a:spLocks noGrp="1"/>
-          </p:cNvSpPr>
-          <p:nvPr>
-            <p:ph type="sldNum" sz="quarter" idx="12"/>
-          </p:nvPr>
-        </p:nvSpPr>
-        <p:spPr>
-          <a:xfrm>
-            <a:off x="6553200" y="6416675"/>
-            <a:ext cx="2133600" cy="365125"/>
-          </a:xfrm>
-        </p:spPr>
-        <p:txBody>
-          <a:bodyPr/>
-          <a:lstStyle/>
-          <a:p>
-            <a:fld id="{41FBF465-1333-4AA3-A58E-1653FDB8C624}" type="slidenum">
-              <a:rPr lang="en-US" smtClean="0"/>
-              <a:t>‹#›</a:t>
-            </a:fld>
-            <a:endParaRPr lang="en-US"/>
-          </a:p>
-        </p:txBody>
-      </p:sp>
-    </p:spTree>
-    <p:extLst>
-      <p:ext uri="{BB962C8B-B14F-4D97-AF65-F5344CB8AC3E}">
-        <p14:creationId xmlns:p14="http://schemas.microsoft.com/office/powerpoint/2010/main" val="2776380487"/>
-      </p:ext>
-    </p:extLst>
-  </p:cSld>
-  <p:clrMapOvr>
-    <a:masterClrMapping/>
-  </p:clrMapOvr>
+  <p:timing>
+    <p:tnLst>
+      <p:par>
+        <p:cTn id="1" dur="indefinite" restart="never" nodeType="tmRoot"/>
+      </p:par>
+    </p:tnLst>
+  </p:timing>
 </p:sldLayout>
 </file>
 
@@ -2717,9 +2992,9 @@
             </a:lvl1pPr>
           </a:lstStyle>
           <a:p>
-            <a:fld id="{236C9135-91A3-437A-855A-6D6FB18BCAC9}" type="datetimeFigureOut">
-              <a:rPr lang="en-US" smtClean="0"/>
-              <a:t>6/3/2014</a:t>
+            <a:fld id="{2DF18BCA-8ECA-4CD0-84AF-ECA6D737D05C}" type="datetime1">
+              <a:rPr lang="en-US" smtClean="0"/>
+              <a:t>6/4/2014</a:t>
             </a:fld>
             <a:endParaRPr lang="en-US"/>
           </a:p>
@@ -2758,7 +3033,11 @@
             </a:lvl1pPr>
           </a:lstStyle>
           <a:p>
-            <a:endParaRPr lang="en-US"/>
+            <a:r>
+              <a:rPr lang="en-US" smtClean="0"/>
+              <a:t>Erebus Labs STEM Sensor</a:t>
+            </a:r>
+            <a:endParaRPr lang="en-US" dirty="0"/>
           </a:p>
         </p:txBody>
       </p:sp>
@@ -2849,11 +3128,11 @@
     <p:sldLayoutId id="2147483650" r:id="rId2"/>
     <p:sldLayoutId id="2147483656" r:id="rId3"/>
     <p:sldLayoutId id="2147483651" r:id="rId4"/>
-    <p:sldLayoutId id="2147483652" r:id="rId5"/>
-    <p:sldLayoutId id="2147483653" r:id="rId6"/>
-    <p:sldLayoutId id="2147483654" r:id="rId7"/>
-    <p:sldLayoutId id="2147483655" r:id="rId8"/>
+    <p:sldLayoutId id="2147483658" r:id="rId5"/>
+    <p:sldLayoutId id="2147483652" r:id="rId6"/>
+    <p:sldLayoutId id="2147483657" r:id="rId7"/>
   </p:sldLayoutIdLst>
+  <p:hf hdr="0"/>
   <p:txStyles>
     <p:titleStyle>
       <a:lvl1pPr algn="ctr" defTabSz="914400" rtl="0" eaLnBrk="1" latinLnBrk="0" hangingPunct="1">
@@ -3212,6 +3491,2009 @@
 </p:sld>
 </file>
 
+<file path=ppt/slides/slide10.xml><?xml version="1.0" encoding="utf-8"?>
+<p:sld xmlns:a="http://schemas.openxmlformats.org/drawingml/2006/main" xmlns:r="http://schemas.openxmlformats.org/officeDocument/2006/relationships" xmlns:p="http://schemas.openxmlformats.org/presentationml/2006/main">
+  <p:cSld>
+    <p:spTree>
+      <p:nvGrpSpPr>
+        <p:cNvPr id="1" name=""/>
+        <p:cNvGrpSpPr/>
+        <p:nvPr/>
+      </p:nvGrpSpPr>
+      <p:grpSpPr>
+        <a:xfrm>
+          <a:off x="0" y="0"/>
+          <a:ext cx="0" cy="0"/>
+          <a:chOff x="0" y="0"/>
+          <a:chExt cx="0" cy="0"/>
+        </a:xfrm>
+      </p:grpSpPr>
+      <p:sp>
+        <p:nvSpPr>
+          <p:cNvPr id="2" name="Text Placeholder 1"/>
+          <p:cNvSpPr>
+            <a:spLocks noGrp="1"/>
+          </p:cNvSpPr>
+          <p:nvPr>
+            <p:ph type="body" sz="quarter" idx="13"/>
+          </p:nvPr>
+        </p:nvSpPr>
+        <p:spPr/>
+        <p:txBody>
+          <a:bodyPr/>
+          <a:lstStyle/>
+          <a:p>
+            <a:r>
+              <a:rPr lang="en-US" dirty="0" smtClean="0"/>
+              <a:t>Hardware</a:t>
+            </a:r>
+            <a:endParaRPr lang="en-US" dirty="0"/>
+          </a:p>
+        </p:txBody>
+      </p:sp>
+      <p:sp>
+        <p:nvSpPr>
+          <p:cNvPr id="3" name="Text Placeholder 2"/>
+          <p:cNvSpPr>
+            <a:spLocks noGrp="1"/>
+          </p:cNvSpPr>
+          <p:nvPr>
+            <p:ph type="body" sz="quarter" idx="14"/>
+          </p:nvPr>
+        </p:nvSpPr>
+        <p:spPr/>
+        <p:txBody>
+          <a:bodyPr/>
+          <a:lstStyle/>
+          <a:p>
+            <a:r>
+              <a:rPr lang="en-US" dirty="0" smtClean="0"/>
+              <a:t>Light Sensor</a:t>
+            </a:r>
+            <a:endParaRPr lang="en-US" dirty="0"/>
+          </a:p>
+        </p:txBody>
+      </p:sp>
+      <p:sp>
+        <p:nvSpPr>
+          <p:cNvPr id="4" name="Text Placeholder 3"/>
+          <p:cNvSpPr>
+            <a:spLocks noGrp="1"/>
+          </p:cNvSpPr>
+          <p:nvPr>
+            <p:ph type="body" sz="quarter" idx="15"/>
+          </p:nvPr>
+        </p:nvSpPr>
+        <p:spPr/>
+        <p:txBody>
+          <a:bodyPr/>
+          <a:lstStyle/>
+          <a:p>
+            <a:r>
+              <a:rPr lang="en-US" dirty="0" smtClean="0"/>
+              <a:t>Easy to Implement</a:t>
+            </a:r>
+          </a:p>
+          <a:p>
+            <a:r>
+              <a:rPr lang="en-US" dirty="0" smtClean="0"/>
+              <a:t>Simple to Understand</a:t>
+            </a:r>
+          </a:p>
+          <a:p>
+            <a:r>
+              <a:rPr lang="en-US" dirty="0" smtClean="0"/>
+              <a:t>Many Use Cases</a:t>
+            </a:r>
+          </a:p>
+          <a:p>
+            <a:r>
+              <a:rPr lang="en-US" dirty="0" smtClean="0"/>
+              <a:t>Proof of Concept Sensor</a:t>
+            </a:r>
+          </a:p>
+        </p:txBody>
+      </p:sp>
+      <p:sp>
+        <p:nvSpPr>
+          <p:cNvPr id="5" name="Rectangle 4"/>
+          <p:cNvSpPr/>
+          <p:nvPr/>
+        </p:nvSpPr>
+        <p:spPr>
+          <a:xfrm>
+            <a:off x="4739730" y="4038600"/>
+            <a:ext cx="2286000" cy="1752600"/>
+          </a:xfrm>
+          <a:prstGeom prst="rect">
+            <a:avLst/>
+          </a:prstGeom>
+        </p:spPr>
+        <p:style>
+          <a:lnRef idx="2">
+            <a:schemeClr val="accent1">
+              <a:shade val="50000"/>
+            </a:schemeClr>
+          </a:lnRef>
+          <a:fillRef idx="1">
+            <a:schemeClr val="accent1"/>
+          </a:fillRef>
+          <a:effectRef idx="0">
+            <a:schemeClr val="accent1"/>
+          </a:effectRef>
+          <a:fontRef idx="minor">
+            <a:schemeClr val="lt1"/>
+          </a:fontRef>
+        </p:style>
+        <p:txBody>
+          <a:bodyPr rtlCol="0" anchor="ctr"/>
+          <a:lstStyle/>
+          <a:p>
+            <a:pPr algn="ctr"/>
+            <a:r>
+              <a:rPr lang="en-US" dirty="0" smtClean="0"/>
+              <a:t>Picture of Sensor Module</a:t>
+            </a:r>
+            <a:endParaRPr lang="en-US" dirty="0"/>
+          </a:p>
+        </p:txBody>
+      </p:sp>
+      <p:pic>
+        <p:nvPicPr>
+          <p:cNvPr id="6" name="Picture 5"/>
+          <p:cNvPicPr>
+            <a:picLocks noChangeAspect="1"/>
+          </p:cNvPicPr>
+          <p:nvPr/>
+        </p:nvPicPr>
+        <p:blipFill>
+          <a:blip r:embed="rId2">
+            <a:extLst>
+              <a:ext uri="{28A0092B-C50C-407E-A947-70E740481C1C}">
+                <a14:useLocalDpi xmlns:a14="http://schemas.microsoft.com/office/drawing/2010/main" val="0"/>
+              </a:ext>
+            </a:extLst>
+          </a:blip>
+          <a:stretch>
+            <a:fillRect/>
+          </a:stretch>
+        </p:blipFill>
+        <p:spPr>
+          <a:xfrm>
+            <a:off x="1752600" y="4164265"/>
+            <a:ext cx="2088061" cy="1501270"/>
+          </a:xfrm>
+          <a:prstGeom prst="rect">
+            <a:avLst/>
+          </a:prstGeom>
+        </p:spPr>
+      </p:pic>
+      <p:sp>
+        <p:nvSpPr>
+          <p:cNvPr id="7" name="Date Placeholder 6"/>
+          <p:cNvSpPr>
+            <a:spLocks noGrp="1"/>
+          </p:cNvSpPr>
+          <p:nvPr>
+            <p:ph type="dt" sz="half" idx="10"/>
+          </p:nvPr>
+        </p:nvSpPr>
+        <p:spPr/>
+        <p:txBody>
+          <a:bodyPr/>
+          <a:lstStyle/>
+          <a:p>
+            <a:fld id="{7848CE29-B55F-4A30-A5BE-2588661F7426}" type="datetime1">
+              <a:rPr lang="en-US" smtClean="0"/>
+              <a:t>6/4/2014</a:t>
+            </a:fld>
+            <a:endParaRPr lang="en-US"/>
+          </a:p>
+        </p:txBody>
+      </p:sp>
+      <p:sp>
+        <p:nvSpPr>
+          <p:cNvPr id="8" name="Footer Placeholder 7"/>
+          <p:cNvSpPr>
+            <a:spLocks noGrp="1"/>
+          </p:cNvSpPr>
+          <p:nvPr>
+            <p:ph type="ftr" sz="quarter" idx="11"/>
+          </p:nvPr>
+        </p:nvSpPr>
+        <p:spPr/>
+        <p:txBody>
+          <a:bodyPr/>
+          <a:lstStyle/>
+          <a:p>
+            <a:r>
+              <a:rPr lang="en-US" smtClean="0"/>
+              <a:t>Erebus Labs STEM Sensor</a:t>
+            </a:r>
+            <a:endParaRPr lang="en-US" dirty="0"/>
+          </a:p>
+        </p:txBody>
+      </p:sp>
+      <p:sp>
+        <p:nvSpPr>
+          <p:cNvPr id="9" name="Slide Number Placeholder 8"/>
+          <p:cNvSpPr>
+            <a:spLocks noGrp="1"/>
+          </p:cNvSpPr>
+          <p:nvPr>
+            <p:ph type="sldNum" sz="quarter" idx="12"/>
+          </p:nvPr>
+        </p:nvSpPr>
+        <p:spPr/>
+        <p:txBody>
+          <a:bodyPr/>
+          <a:lstStyle/>
+          <a:p>
+            <a:fld id="{41FBF465-1333-4AA3-A58E-1653FDB8C624}" type="slidenum">
+              <a:rPr lang="en-US" smtClean="0"/>
+              <a:t>10</a:t>
+            </a:fld>
+            <a:endParaRPr lang="en-US"/>
+          </a:p>
+        </p:txBody>
+      </p:sp>
+    </p:spTree>
+    <p:extLst>
+      <p:ext uri="{BB962C8B-B14F-4D97-AF65-F5344CB8AC3E}">
+        <p14:creationId xmlns:p14="http://schemas.microsoft.com/office/powerpoint/2010/main" val="694918271"/>
+      </p:ext>
+    </p:extLst>
+  </p:cSld>
+  <p:clrMapOvr>
+    <a:masterClrMapping/>
+  </p:clrMapOvr>
+  <p:timing>
+    <p:tnLst>
+      <p:par>
+        <p:cTn id="1" dur="indefinite" restart="never" nodeType="tmRoot"/>
+      </p:par>
+    </p:tnLst>
+  </p:timing>
+</p:sld>
+</file>
+
+<file path=ppt/slides/slide11.xml><?xml version="1.0" encoding="utf-8"?>
+<p:sld xmlns:a="http://schemas.openxmlformats.org/drawingml/2006/main" xmlns:r="http://schemas.openxmlformats.org/officeDocument/2006/relationships" xmlns:p="http://schemas.openxmlformats.org/presentationml/2006/main">
+  <p:cSld>
+    <p:spTree>
+      <p:nvGrpSpPr>
+        <p:cNvPr id="1" name=""/>
+        <p:cNvGrpSpPr/>
+        <p:nvPr/>
+      </p:nvGrpSpPr>
+      <p:grpSpPr>
+        <a:xfrm>
+          <a:off x="0" y="0"/>
+          <a:ext cx="0" cy="0"/>
+          <a:chOff x="0" y="0"/>
+          <a:chExt cx="0" cy="0"/>
+        </a:xfrm>
+      </p:grpSpPr>
+      <p:sp>
+        <p:nvSpPr>
+          <p:cNvPr id="2" name="Date Placeholder 1"/>
+          <p:cNvSpPr>
+            <a:spLocks noGrp="1"/>
+          </p:cNvSpPr>
+          <p:nvPr>
+            <p:ph type="dt" sz="half" idx="10"/>
+          </p:nvPr>
+        </p:nvSpPr>
+        <p:spPr/>
+        <p:txBody>
+          <a:bodyPr/>
+          <a:lstStyle/>
+          <a:p>
+            <a:fld id="{C29800E0-75F7-49C7-9A2B-4D6AEABEED8B}" type="datetime1">
+              <a:rPr lang="en-US" smtClean="0"/>
+              <a:t>6/4/2014</a:t>
+            </a:fld>
+            <a:endParaRPr lang="en-US"/>
+          </a:p>
+        </p:txBody>
+      </p:sp>
+      <p:sp>
+        <p:nvSpPr>
+          <p:cNvPr id="3" name="Footer Placeholder 2"/>
+          <p:cNvSpPr>
+            <a:spLocks noGrp="1"/>
+          </p:cNvSpPr>
+          <p:nvPr>
+            <p:ph type="ftr" sz="quarter" idx="11"/>
+          </p:nvPr>
+        </p:nvSpPr>
+        <p:spPr/>
+        <p:txBody>
+          <a:bodyPr/>
+          <a:lstStyle/>
+          <a:p>
+            <a:r>
+              <a:rPr lang="en-US" smtClean="0"/>
+              <a:t>Erebus Labs STEM Sensor</a:t>
+            </a:r>
+            <a:endParaRPr lang="en-US" dirty="0"/>
+          </a:p>
+        </p:txBody>
+      </p:sp>
+      <p:sp>
+        <p:nvSpPr>
+          <p:cNvPr id="4" name="Slide Number Placeholder 3"/>
+          <p:cNvSpPr>
+            <a:spLocks noGrp="1"/>
+          </p:cNvSpPr>
+          <p:nvPr>
+            <p:ph type="sldNum" sz="quarter" idx="12"/>
+          </p:nvPr>
+        </p:nvSpPr>
+        <p:spPr/>
+        <p:txBody>
+          <a:bodyPr/>
+          <a:lstStyle/>
+          <a:p>
+            <a:fld id="{41FBF465-1333-4AA3-A58E-1653FDB8C624}" type="slidenum">
+              <a:rPr lang="en-US" smtClean="0"/>
+              <a:t>11</a:t>
+            </a:fld>
+            <a:endParaRPr lang="en-US"/>
+          </a:p>
+        </p:txBody>
+      </p:sp>
+      <p:sp>
+        <p:nvSpPr>
+          <p:cNvPr id="5" name="Text Placeholder 4"/>
+          <p:cNvSpPr>
+            <a:spLocks noGrp="1"/>
+          </p:cNvSpPr>
+          <p:nvPr>
+            <p:ph type="body" sz="quarter" idx="13"/>
+          </p:nvPr>
+        </p:nvSpPr>
+        <p:spPr/>
+        <p:txBody>
+          <a:bodyPr/>
+          <a:lstStyle/>
+          <a:p>
+            <a:r>
+              <a:rPr lang="en-US" dirty="0" smtClean="0"/>
+              <a:t>Hardware</a:t>
+            </a:r>
+            <a:endParaRPr lang="en-US" dirty="0"/>
+          </a:p>
+        </p:txBody>
+      </p:sp>
+      <p:sp>
+        <p:nvSpPr>
+          <p:cNvPr id="6" name="Text Placeholder 5"/>
+          <p:cNvSpPr>
+            <a:spLocks noGrp="1"/>
+          </p:cNvSpPr>
+          <p:nvPr>
+            <p:ph type="body" sz="quarter" idx="14"/>
+          </p:nvPr>
+        </p:nvSpPr>
+        <p:spPr/>
+        <p:txBody>
+          <a:bodyPr/>
+          <a:lstStyle/>
+          <a:p>
+            <a:r>
+              <a:rPr lang="en-US" dirty="0" smtClean="0"/>
+              <a:t>Other</a:t>
+            </a:r>
+            <a:endParaRPr lang="en-US" dirty="0"/>
+          </a:p>
+        </p:txBody>
+      </p:sp>
+      <p:sp>
+        <p:nvSpPr>
+          <p:cNvPr id="7" name="Text Placeholder 6"/>
+          <p:cNvSpPr>
+            <a:spLocks noGrp="1"/>
+          </p:cNvSpPr>
+          <p:nvPr>
+            <p:ph type="body" sz="quarter" idx="15"/>
+          </p:nvPr>
+        </p:nvSpPr>
+        <p:spPr/>
+        <p:txBody>
+          <a:bodyPr/>
+          <a:lstStyle/>
+          <a:p>
+            <a:r>
+              <a:rPr lang="en-US" dirty="0" smtClean="0"/>
+              <a:t>Two Buttons (Start &amp; Stop)</a:t>
+            </a:r>
+          </a:p>
+          <a:p>
+            <a:r>
+              <a:rPr lang="en-US" dirty="0" smtClean="0"/>
+              <a:t>LED System Indicator</a:t>
+            </a:r>
+          </a:p>
+          <a:p>
+            <a:pPr lvl="1"/>
+            <a:r>
+              <a:rPr lang="en-US" dirty="0" smtClean="0"/>
+              <a:t>Start Sampling</a:t>
+            </a:r>
+          </a:p>
+          <a:p>
+            <a:pPr lvl="1"/>
+            <a:r>
+              <a:rPr lang="en-US" dirty="0" smtClean="0"/>
+              <a:t>Stop Sampling</a:t>
+            </a:r>
+          </a:p>
+          <a:p>
+            <a:r>
+              <a:rPr lang="en-US" dirty="0" smtClean="0"/>
+              <a:t>Powered with 4x AA Batteries</a:t>
+            </a:r>
+          </a:p>
+          <a:p>
+            <a:r>
+              <a:rPr lang="en-US" dirty="0" smtClean="0"/>
+              <a:t>Mixed Ground Planes (Analog/Digital)</a:t>
+            </a:r>
+          </a:p>
+          <a:p>
+            <a:endParaRPr lang="en-US" dirty="0"/>
+          </a:p>
+        </p:txBody>
+      </p:sp>
+    </p:spTree>
+    <p:extLst>
+      <p:ext uri="{BB962C8B-B14F-4D97-AF65-F5344CB8AC3E}">
+        <p14:creationId xmlns:p14="http://schemas.microsoft.com/office/powerpoint/2010/main" val="120952503"/>
+      </p:ext>
+    </p:extLst>
+  </p:cSld>
+  <p:clrMapOvr>
+    <a:masterClrMapping/>
+  </p:clrMapOvr>
+  <p:timing>
+    <p:tnLst>
+      <p:par>
+        <p:cTn id="1" dur="indefinite" restart="never" nodeType="tmRoot"/>
+      </p:par>
+    </p:tnLst>
+  </p:timing>
+</p:sld>
+</file>
+
+<file path=ppt/slides/slide12.xml><?xml version="1.0" encoding="utf-8"?>
+<p:sld xmlns:a="http://schemas.openxmlformats.org/drawingml/2006/main" xmlns:r="http://schemas.openxmlformats.org/officeDocument/2006/relationships" xmlns:p="http://schemas.openxmlformats.org/presentationml/2006/main">
+  <p:cSld>
+    <p:spTree>
+      <p:nvGrpSpPr>
+        <p:cNvPr id="1" name=""/>
+        <p:cNvGrpSpPr/>
+        <p:nvPr/>
+      </p:nvGrpSpPr>
+      <p:grpSpPr>
+        <a:xfrm>
+          <a:off x="0" y="0"/>
+          <a:ext cx="0" cy="0"/>
+          <a:chOff x="0" y="0"/>
+          <a:chExt cx="0" cy="0"/>
+        </a:xfrm>
+      </p:grpSpPr>
+      <p:sp>
+        <p:nvSpPr>
+          <p:cNvPr id="2" name="Title 1"/>
+          <p:cNvSpPr>
+            <a:spLocks noGrp="1"/>
+          </p:cNvSpPr>
+          <p:nvPr>
+            <p:ph type="title"/>
+          </p:nvPr>
+        </p:nvSpPr>
+        <p:spPr>
+          <a:xfrm>
+            <a:off x="496116" y="2676345"/>
+            <a:ext cx="8166537" cy="1111469"/>
+          </a:xfrm>
+        </p:spPr>
+        <p:txBody>
+          <a:bodyPr/>
+          <a:lstStyle/>
+          <a:p>
+            <a:r>
+              <a:rPr lang="en-US" b="1" dirty="0" smtClean="0"/>
+              <a:t>Software</a:t>
+            </a:r>
+            <a:endParaRPr lang="en-US" b="1" dirty="0"/>
+          </a:p>
+        </p:txBody>
+      </p:sp>
+      <p:sp>
+        <p:nvSpPr>
+          <p:cNvPr id="4" name="Date Placeholder 3"/>
+          <p:cNvSpPr>
+            <a:spLocks noGrp="1"/>
+          </p:cNvSpPr>
+          <p:nvPr>
+            <p:ph type="dt" sz="half" idx="10"/>
+          </p:nvPr>
+        </p:nvSpPr>
+        <p:spPr/>
+        <p:txBody>
+          <a:bodyPr/>
+          <a:lstStyle/>
+          <a:p>
+            <a:fld id="{3F200636-6250-4F89-B227-5D471D2DCAB3}" type="datetime1">
+              <a:rPr lang="en-US" smtClean="0"/>
+              <a:t>6/4/2014</a:t>
+            </a:fld>
+            <a:endParaRPr lang="en-US"/>
+          </a:p>
+        </p:txBody>
+      </p:sp>
+      <p:sp>
+        <p:nvSpPr>
+          <p:cNvPr id="5" name="Footer Placeholder 4"/>
+          <p:cNvSpPr>
+            <a:spLocks noGrp="1"/>
+          </p:cNvSpPr>
+          <p:nvPr>
+            <p:ph type="ftr" sz="quarter" idx="11"/>
+          </p:nvPr>
+        </p:nvSpPr>
+        <p:spPr/>
+        <p:txBody>
+          <a:bodyPr/>
+          <a:lstStyle/>
+          <a:p>
+            <a:r>
+              <a:rPr lang="en-US" smtClean="0"/>
+              <a:t>Erebus Labs STEM Sensor</a:t>
+            </a:r>
+            <a:endParaRPr lang="en-US"/>
+          </a:p>
+        </p:txBody>
+      </p:sp>
+      <p:sp>
+        <p:nvSpPr>
+          <p:cNvPr id="6" name="Slide Number Placeholder 5"/>
+          <p:cNvSpPr>
+            <a:spLocks noGrp="1"/>
+          </p:cNvSpPr>
+          <p:nvPr>
+            <p:ph type="sldNum" sz="quarter" idx="12"/>
+          </p:nvPr>
+        </p:nvSpPr>
+        <p:spPr/>
+        <p:txBody>
+          <a:bodyPr/>
+          <a:lstStyle/>
+          <a:p>
+            <a:fld id="{41FBF465-1333-4AA3-A58E-1653FDB8C624}" type="slidenum">
+              <a:rPr lang="en-US" smtClean="0"/>
+              <a:t>12</a:t>
+            </a:fld>
+            <a:endParaRPr lang="en-US"/>
+          </a:p>
+        </p:txBody>
+      </p:sp>
+    </p:spTree>
+    <p:extLst>
+      <p:ext uri="{BB962C8B-B14F-4D97-AF65-F5344CB8AC3E}">
+        <p14:creationId xmlns:p14="http://schemas.microsoft.com/office/powerpoint/2010/main" val="2642892805"/>
+      </p:ext>
+    </p:extLst>
+  </p:cSld>
+  <p:clrMapOvr>
+    <a:masterClrMapping/>
+  </p:clrMapOvr>
+  <p:timing>
+    <p:tnLst>
+      <p:par>
+        <p:cTn id="1" dur="indefinite" restart="never" nodeType="tmRoot"/>
+      </p:par>
+    </p:tnLst>
+  </p:timing>
+</p:sld>
+</file>
+
+<file path=ppt/slides/slide13.xml><?xml version="1.0" encoding="utf-8"?>
+<p:sld xmlns:a="http://schemas.openxmlformats.org/drawingml/2006/main" xmlns:r="http://schemas.openxmlformats.org/officeDocument/2006/relationships" xmlns:p="http://schemas.openxmlformats.org/presentationml/2006/main">
+  <p:cSld>
+    <p:spTree>
+      <p:nvGrpSpPr>
+        <p:cNvPr id="1" name=""/>
+        <p:cNvGrpSpPr/>
+        <p:nvPr/>
+      </p:nvGrpSpPr>
+      <p:grpSpPr>
+        <a:xfrm>
+          <a:off x="0" y="0"/>
+          <a:ext cx="0" cy="0"/>
+          <a:chOff x="0" y="0"/>
+          <a:chExt cx="0" cy="0"/>
+        </a:xfrm>
+      </p:grpSpPr>
+      <p:sp>
+        <p:nvSpPr>
+          <p:cNvPr id="2" name="Text Placeholder 1"/>
+          <p:cNvSpPr>
+            <a:spLocks noGrp="1"/>
+          </p:cNvSpPr>
+          <p:nvPr>
+            <p:ph type="body" sz="quarter" idx="13"/>
+          </p:nvPr>
+        </p:nvSpPr>
+        <p:spPr/>
+        <p:txBody>
+          <a:bodyPr/>
+          <a:lstStyle/>
+          <a:p>
+            <a:r>
+              <a:rPr lang="en-US" dirty="0" smtClean="0"/>
+              <a:t>Software</a:t>
+            </a:r>
+            <a:endParaRPr lang="en-US" dirty="0"/>
+          </a:p>
+        </p:txBody>
+      </p:sp>
+      <p:sp>
+        <p:nvSpPr>
+          <p:cNvPr id="3" name="Text Placeholder 2"/>
+          <p:cNvSpPr>
+            <a:spLocks noGrp="1"/>
+          </p:cNvSpPr>
+          <p:nvPr>
+            <p:ph type="body" sz="quarter" idx="14"/>
+          </p:nvPr>
+        </p:nvSpPr>
+        <p:spPr/>
+        <p:txBody>
+          <a:bodyPr/>
+          <a:lstStyle/>
+          <a:p>
+            <a:r>
+              <a:rPr lang="en-US" dirty="0" smtClean="0"/>
+              <a:t>PSoC Creator</a:t>
+            </a:r>
+            <a:endParaRPr lang="en-US" dirty="0"/>
+          </a:p>
+        </p:txBody>
+      </p:sp>
+      <p:sp>
+        <p:nvSpPr>
+          <p:cNvPr id="4" name="Text Placeholder 3"/>
+          <p:cNvSpPr>
+            <a:spLocks noGrp="1"/>
+          </p:cNvSpPr>
+          <p:nvPr>
+            <p:ph type="body" sz="quarter" idx="15"/>
+          </p:nvPr>
+        </p:nvSpPr>
+        <p:spPr/>
+        <p:txBody>
+          <a:bodyPr/>
+          <a:lstStyle/>
+          <a:p>
+            <a:r>
+              <a:rPr lang="en-US" dirty="0" smtClean="0"/>
+              <a:t>Free Development Environment</a:t>
+            </a:r>
+          </a:p>
+          <a:p>
+            <a:r>
+              <a:rPr lang="en-US" dirty="0" smtClean="0"/>
+              <a:t>Drag-and-Drop Programming</a:t>
+            </a:r>
+          </a:p>
+          <a:p>
+            <a:r>
+              <a:rPr lang="en-US" dirty="0" smtClean="0"/>
+              <a:t>Extensive APIs</a:t>
+            </a:r>
+          </a:p>
+        </p:txBody>
+      </p:sp>
+      <p:sp>
+        <p:nvSpPr>
+          <p:cNvPr id="5" name="Date Placeholder 4"/>
+          <p:cNvSpPr>
+            <a:spLocks noGrp="1"/>
+          </p:cNvSpPr>
+          <p:nvPr>
+            <p:ph type="dt" sz="half" idx="10"/>
+          </p:nvPr>
+        </p:nvSpPr>
+        <p:spPr/>
+        <p:txBody>
+          <a:bodyPr/>
+          <a:lstStyle/>
+          <a:p>
+            <a:fld id="{60D7BE83-9D8A-4E84-AE8B-85636A3615EB}" type="datetime1">
+              <a:rPr lang="en-US" smtClean="0"/>
+              <a:t>6/4/2014</a:t>
+            </a:fld>
+            <a:endParaRPr lang="en-US"/>
+          </a:p>
+        </p:txBody>
+      </p:sp>
+      <p:sp>
+        <p:nvSpPr>
+          <p:cNvPr id="6" name="Footer Placeholder 5"/>
+          <p:cNvSpPr>
+            <a:spLocks noGrp="1"/>
+          </p:cNvSpPr>
+          <p:nvPr>
+            <p:ph type="ftr" sz="quarter" idx="11"/>
+          </p:nvPr>
+        </p:nvSpPr>
+        <p:spPr/>
+        <p:txBody>
+          <a:bodyPr/>
+          <a:lstStyle/>
+          <a:p>
+            <a:r>
+              <a:rPr lang="en-US" smtClean="0"/>
+              <a:t>Erebus Labs STEM Sensor</a:t>
+            </a:r>
+            <a:endParaRPr lang="en-US" dirty="0"/>
+          </a:p>
+        </p:txBody>
+      </p:sp>
+      <p:sp>
+        <p:nvSpPr>
+          <p:cNvPr id="7" name="Slide Number Placeholder 6"/>
+          <p:cNvSpPr>
+            <a:spLocks noGrp="1"/>
+          </p:cNvSpPr>
+          <p:nvPr>
+            <p:ph type="sldNum" sz="quarter" idx="12"/>
+          </p:nvPr>
+        </p:nvSpPr>
+        <p:spPr/>
+        <p:txBody>
+          <a:bodyPr/>
+          <a:lstStyle/>
+          <a:p>
+            <a:fld id="{41FBF465-1333-4AA3-A58E-1653FDB8C624}" type="slidenum">
+              <a:rPr lang="en-US" smtClean="0"/>
+              <a:t>13</a:t>
+            </a:fld>
+            <a:endParaRPr lang="en-US"/>
+          </a:p>
+        </p:txBody>
+      </p:sp>
+      <p:pic>
+        <p:nvPicPr>
+          <p:cNvPr id="8" name="Picture 7"/>
+          <p:cNvPicPr>
+            <a:picLocks noChangeAspect="1"/>
+          </p:cNvPicPr>
+          <p:nvPr/>
+        </p:nvPicPr>
+        <p:blipFill>
+          <a:blip r:embed="rId3" cstate="print">
+            <a:extLst>
+              <a:ext uri="{28A0092B-C50C-407E-A947-70E740481C1C}">
+                <a14:useLocalDpi xmlns:a14="http://schemas.microsoft.com/office/drawing/2010/main" val="0"/>
+              </a:ext>
+            </a:extLst>
+          </a:blip>
+          <a:stretch>
+            <a:fillRect/>
+          </a:stretch>
+        </p:blipFill>
+        <p:spPr>
+          <a:xfrm>
+            <a:off x="1881855" y="3439160"/>
+            <a:ext cx="4237290" cy="2530604"/>
+          </a:xfrm>
+          <a:prstGeom prst="rect">
+            <a:avLst/>
+          </a:prstGeom>
+        </p:spPr>
+      </p:pic>
+    </p:spTree>
+    <p:extLst>
+      <p:ext uri="{BB962C8B-B14F-4D97-AF65-F5344CB8AC3E}">
+        <p14:creationId xmlns:p14="http://schemas.microsoft.com/office/powerpoint/2010/main" val="1342757411"/>
+      </p:ext>
+    </p:extLst>
+  </p:cSld>
+  <p:clrMapOvr>
+    <a:masterClrMapping/>
+  </p:clrMapOvr>
+  <p:timing>
+    <p:tnLst>
+      <p:par>
+        <p:cTn id="1" dur="indefinite" restart="never" nodeType="tmRoot"/>
+      </p:par>
+    </p:tnLst>
+  </p:timing>
+</p:sld>
+</file>
+
+<file path=ppt/slides/slide14.xml><?xml version="1.0" encoding="utf-8"?>
+<p:sld xmlns:a="http://schemas.openxmlformats.org/drawingml/2006/main" xmlns:r="http://schemas.openxmlformats.org/officeDocument/2006/relationships" xmlns:p="http://schemas.openxmlformats.org/presentationml/2006/main">
+  <p:cSld>
+    <p:spTree>
+      <p:nvGrpSpPr>
+        <p:cNvPr id="1" name=""/>
+        <p:cNvGrpSpPr/>
+        <p:nvPr/>
+      </p:nvGrpSpPr>
+      <p:grpSpPr>
+        <a:xfrm>
+          <a:off x="0" y="0"/>
+          <a:ext cx="0" cy="0"/>
+          <a:chOff x="0" y="0"/>
+          <a:chExt cx="0" cy="0"/>
+        </a:xfrm>
+      </p:grpSpPr>
+      <p:sp>
+        <p:nvSpPr>
+          <p:cNvPr id="2" name="Text Placeholder 1"/>
+          <p:cNvSpPr>
+            <a:spLocks noGrp="1"/>
+          </p:cNvSpPr>
+          <p:nvPr>
+            <p:ph type="body" sz="quarter" idx="13"/>
+          </p:nvPr>
+        </p:nvSpPr>
+        <p:spPr/>
+        <p:txBody>
+          <a:bodyPr/>
+          <a:lstStyle/>
+          <a:p>
+            <a:r>
+              <a:rPr lang="en-US" dirty="0" smtClean="0"/>
+              <a:t>Software</a:t>
+            </a:r>
+            <a:endParaRPr lang="en-US" dirty="0"/>
+          </a:p>
+        </p:txBody>
+      </p:sp>
+      <p:sp>
+        <p:nvSpPr>
+          <p:cNvPr id="3" name="Date Placeholder 2"/>
+          <p:cNvSpPr>
+            <a:spLocks noGrp="1"/>
+          </p:cNvSpPr>
+          <p:nvPr>
+            <p:ph type="dt" sz="half" idx="10"/>
+          </p:nvPr>
+        </p:nvSpPr>
+        <p:spPr/>
+        <p:txBody>
+          <a:bodyPr/>
+          <a:lstStyle/>
+          <a:p>
+            <a:fld id="{B7ADC19B-5FB9-4704-99F7-B6E940347A84}" type="datetime1">
+              <a:rPr lang="en-US" smtClean="0"/>
+              <a:t>6/4/2014</a:t>
+            </a:fld>
+            <a:endParaRPr lang="en-US"/>
+          </a:p>
+        </p:txBody>
+      </p:sp>
+      <p:sp>
+        <p:nvSpPr>
+          <p:cNvPr id="4" name="Footer Placeholder 3"/>
+          <p:cNvSpPr>
+            <a:spLocks noGrp="1"/>
+          </p:cNvSpPr>
+          <p:nvPr>
+            <p:ph type="ftr" sz="quarter" idx="11"/>
+          </p:nvPr>
+        </p:nvSpPr>
+        <p:spPr/>
+        <p:txBody>
+          <a:bodyPr/>
+          <a:lstStyle/>
+          <a:p>
+            <a:r>
+              <a:rPr lang="en-US" smtClean="0"/>
+              <a:t>Erebus Labs STEM Sensor</a:t>
+            </a:r>
+            <a:endParaRPr lang="en-US" dirty="0"/>
+          </a:p>
+        </p:txBody>
+      </p:sp>
+      <p:sp>
+        <p:nvSpPr>
+          <p:cNvPr id="5" name="Slide Number Placeholder 4"/>
+          <p:cNvSpPr>
+            <a:spLocks noGrp="1"/>
+          </p:cNvSpPr>
+          <p:nvPr>
+            <p:ph type="sldNum" sz="quarter" idx="12"/>
+          </p:nvPr>
+        </p:nvSpPr>
+        <p:spPr/>
+        <p:txBody>
+          <a:bodyPr/>
+          <a:lstStyle/>
+          <a:p>
+            <a:fld id="{41FBF465-1333-4AA3-A58E-1653FDB8C624}" type="slidenum">
+              <a:rPr lang="en-US" smtClean="0"/>
+              <a:t>14</a:t>
+            </a:fld>
+            <a:endParaRPr lang="en-US"/>
+          </a:p>
+        </p:txBody>
+      </p:sp>
+      <p:sp>
+        <p:nvSpPr>
+          <p:cNvPr id="6" name="Text Placeholder 5"/>
+          <p:cNvSpPr>
+            <a:spLocks noGrp="1"/>
+          </p:cNvSpPr>
+          <p:nvPr>
+            <p:ph type="body" sz="quarter" idx="14"/>
+          </p:nvPr>
+        </p:nvSpPr>
+        <p:spPr/>
+        <p:txBody>
+          <a:bodyPr/>
+          <a:lstStyle/>
+          <a:p>
+            <a:r>
+              <a:rPr lang="en-US" dirty="0" smtClean="0"/>
+              <a:t>Firmware</a:t>
+            </a:r>
+            <a:endParaRPr lang="en-US" dirty="0"/>
+          </a:p>
+        </p:txBody>
+      </p:sp>
+      <p:sp>
+        <p:nvSpPr>
+          <p:cNvPr id="7" name="Text Placeholder 6"/>
+          <p:cNvSpPr>
+            <a:spLocks noGrp="1"/>
+          </p:cNvSpPr>
+          <p:nvPr>
+            <p:ph type="body" sz="quarter" idx="15"/>
+          </p:nvPr>
+        </p:nvSpPr>
+        <p:spPr/>
+        <p:txBody>
+          <a:bodyPr/>
+          <a:lstStyle/>
+          <a:p>
+            <a:r>
+              <a:rPr lang="en-US" dirty="0" smtClean="0"/>
+              <a:t>Serial Over USB</a:t>
+            </a:r>
+          </a:p>
+          <a:p>
+            <a:r>
+              <a:rPr lang="en-US" dirty="0" smtClean="0"/>
+              <a:t>Max Speed 1 Sample </a:t>
+            </a:r>
+            <a:r>
+              <a:rPr lang="en-US" dirty="0"/>
+              <a:t>P</a:t>
+            </a:r>
+            <a:r>
+              <a:rPr lang="en-US" dirty="0" smtClean="0"/>
+              <a:t>er Second</a:t>
+            </a:r>
+          </a:p>
+          <a:p>
+            <a:r>
+              <a:rPr lang="en-US" dirty="0" smtClean="0"/>
+              <a:t>LED System Indicator</a:t>
+            </a:r>
+          </a:p>
+          <a:p>
+            <a:pPr lvl="1"/>
+            <a:r>
+              <a:rPr lang="en-US" dirty="0" smtClean="0"/>
+              <a:t>Sample Get</a:t>
+            </a:r>
+          </a:p>
+          <a:p>
+            <a:pPr lvl="1"/>
+            <a:r>
+              <a:rPr lang="en-US" dirty="0" smtClean="0"/>
+              <a:t>Errors</a:t>
+            </a:r>
+          </a:p>
+          <a:p>
+            <a:pPr lvl="1"/>
+            <a:r>
+              <a:rPr lang="en-US" dirty="0" smtClean="0"/>
+              <a:t>USB Connected</a:t>
+            </a:r>
+          </a:p>
+          <a:p>
+            <a:pPr lvl="1"/>
+            <a:r>
+              <a:rPr lang="en-US" dirty="0" smtClean="0"/>
+              <a:t>Low Battery</a:t>
+            </a:r>
+            <a:endParaRPr lang="en-US" dirty="0"/>
+          </a:p>
+        </p:txBody>
+      </p:sp>
+    </p:spTree>
+    <p:extLst>
+      <p:ext uri="{BB962C8B-B14F-4D97-AF65-F5344CB8AC3E}">
+        <p14:creationId xmlns:p14="http://schemas.microsoft.com/office/powerpoint/2010/main" val="3543252841"/>
+      </p:ext>
+    </p:extLst>
+  </p:cSld>
+  <p:clrMapOvr>
+    <a:masterClrMapping/>
+  </p:clrMapOvr>
+  <p:timing>
+    <p:tnLst>
+      <p:par>
+        <p:cTn id="1" dur="indefinite" restart="never" nodeType="tmRoot"/>
+      </p:par>
+    </p:tnLst>
+  </p:timing>
+</p:sld>
+</file>
+
+<file path=ppt/slides/slide15.xml><?xml version="1.0" encoding="utf-8"?>
+<p:sld xmlns:a="http://schemas.openxmlformats.org/drawingml/2006/main" xmlns:r="http://schemas.openxmlformats.org/officeDocument/2006/relationships" xmlns:p="http://schemas.openxmlformats.org/presentationml/2006/main">
+  <p:cSld>
+    <p:spTree>
+      <p:nvGrpSpPr>
+        <p:cNvPr id="1" name=""/>
+        <p:cNvGrpSpPr/>
+        <p:nvPr/>
+      </p:nvGrpSpPr>
+      <p:grpSpPr>
+        <a:xfrm>
+          <a:off x="0" y="0"/>
+          <a:ext cx="0" cy="0"/>
+          <a:chOff x="0" y="0"/>
+          <a:chExt cx="0" cy="0"/>
+        </a:xfrm>
+      </p:grpSpPr>
+      <p:sp>
+        <p:nvSpPr>
+          <p:cNvPr id="2" name="Text Placeholder 1"/>
+          <p:cNvSpPr>
+            <a:spLocks noGrp="1"/>
+          </p:cNvSpPr>
+          <p:nvPr>
+            <p:ph type="body" sz="quarter" idx="13"/>
+          </p:nvPr>
+        </p:nvSpPr>
+        <p:spPr/>
+        <p:txBody>
+          <a:bodyPr/>
+          <a:lstStyle/>
+          <a:p>
+            <a:r>
+              <a:rPr lang="en-US" dirty="0" smtClean="0"/>
+              <a:t>Software</a:t>
+            </a:r>
+            <a:endParaRPr lang="en-US" dirty="0"/>
+          </a:p>
+        </p:txBody>
+      </p:sp>
+      <p:sp>
+        <p:nvSpPr>
+          <p:cNvPr id="3" name="Date Placeholder 2"/>
+          <p:cNvSpPr>
+            <a:spLocks noGrp="1"/>
+          </p:cNvSpPr>
+          <p:nvPr>
+            <p:ph type="dt" sz="half" idx="10"/>
+          </p:nvPr>
+        </p:nvSpPr>
+        <p:spPr/>
+        <p:txBody>
+          <a:bodyPr/>
+          <a:lstStyle/>
+          <a:p>
+            <a:fld id="{B7ADC19B-5FB9-4704-99F7-B6E940347A84}" type="datetime1">
+              <a:rPr lang="en-US" smtClean="0"/>
+              <a:t>6/4/2014</a:t>
+            </a:fld>
+            <a:endParaRPr lang="en-US"/>
+          </a:p>
+        </p:txBody>
+      </p:sp>
+      <p:sp>
+        <p:nvSpPr>
+          <p:cNvPr id="4" name="Footer Placeholder 3"/>
+          <p:cNvSpPr>
+            <a:spLocks noGrp="1"/>
+          </p:cNvSpPr>
+          <p:nvPr>
+            <p:ph type="ftr" sz="quarter" idx="11"/>
+          </p:nvPr>
+        </p:nvSpPr>
+        <p:spPr/>
+        <p:txBody>
+          <a:bodyPr/>
+          <a:lstStyle/>
+          <a:p>
+            <a:r>
+              <a:rPr lang="en-US" smtClean="0"/>
+              <a:t>Erebus Labs STEM Sensor</a:t>
+            </a:r>
+            <a:endParaRPr lang="en-US" dirty="0"/>
+          </a:p>
+        </p:txBody>
+      </p:sp>
+      <p:sp>
+        <p:nvSpPr>
+          <p:cNvPr id="5" name="Slide Number Placeholder 4"/>
+          <p:cNvSpPr>
+            <a:spLocks noGrp="1"/>
+          </p:cNvSpPr>
+          <p:nvPr>
+            <p:ph type="sldNum" sz="quarter" idx="12"/>
+          </p:nvPr>
+        </p:nvSpPr>
+        <p:spPr/>
+        <p:txBody>
+          <a:bodyPr/>
+          <a:lstStyle/>
+          <a:p>
+            <a:fld id="{41FBF465-1333-4AA3-A58E-1653FDB8C624}" type="slidenum">
+              <a:rPr lang="en-US" smtClean="0"/>
+              <a:t>15</a:t>
+            </a:fld>
+            <a:endParaRPr lang="en-US"/>
+          </a:p>
+        </p:txBody>
+      </p:sp>
+      <p:sp>
+        <p:nvSpPr>
+          <p:cNvPr id="6" name="Text Placeholder 5"/>
+          <p:cNvSpPr>
+            <a:spLocks noGrp="1"/>
+          </p:cNvSpPr>
+          <p:nvPr>
+            <p:ph type="body" sz="quarter" idx="14"/>
+          </p:nvPr>
+        </p:nvSpPr>
+        <p:spPr/>
+        <p:txBody>
+          <a:bodyPr/>
+          <a:lstStyle/>
+          <a:p>
+            <a:r>
+              <a:rPr lang="en-US" dirty="0" smtClean="0"/>
+              <a:t>Firmware</a:t>
+            </a:r>
+            <a:endParaRPr lang="en-US" dirty="0"/>
+          </a:p>
+        </p:txBody>
+      </p:sp>
+      <p:sp>
+        <p:nvSpPr>
+          <p:cNvPr id="7" name="Text Placeholder 6"/>
+          <p:cNvSpPr>
+            <a:spLocks noGrp="1"/>
+          </p:cNvSpPr>
+          <p:nvPr>
+            <p:ph type="body" sz="quarter" idx="15"/>
+          </p:nvPr>
+        </p:nvSpPr>
+        <p:spPr/>
+        <p:txBody>
+          <a:bodyPr/>
+          <a:lstStyle/>
+          <a:p>
+            <a:r>
+              <a:rPr lang="en-US" dirty="0" smtClean="0"/>
+              <a:t>Emulated EEPROM</a:t>
+            </a:r>
+          </a:p>
+          <a:p>
+            <a:pPr lvl="1"/>
+            <a:r>
+              <a:rPr lang="en-US" dirty="0" smtClean="0"/>
+              <a:t>Emulated Inside Flash</a:t>
+            </a:r>
+          </a:p>
+          <a:p>
+            <a:pPr lvl="1"/>
+            <a:r>
+              <a:rPr lang="en-US" dirty="0" smtClean="0"/>
+              <a:t>Wear Leveling</a:t>
+            </a:r>
+            <a:endParaRPr lang="en-US" dirty="0"/>
+          </a:p>
+          <a:p>
+            <a:r>
+              <a:rPr lang="en-US" dirty="0" smtClean="0"/>
+              <a:t>Power Management</a:t>
+            </a:r>
+          </a:p>
+          <a:p>
+            <a:pPr lvl="1"/>
+            <a:r>
+              <a:rPr lang="en-US" dirty="0" smtClean="0"/>
+              <a:t>No Power Switch</a:t>
+            </a:r>
+          </a:p>
+          <a:p>
+            <a:pPr lvl="1"/>
+            <a:r>
+              <a:rPr lang="en-US" dirty="0" smtClean="0"/>
+              <a:t>Minimal Current Use</a:t>
+            </a:r>
+          </a:p>
+          <a:p>
+            <a:r>
+              <a:rPr lang="en-US" dirty="0" smtClean="0"/>
+              <a:t>Timestamps Using Real Time Clock</a:t>
+            </a:r>
+          </a:p>
+        </p:txBody>
+      </p:sp>
+    </p:spTree>
+    <p:extLst>
+      <p:ext uri="{BB962C8B-B14F-4D97-AF65-F5344CB8AC3E}">
+        <p14:creationId xmlns:p14="http://schemas.microsoft.com/office/powerpoint/2010/main" val="1099821575"/>
+      </p:ext>
+    </p:extLst>
+  </p:cSld>
+  <p:clrMapOvr>
+    <a:masterClrMapping/>
+  </p:clrMapOvr>
+  <p:timing>
+    <p:tnLst>
+      <p:par>
+        <p:cTn id="1" dur="indefinite" restart="never" nodeType="tmRoot"/>
+      </p:par>
+    </p:tnLst>
+  </p:timing>
+</p:sld>
+</file>
+
+<file path=ppt/slides/slide16.xml><?xml version="1.0" encoding="utf-8"?>
+<p:sld xmlns:a="http://schemas.openxmlformats.org/drawingml/2006/main" xmlns:r="http://schemas.openxmlformats.org/officeDocument/2006/relationships" xmlns:p="http://schemas.openxmlformats.org/presentationml/2006/main">
+  <p:cSld>
+    <p:spTree>
+      <p:nvGrpSpPr>
+        <p:cNvPr id="1" name=""/>
+        <p:cNvGrpSpPr/>
+        <p:nvPr/>
+      </p:nvGrpSpPr>
+      <p:grpSpPr>
+        <a:xfrm>
+          <a:off x="0" y="0"/>
+          <a:ext cx="0" cy="0"/>
+          <a:chOff x="0" y="0"/>
+          <a:chExt cx="0" cy="0"/>
+        </a:xfrm>
+      </p:grpSpPr>
+      <p:sp>
+        <p:nvSpPr>
+          <p:cNvPr id="2" name="Text Placeholder 1"/>
+          <p:cNvSpPr>
+            <a:spLocks noGrp="1"/>
+          </p:cNvSpPr>
+          <p:nvPr>
+            <p:ph type="body" sz="quarter" idx="13"/>
+          </p:nvPr>
+        </p:nvSpPr>
+        <p:spPr/>
+        <p:txBody>
+          <a:bodyPr/>
+          <a:lstStyle/>
+          <a:p>
+            <a:r>
+              <a:rPr lang="en-US" dirty="0" smtClean="0"/>
+              <a:t>Software</a:t>
+            </a:r>
+            <a:endParaRPr lang="en-US" dirty="0"/>
+          </a:p>
+        </p:txBody>
+      </p:sp>
+      <p:sp>
+        <p:nvSpPr>
+          <p:cNvPr id="3" name="Date Placeholder 2"/>
+          <p:cNvSpPr>
+            <a:spLocks noGrp="1"/>
+          </p:cNvSpPr>
+          <p:nvPr>
+            <p:ph type="dt" sz="half" idx="10"/>
+          </p:nvPr>
+        </p:nvSpPr>
+        <p:spPr/>
+        <p:txBody>
+          <a:bodyPr/>
+          <a:lstStyle/>
+          <a:p>
+            <a:fld id="{B7ADC19B-5FB9-4704-99F7-B6E940347A84}" type="datetime1">
+              <a:rPr lang="en-US" smtClean="0"/>
+              <a:t>6/4/2014</a:t>
+            </a:fld>
+            <a:endParaRPr lang="en-US"/>
+          </a:p>
+        </p:txBody>
+      </p:sp>
+      <p:sp>
+        <p:nvSpPr>
+          <p:cNvPr id="4" name="Footer Placeholder 3"/>
+          <p:cNvSpPr>
+            <a:spLocks noGrp="1"/>
+          </p:cNvSpPr>
+          <p:nvPr>
+            <p:ph type="ftr" sz="quarter" idx="11"/>
+          </p:nvPr>
+        </p:nvSpPr>
+        <p:spPr/>
+        <p:txBody>
+          <a:bodyPr/>
+          <a:lstStyle/>
+          <a:p>
+            <a:r>
+              <a:rPr lang="en-US" smtClean="0"/>
+              <a:t>Erebus Labs STEM Sensor</a:t>
+            </a:r>
+            <a:endParaRPr lang="en-US" dirty="0"/>
+          </a:p>
+        </p:txBody>
+      </p:sp>
+      <p:sp>
+        <p:nvSpPr>
+          <p:cNvPr id="5" name="Slide Number Placeholder 4"/>
+          <p:cNvSpPr>
+            <a:spLocks noGrp="1"/>
+          </p:cNvSpPr>
+          <p:nvPr>
+            <p:ph type="sldNum" sz="quarter" idx="12"/>
+          </p:nvPr>
+        </p:nvSpPr>
+        <p:spPr/>
+        <p:txBody>
+          <a:bodyPr/>
+          <a:lstStyle/>
+          <a:p>
+            <a:fld id="{41FBF465-1333-4AA3-A58E-1653FDB8C624}" type="slidenum">
+              <a:rPr lang="en-US" smtClean="0"/>
+              <a:t>16</a:t>
+            </a:fld>
+            <a:endParaRPr lang="en-US"/>
+          </a:p>
+        </p:txBody>
+      </p:sp>
+      <p:sp>
+        <p:nvSpPr>
+          <p:cNvPr id="6" name="Text Placeholder 5"/>
+          <p:cNvSpPr>
+            <a:spLocks noGrp="1"/>
+          </p:cNvSpPr>
+          <p:nvPr>
+            <p:ph type="body" sz="quarter" idx="14"/>
+          </p:nvPr>
+        </p:nvSpPr>
+        <p:spPr/>
+        <p:txBody>
+          <a:bodyPr/>
+          <a:lstStyle/>
+          <a:p>
+            <a:r>
+              <a:rPr lang="en-US" dirty="0" smtClean="0"/>
+              <a:t>GUI</a:t>
+            </a:r>
+            <a:endParaRPr lang="en-US" dirty="0"/>
+          </a:p>
+        </p:txBody>
+      </p:sp>
+      <p:pic>
+        <p:nvPicPr>
+          <p:cNvPr id="8" name="Picture 7"/>
+          <p:cNvPicPr>
+            <a:picLocks noChangeAspect="1"/>
+          </p:cNvPicPr>
+          <p:nvPr/>
+        </p:nvPicPr>
+        <p:blipFill>
+          <a:blip r:embed="rId2">
+            <a:extLst>
+              <a:ext uri="{28A0092B-C50C-407E-A947-70E740481C1C}">
+                <a14:useLocalDpi xmlns:a14="http://schemas.microsoft.com/office/drawing/2010/main" val="0"/>
+              </a:ext>
+            </a:extLst>
+          </a:blip>
+          <a:stretch>
+            <a:fillRect/>
+          </a:stretch>
+        </p:blipFill>
+        <p:spPr>
+          <a:xfrm>
+            <a:off x="1029071" y="1752809"/>
+            <a:ext cx="5942857" cy="3352381"/>
+          </a:xfrm>
+          <a:prstGeom prst="rect">
+            <a:avLst/>
+          </a:prstGeom>
+        </p:spPr>
+      </p:pic>
+    </p:spTree>
+    <p:extLst>
+      <p:ext uri="{BB962C8B-B14F-4D97-AF65-F5344CB8AC3E}">
+        <p14:creationId xmlns:p14="http://schemas.microsoft.com/office/powerpoint/2010/main" val="1149604359"/>
+      </p:ext>
+    </p:extLst>
+  </p:cSld>
+  <p:clrMapOvr>
+    <a:masterClrMapping/>
+  </p:clrMapOvr>
+  <p:timing>
+    <p:tnLst>
+      <p:par>
+        <p:cTn id="1" dur="indefinite" restart="never" nodeType="tmRoot"/>
+      </p:par>
+    </p:tnLst>
+  </p:timing>
+</p:sld>
+</file>
+
+<file path=ppt/slides/slide17.xml><?xml version="1.0" encoding="utf-8"?>
+<p:sld xmlns:a="http://schemas.openxmlformats.org/drawingml/2006/main" xmlns:r="http://schemas.openxmlformats.org/officeDocument/2006/relationships" xmlns:p="http://schemas.openxmlformats.org/presentationml/2006/main">
+  <p:cSld>
+    <p:spTree>
+      <p:nvGrpSpPr>
+        <p:cNvPr id="1" name=""/>
+        <p:cNvGrpSpPr/>
+        <p:nvPr/>
+      </p:nvGrpSpPr>
+      <p:grpSpPr>
+        <a:xfrm>
+          <a:off x="0" y="0"/>
+          <a:ext cx="0" cy="0"/>
+          <a:chOff x="0" y="0"/>
+          <a:chExt cx="0" cy="0"/>
+        </a:xfrm>
+      </p:grpSpPr>
+      <p:sp>
+        <p:nvSpPr>
+          <p:cNvPr id="2" name="Text Placeholder 1"/>
+          <p:cNvSpPr>
+            <a:spLocks noGrp="1"/>
+          </p:cNvSpPr>
+          <p:nvPr>
+            <p:ph type="body" sz="quarter" idx="13"/>
+          </p:nvPr>
+        </p:nvSpPr>
+        <p:spPr/>
+        <p:txBody>
+          <a:bodyPr/>
+          <a:lstStyle/>
+          <a:p>
+            <a:r>
+              <a:rPr lang="en-US" dirty="0" smtClean="0"/>
+              <a:t>Software</a:t>
+            </a:r>
+            <a:endParaRPr lang="en-US" dirty="0"/>
+          </a:p>
+        </p:txBody>
+      </p:sp>
+      <p:sp>
+        <p:nvSpPr>
+          <p:cNvPr id="3" name="Date Placeholder 2"/>
+          <p:cNvSpPr>
+            <a:spLocks noGrp="1"/>
+          </p:cNvSpPr>
+          <p:nvPr>
+            <p:ph type="dt" sz="half" idx="10"/>
+          </p:nvPr>
+        </p:nvSpPr>
+        <p:spPr/>
+        <p:txBody>
+          <a:bodyPr/>
+          <a:lstStyle/>
+          <a:p>
+            <a:fld id="{B7ADC19B-5FB9-4704-99F7-B6E940347A84}" type="datetime1">
+              <a:rPr lang="en-US" smtClean="0"/>
+              <a:t>6/4/2014</a:t>
+            </a:fld>
+            <a:endParaRPr lang="en-US"/>
+          </a:p>
+        </p:txBody>
+      </p:sp>
+      <p:sp>
+        <p:nvSpPr>
+          <p:cNvPr id="4" name="Footer Placeholder 3"/>
+          <p:cNvSpPr>
+            <a:spLocks noGrp="1"/>
+          </p:cNvSpPr>
+          <p:nvPr>
+            <p:ph type="ftr" sz="quarter" idx="11"/>
+          </p:nvPr>
+        </p:nvSpPr>
+        <p:spPr/>
+        <p:txBody>
+          <a:bodyPr/>
+          <a:lstStyle/>
+          <a:p>
+            <a:r>
+              <a:rPr lang="en-US" smtClean="0"/>
+              <a:t>Erebus Labs STEM Sensor</a:t>
+            </a:r>
+            <a:endParaRPr lang="en-US" dirty="0"/>
+          </a:p>
+        </p:txBody>
+      </p:sp>
+      <p:sp>
+        <p:nvSpPr>
+          <p:cNvPr id="5" name="Slide Number Placeholder 4"/>
+          <p:cNvSpPr>
+            <a:spLocks noGrp="1"/>
+          </p:cNvSpPr>
+          <p:nvPr>
+            <p:ph type="sldNum" sz="quarter" idx="12"/>
+          </p:nvPr>
+        </p:nvSpPr>
+        <p:spPr/>
+        <p:txBody>
+          <a:bodyPr/>
+          <a:lstStyle/>
+          <a:p>
+            <a:fld id="{41FBF465-1333-4AA3-A58E-1653FDB8C624}" type="slidenum">
+              <a:rPr lang="en-US" smtClean="0"/>
+              <a:t>17</a:t>
+            </a:fld>
+            <a:endParaRPr lang="en-US"/>
+          </a:p>
+        </p:txBody>
+      </p:sp>
+      <p:sp>
+        <p:nvSpPr>
+          <p:cNvPr id="6" name="Text Placeholder 5"/>
+          <p:cNvSpPr>
+            <a:spLocks noGrp="1"/>
+          </p:cNvSpPr>
+          <p:nvPr>
+            <p:ph type="body" sz="quarter" idx="14"/>
+          </p:nvPr>
+        </p:nvSpPr>
+        <p:spPr/>
+        <p:txBody>
+          <a:bodyPr/>
+          <a:lstStyle/>
+          <a:p>
+            <a:r>
+              <a:rPr lang="en-US" dirty="0" smtClean="0"/>
+              <a:t>GUI</a:t>
+            </a:r>
+            <a:endParaRPr lang="en-US" dirty="0"/>
+          </a:p>
+        </p:txBody>
+      </p:sp>
+      <p:sp>
+        <p:nvSpPr>
+          <p:cNvPr id="7" name="Text Placeholder 6"/>
+          <p:cNvSpPr>
+            <a:spLocks noGrp="1"/>
+          </p:cNvSpPr>
+          <p:nvPr>
+            <p:ph type="body" sz="quarter" idx="15"/>
+          </p:nvPr>
+        </p:nvSpPr>
+        <p:spPr/>
+        <p:txBody>
+          <a:bodyPr/>
+          <a:lstStyle/>
+          <a:p>
+            <a:r>
+              <a:rPr lang="en-US" dirty="0" smtClean="0"/>
+              <a:t>Simple &amp; Minimalistic</a:t>
+            </a:r>
+          </a:p>
+          <a:p>
+            <a:r>
+              <a:rPr lang="en-US" dirty="0" smtClean="0"/>
+              <a:t>Sensor Selection</a:t>
+            </a:r>
+          </a:p>
+          <a:p>
+            <a:r>
+              <a:rPr lang="en-US" dirty="0" smtClean="0"/>
+              <a:t>Sample Rate</a:t>
+            </a:r>
+          </a:p>
+          <a:p>
+            <a:r>
+              <a:rPr lang="en-US" dirty="0" smtClean="0"/>
+              <a:t>Reference and Documentation</a:t>
+            </a:r>
+          </a:p>
+          <a:p>
+            <a:r>
+              <a:rPr lang="en-US" dirty="0" smtClean="0"/>
+              <a:t>Auto-Clear Data on </a:t>
+            </a:r>
+            <a:r>
+              <a:rPr lang="en-US" u="sng" dirty="0" smtClean="0"/>
+              <a:t>Successful</a:t>
+            </a:r>
+            <a:r>
+              <a:rPr lang="en-US" dirty="0"/>
+              <a:t> </a:t>
+            </a:r>
+            <a:r>
+              <a:rPr lang="en-US" dirty="0" smtClean="0"/>
+              <a:t>Dump</a:t>
+            </a:r>
+          </a:p>
+          <a:p>
+            <a:r>
+              <a:rPr lang="en-US" dirty="0" smtClean="0"/>
+              <a:t>Written in Python</a:t>
+            </a:r>
+            <a:endParaRPr lang="en-US" dirty="0"/>
+          </a:p>
+        </p:txBody>
+      </p:sp>
+    </p:spTree>
+    <p:extLst>
+      <p:ext uri="{BB962C8B-B14F-4D97-AF65-F5344CB8AC3E}">
+        <p14:creationId xmlns:p14="http://schemas.microsoft.com/office/powerpoint/2010/main" val="1824787352"/>
+      </p:ext>
+    </p:extLst>
+  </p:cSld>
+  <p:clrMapOvr>
+    <a:masterClrMapping/>
+  </p:clrMapOvr>
+  <p:timing>
+    <p:tnLst>
+      <p:par>
+        <p:cTn id="1" dur="indefinite" restart="never" nodeType="tmRoot"/>
+      </p:par>
+    </p:tnLst>
+  </p:timing>
+</p:sld>
+</file>
+
+<file path=ppt/slides/slide18.xml><?xml version="1.0" encoding="utf-8"?>
+<p:sld xmlns:a="http://schemas.openxmlformats.org/drawingml/2006/main" xmlns:r="http://schemas.openxmlformats.org/officeDocument/2006/relationships" xmlns:p="http://schemas.openxmlformats.org/presentationml/2006/main">
+  <p:cSld>
+    <p:spTree>
+      <p:nvGrpSpPr>
+        <p:cNvPr id="1" name=""/>
+        <p:cNvGrpSpPr/>
+        <p:nvPr/>
+      </p:nvGrpSpPr>
+      <p:grpSpPr>
+        <a:xfrm>
+          <a:off x="0" y="0"/>
+          <a:ext cx="0" cy="0"/>
+          <a:chOff x="0" y="0"/>
+          <a:chExt cx="0" cy="0"/>
+        </a:xfrm>
+      </p:grpSpPr>
+      <p:sp>
+        <p:nvSpPr>
+          <p:cNvPr id="2" name="Title 1"/>
+          <p:cNvSpPr>
+            <a:spLocks noGrp="1"/>
+          </p:cNvSpPr>
+          <p:nvPr>
+            <p:ph type="title"/>
+          </p:nvPr>
+        </p:nvSpPr>
+        <p:spPr>
+          <a:xfrm>
+            <a:off x="472966" y="2667000"/>
+            <a:ext cx="8166537" cy="1111469"/>
+          </a:xfrm>
+        </p:spPr>
+        <p:txBody>
+          <a:bodyPr>
+            <a:normAutofit fontScale="90000"/>
+          </a:bodyPr>
+          <a:lstStyle/>
+          <a:p>
+            <a:r>
+              <a:rPr lang="en-US" b="1" dirty="0" smtClean="0"/>
+              <a:t>Lessons Learned</a:t>
+            </a:r>
+            <a:br>
+              <a:rPr lang="en-US" b="1" dirty="0" smtClean="0"/>
+            </a:br>
+            <a:r>
+              <a:rPr lang="en-US" b="1" dirty="0" smtClean="0"/>
+              <a:t>(Thoughts for Rev. 2)</a:t>
+            </a:r>
+            <a:endParaRPr lang="en-US" b="1" dirty="0"/>
+          </a:p>
+        </p:txBody>
+      </p:sp>
+      <p:sp>
+        <p:nvSpPr>
+          <p:cNvPr id="4" name="Date Placeholder 3"/>
+          <p:cNvSpPr>
+            <a:spLocks noGrp="1"/>
+          </p:cNvSpPr>
+          <p:nvPr>
+            <p:ph type="dt" sz="half" idx="10"/>
+          </p:nvPr>
+        </p:nvSpPr>
+        <p:spPr/>
+        <p:txBody>
+          <a:bodyPr/>
+          <a:lstStyle/>
+          <a:p>
+            <a:fld id="{B7016397-4199-4A8C-831C-12C1185F1413}" type="datetime1">
+              <a:rPr lang="en-US" smtClean="0"/>
+              <a:t>6/4/2014</a:t>
+            </a:fld>
+            <a:endParaRPr lang="en-US"/>
+          </a:p>
+        </p:txBody>
+      </p:sp>
+      <p:sp>
+        <p:nvSpPr>
+          <p:cNvPr id="5" name="Footer Placeholder 4"/>
+          <p:cNvSpPr>
+            <a:spLocks noGrp="1"/>
+          </p:cNvSpPr>
+          <p:nvPr>
+            <p:ph type="ftr" sz="quarter" idx="11"/>
+          </p:nvPr>
+        </p:nvSpPr>
+        <p:spPr/>
+        <p:txBody>
+          <a:bodyPr/>
+          <a:lstStyle/>
+          <a:p>
+            <a:r>
+              <a:rPr lang="en-US" smtClean="0"/>
+              <a:t>Erebus Labs STEM Sensor</a:t>
+            </a:r>
+            <a:endParaRPr lang="en-US" dirty="0"/>
+          </a:p>
+        </p:txBody>
+      </p:sp>
+      <p:sp>
+        <p:nvSpPr>
+          <p:cNvPr id="6" name="Slide Number Placeholder 5"/>
+          <p:cNvSpPr>
+            <a:spLocks noGrp="1"/>
+          </p:cNvSpPr>
+          <p:nvPr>
+            <p:ph type="sldNum" sz="quarter" idx="12"/>
+          </p:nvPr>
+        </p:nvSpPr>
+        <p:spPr/>
+        <p:txBody>
+          <a:bodyPr/>
+          <a:lstStyle/>
+          <a:p>
+            <a:fld id="{41FBF465-1333-4AA3-A58E-1653FDB8C624}" type="slidenum">
+              <a:rPr lang="en-US" smtClean="0"/>
+              <a:pPr/>
+              <a:t>18</a:t>
+            </a:fld>
+            <a:endParaRPr lang="en-US"/>
+          </a:p>
+        </p:txBody>
+      </p:sp>
+    </p:spTree>
+    <p:extLst>
+      <p:ext uri="{BB962C8B-B14F-4D97-AF65-F5344CB8AC3E}">
+        <p14:creationId xmlns:p14="http://schemas.microsoft.com/office/powerpoint/2010/main" val="429829556"/>
+      </p:ext>
+    </p:extLst>
+  </p:cSld>
+  <p:clrMapOvr>
+    <a:masterClrMapping/>
+  </p:clrMapOvr>
+  <p:timing>
+    <p:tnLst>
+      <p:par>
+        <p:cTn id="1" dur="indefinite" restart="never" nodeType="tmRoot"/>
+      </p:par>
+    </p:tnLst>
+  </p:timing>
+</p:sld>
+</file>
+
+<file path=ppt/slides/slide19.xml><?xml version="1.0" encoding="utf-8"?>
+<p:sld xmlns:a="http://schemas.openxmlformats.org/drawingml/2006/main" xmlns:r="http://schemas.openxmlformats.org/officeDocument/2006/relationships" xmlns:p="http://schemas.openxmlformats.org/presentationml/2006/main">
+  <p:cSld>
+    <p:spTree>
+      <p:nvGrpSpPr>
+        <p:cNvPr id="1" name=""/>
+        <p:cNvGrpSpPr/>
+        <p:nvPr/>
+      </p:nvGrpSpPr>
+      <p:grpSpPr>
+        <a:xfrm>
+          <a:off x="0" y="0"/>
+          <a:ext cx="0" cy="0"/>
+          <a:chOff x="0" y="0"/>
+          <a:chExt cx="0" cy="0"/>
+        </a:xfrm>
+      </p:grpSpPr>
+      <p:sp>
+        <p:nvSpPr>
+          <p:cNvPr id="2" name="Date Placeholder 1"/>
+          <p:cNvSpPr>
+            <a:spLocks noGrp="1"/>
+          </p:cNvSpPr>
+          <p:nvPr>
+            <p:ph type="dt" sz="half" idx="10"/>
+          </p:nvPr>
+        </p:nvSpPr>
+        <p:spPr/>
+        <p:txBody>
+          <a:bodyPr/>
+          <a:lstStyle/>
+          <a:p>
+            <a:fld id="{C29800E0-75F7-49C7-9A2B-4D6AEABEED8B}" type="datetime1">
+              <a:rPr lang="en-US" smtClean="0"/>
+              <a:t>6/4/2014</a:t>
+            </a:fld>
+            <a:endParaRPr lang="en-US"/>
+          </a:p>
+        </p:txBody>
+      </p:sp>
+      <p:sp>
+        <p:nvSpPr>
+          <p:cNvPr id="3" name="Footer Placeholder 2"/>
+          <p:cNvSpPr>
+            <a:spLocks noGrp="1"/>
+          </p:cNvSpPr>
+          <p:nvPr>
+            <p:ph type="ftr" sz="quarter" idx="11"/>
+          </p:nvPr>
+        </p:nvSpPr>
+        <p:spPr/>
+        <p:txBody>
+          <a:bodyPr/>
+          <a:lstStyle/>
+          <a:p>
+            <a:r>
+              <a:rPr lang="en-US" smtClean="0"/>
+              <a:t>Erebus Labs STEM Sensor</a:t>
+            </a:r>
+            <a:endParaRPr lang="en-US" dirty="0"/>
+          </a:p>
+        </p:txBody>
+      </p:sp>
+      <p:sp>
+        <p:nvSpPr>
+          <p:cNvPr id="4" name="Slide Number Placeholder 3"/>
+          <p:cNvSpPr>
+            <a:spLocks noGrp="1"/>
+          </p:cNvSpPr>
+          <p:nvPr>
+            <p:ph type="sldNum" sz="quarter" idx="12"/>
+          </p:nvPr>
+        </p:nvSpPr>
+        <p:spPr/>
+        <p:txBody>
+          <a:bodyPr/>
+          <a:lstStyle/>
+          <a:p>
+            <a:fld id="{41FBF465-1333-4AA3-A58E-1653FDB8C624}" type="slidenum">
+              <a:rPr lang="en-US" smtClean="0"/>
+              <a:t>19</a:t>
+            </a:fld>
+            <a:endParaRPr lang="en-US"/>
+          </a:p>
+        </p:txBody>
+      </p:sp>
+      <p:sp>
+        <p:nvSpPr>
+          <p:cNvPr id="5" name="Text Placeholder 4"/>
+          <p:cNvSpPr>
+            <a:spLocks noGrp="1"/>
+          </p:cNvSpPr>
+          <p:nvPr>
+            <p:ph type="body" sz="quarter" idx="13"/>
+          </p:nvPr>
+        </p:nvSpPr>
+        <p:spPr/>
+        <p:txBody>
+          <a:bodyPr/>
+          <a:lstStyle/>
+          <a:p>
+            <a:r>
+              <a:rPr lang="en-US" dirty="0" smtClean="0"/>
+              <a:t>Thoughts</a:t>
+            </a:r>
+            <a:endParaRPr lang="en-US" dirty="0"/>
+          </a:p>
+        </p:txBody>
+      </p:sp>
+      <p:sp>
+        <p:nvSpPr>
+          <p:cNvPr id="6" name="Text Placeholder 5"/>
+          <p:cNvSpPr>
+            <a:spLocks noGrp="1"/>
+          </p:cNvSpPr>
+          <p:nvPr>
+            <p:ph type="body" sz="quarter" idx="14"/>
+          </p:nvPr>
+        </p:nvSpPr>
+        <p:spPr/>
+        <p:txBody>
+          <a:bodyPr/>
+          <a:lstStyle/>
+          <a:p>
+            <a:r>
+              <a:rPr lang="en-US" dirty="0" smtClean="0"/>
+              <a:t>Components</a:t>
+            </a:r>
+            <a:endParaRPr lang="en-US" dirty="0"/>
+          </a:p>
+        </p:txBody>
+      </p:sp>
+      <p:sp>
+        <p:nvSpPr>
+          <p:cNvPr id="7" name="Text Placeholder 6"/>
+          <p:cNvSpPr>
+            <a:spLocks noGrp="1"/>
+          </p:cNvSpPr>
+          <p:nvPr>
+            <p:ph type="body" sz="quarter" idx="15"/>
+          </p:nvPr>
+        </p:nvSpPr>
+        <p:spPr/>
+        <p:txBody>
+          <a:bodyPr/>
+          <a:lstStyle/>
+          <a:p>
+            <a:r>
+              <a:rPr lang="en-US" dirty="0" smtClean="0"/>
+              <a:t>Use Separate EEPROM</a:t>
+            </a:r>
+          </a:p>
+          <a:p>
+            <a:pPr lvl="1"/>
+            <a:r>
+              <a:rPr lang="en-US" dirty="0" smtClean="0"/>
+              <a:t>Storage not Lost Due to Firmware Size</a:t>
+            </a:r>
+          </a:p>
+          <a:p>
+            <a:r>
+              <a:rPr lang="en-US" dirty="0" smtClean="0"/>
+              <a:t>Use Off-Chip RTC</a:t>
+            </a:r>
+          </a:p>
+          <a:p>
+            <a:pPr lvl="1"/>
+            <a:r>
+              <a:rPr lang="en-US" dirty="0" smtClean="0"/>
+              <a:t>Button-Cell Battery Backup</a:t>
+            </a:r>
+          </a:p>
+          <a:p>
+            <a:endParaRPr lang="en-US" dirty="0" smtClean="0"/>
+          </a:p>
+        </p:txBody>
+      </p:sp>
+    </p:spTree>
+    <p:extLst>
+      <p:ext uri="{BB962C8B-B14F-4D97-AF65-F5344CB8AC3E}">
+        <p14:creationId xmlns:p14="http://schemas.microsoft.com/office/powerpoint/2010/main" val="2513916233"/>
+      </p:ext>
+    </p:extLst>
+  </p:cSld>
+  <p:clrMapOvr>
+    <a:masterClrMapping/>
+  </p:clrMapOvr>
+  <p:timing>
+    <p:tnLst>
+      <p:par>
+        <p:cTn id="1" dur="indefinite" restart="never" nodeType="tmRoot"/>
+      </p:par>
+    </p:tnLst>
+  </p:timing>
+</p:sld>
+</file>
+
 <file path=ppt/slides/slide2.xml><?xml version="1.0" encoding="utf-8"?>
 <p:sld xmlns:a="http://schemas.openxmlformats.org/drawingml/2006/main" xmlns:r="http://schemas.openxmlformats.org/officeDocument/2006/relationships" xmlns:p="http://schemas.openxmlformats.org/presentationml/2006/main">
   <p:cSld>
@@ -3239,31 +5521,90 @@
             <p:ph type="title"/>
           </p:nvPr>
         </p:nvSpPr>
-        <p:spPr/>
-        <p:txBody>
-          <a:bodyPr/>
-          <a:lstStyle/>
-          <a:p>
-            <a:endParaRPr lang="en-US" dirty="0"/>
-          </a:p>
-        </p:txBody>
-      </p:sp>
-      <p:sp>
-        <p:nvSpPr>
-          <p:cNvPr id="3" name="Content Placeholder 2"/>
-          <p:cNvSpPr>
-            <a:spLocks noGrp="1"/>
-          </p:cNvSpPr>
-          <p:nvPr>
-            <p:ph idx="1"/>
-          </p:nvPr>
-        </p:nvSpPr>
-        <p:spPr/>
-        <p:txBody>
-          <a:bodyPr/>
-          <a:lstStyle/>
-          <a:p>
-            <a:endParaRPr lang="en-US" dirty="0"/>
+        <p:spPr>
+          <a:xfrm>
+            <a:off x="488731" y="2639649"/>
+            <a:ext cx="8166537" cy="1111469"/>
+          </a:xfrm>
+        </p:spPr>
+        <p:txBody>
+          <a:bodyPr/>
+          <a:lstStyle/>
+          <a:p>
+            <a:r>
+              <a:rPr lang="en-US" b="1" dirty="0" smtClean="0"/>
+              <a:t>Hardware</a:t>
+            </a:r>
+            <a:endParaRPr lang="en-US" b="1" dirty="0"/>
+          </a:p>
+        </p:txBody>
+      </p:sp>
+      <p:sp>
+        <p:nvSpPr>
+          <p:cNvPr id="5" name="Date Placeholder 4"/>
+          <p:cNvSpPr>
+            <a:spLocks noGrp="1"/>
+          </p:cNvSpPr>
+          <p:nvPr>
+            <p:ph type="dt" sz="half" idx="10"/>
+          </p:nvPr>
+        </p:nvSpPr>
+        <p:spPr/>
+        <p:txBody>
+          <a:bodyPr/>
+          <a:lstStyle/>
+          <a:p>
+            <a:fld id="{36EE32E8-32C0-4483-A2D4-AA570CA4665C}" type="datetime1">
+              <a:rPr lang="en-US" smtClean="0"/>
+              <a:t>6/4/2014</a:t>
+            </a:fld>
+            <a:endParaRPr lang="en-US"/>
+          </a:p>
+        </p:txBody>
+      </p:sp>
+      <p:sp>
+        <p:nvSpPr>
+          <p:cNvPr id="6" name="Footer Placeholder 5"/>
+          <p:cNvSpPr>
+            <a:spLocks noGrp="1"/>
+          </p:cNvSpPr>
+          <p:nvPr>
+            <p:ph type="ftr" sz="quarter" idx="11"/>
+          </p:nvPr>
+        </p:nvSpPr>
+        <p:spPr/>
+        <p:txBody>
+          <a:bodyPr/>
+          <a:lstStyle/>
+          <a:p>
+            <a:r>
+              <a:rPr lang="en-US" smtClean="0"/>
+              <a:t>Erebus Labs STEM Sensor</a:t>
+            </a:r>
+            <a:endParaRPr lang="en-US" dirty="0"/>
+          </a:p>
+        </p:txBody>
+      </p:sp>
+      <p:sp>
+        <p:nvSpPr>
+          <p:cNvPr id="7" name="Slide Number Placeholder 6"/>
+          <p:cNvSpPr>
+            <a:spLocks noGrp="1"/>
+          </p:cNvSpPr>
+          <p:nvPr>
+            <p:ph type="sldNum" sz="quarter" idx="12"/>
+          </p:nvPr>
+        </p:nvSpPr>
+        <p:spPr/>
+        <p:txBody>
+          <a:bodyPr/>
+          <a:lstStyle/>
+          <a:p>
+            <a:fld id="{41FBF465-1333-4AA3-A58E-1653FDB8C624}" type="slidenum">
+              <a:rPr lang="en-US" smtClean="0"/>
+              <a:t>2</a:t>
+            </a:fld>
+            <a:endParaRPr lang="en-US"/>
           </a:p>
         </p:txBody>
       </p:sp>
@@ -3271,6 +5612,288 @@
     <p:extLst>
       <p:ext uri="{BB962C8B-B14F-4D97-AF65-F5344CB8AC3E}">
         <p14:creationId xmlns:p14="http://schemas.microsoft.com/office/powerpoint/2010/main" val="3347167269"/>
+      </p:ext>
+    </p:extLst>
+  </p:cSld>
+  <p:clrMapOvr>
+    <a:masterClrMapping/>
+  </p:clrMapOvr>
+  <p:timing>
+    <p:tnLst>
+      <p:par>
+        <p:cTn id="1" dur="indefinite" restart="never" nodeType="tmRoot"/>
+      </p:par>
+    </p:tnLst>
+  </p:timing>
+</p:sld>
+</file>
+
+<file path=ppt/slides/slide20.xml><?xml version="1.0" encoding="utf-8"?>
+<p:sld xmlns:a="http://schemas.openxmlformats.org/drawingml/2006/main" xmlns:r="http://schemas.openxmlformats.org/officeDocument/2006/relationships" xmlns:p="http://schemas.openxmlformats.org/presentationml/2006/main">
+  <p:cSld>
+    <p:spTree>
+      <p:nvGrpSpPr>
+        <p:cNvPr id="1" name=""/>
+        <p:cNvGrpSpPr/>
+        <p:nvPr/>
+      </p:nvGrpSpPr>
+      <p:grpSpPr>
+        <a:xfrm>
+          <a:off x="0" y="0"/>
+          <a:ext cx="0" cy="0"/>
+          <a:chOff x="0" y="0"/>
+          <a:chExt cx="0" cy="0"/>
+        </a:xfrm>
+      </p:grpSpPr>
+      <p:sp>
+        <p:nvSpPr>
+          <p:cNvPr id="2" name="Date Placeholder 1"/>
+          <p:cNvSpPr>
+            <a:spLocks noGrp="1"/>
+          </p:cNvSpPr>
+          <p:nvPr>
+            <p:ph type="dt" sz="half" idx="10"/>
+          </p:nvPr>
+        </p:nvSpPr>
+        <p:spPr/>
+        <p:txBody>
+          <a:bodyPr/>
+          <a:lstStyle/>
+          <a:p>
+            <a:fld id="{C29800E0-75F7-49C7-9A2B-4D6AEABEED8B}" type="datetime1">
+              <a:rPr lang="en-US" smtClean="0"/>
+              <a:t>6/4/2014</a:t>
+            </a:fld>
+            <a:endParaRPr lang="en-US"/>
+          </a:p>
+        </p:txBody>
+      </p:sp>
+      <p:sp>
+        <p:nvSpPr>
+          <p:cNvPr id="3" name="Footer Placeholder 2"/>
+          <p:cNvSpPr>
+            <a:spLocks noGrp="1"/>
+          </p:cNvSpPr>
+          <p:nvPr>
+            <p:ph type="ftr" sz="quarter" idx="11"/>
+          </p:nvPr>
+        </p:nvSpPr>
+        <p:spPr/>
+        <p:txBody>
+          <a:bodyPr/>
+          <a:lstStyle/>
+          <a:p>
+            <a:r>
+              <a:rPr lang="en-US" smtClean="0"/>
+              <a:t>Erebus Labs STEM Sensor</a:t>
+            </a:r>
+            <a:endParaRPr lang="en-US" dirty="0"/>
+          </a:p>
+        </p:txBody>
+      </p:sp>
+      <p:sp>
+        <p:nvSpPr>
+          <p:cNvPr id="4" name="Slide Number Placeholder 3"/>
+          <p:cNvSpPr>
+            <a:spLocks noGrp="1"/>
+          </p:cNvSpPr>
+          <p:nvPr>
+            <p:ph type="sldNum" sz="quarter" idx="12"/>
+          </p:nvPr>
+        </p:nvSpPr>
+        <p:spPr/>
+        <p:txBody>
+          <a:bodyPr/>
+          <a:lstStyle/>
+          <a:p>
+            <a:fld id="{41FBF465-1333-4AA3-A58E-1653FDB8C624}" type="slidenum">
+              <a:rPr lang="en-US" smtClean="0"/>
+              <a:t>20</a:t>
+            </a:fld>
+            <a:endParaRPr lang="en-US"/>
+          </a:p>
+        </p:txBody>
+      </p:sp>
+      <p:sp>
+        <p:nvSpPr>
+          <p:cNvPr id="5" name="Text Placeholder 4"/>
+          <p:cNvSpPr>
+            <a:spLocks noGrp="1"/>
+          </p:cNvSpPr>
+          <p:nvPr>
+            <p:ph type="body" sz="quarter" idx="13"/>
+          </p:nvPr>
+        </p:nvSpPr>
+        <p:spPr/>
+        <p:txBody>
+          <a:bodyPr/>
+          <a:lstStyle/>
+          <a:p>
+            <a:r>
+              <a:rPr lang="en-US" dirty="0" smtClean="0"/>
+              <a:t>Thoughts</a:t>
+            </a:r>
+            <a:endParaRPr lang="en-US" dirty="0"/>
+          </a:p>
+        </p:txBody>
+      </p:sp>
+      <p:sp>
+        <p:nvSpPr>
+          <p:cNvPr id="6" name="Text Placeholder 5"/>
+          <p:cNvSpPr>
+            <a:spLocks noGrp="1"/>
+          </p:cNvSpPr>
+          <p:nvPr>
+            <p:ph type="body" sz="quarter" idx="14"/>
+          </p:nvPr>
+        </p:nvSpPr>
+        <p:spPr/>
+        <p:txBody>
+          <a:bodyPr/>
+          <a:lstStyle/>
+          <a:p>
+            <a:r>
+              <a:rPr lang="en-US" dirty="0" smtClean="0"/>
+              <a:t>Revision 2</a:t>
+            </a:r>
+            <a:endParaRPr lang="en-US" dirty="0"/>
+          </a:p>
+        </p:txBody>
+      </p:sp>
+      <p:sp>
+        <p:nvSpPr>
+          <p:cNvPr id="7" name="Text Placeholder 6"/>
+          <p:cNvSpPr>
+            <a:spLocks noGrp="1"/>
+          </p:cNvSpPr>
+          <p:nvPr>
+            <p:ph type="body" sz="quarter" idx="15"/>
+          </p:nvPr>
+        </p:nvSpPr>
+        <p:spPr/>
+        <p:txBody>
+          <a:bodyPr/>
+          <a:lstStyle/>
+          <a:p>
+            <a:r>
+              <a:rPr lang="en-US" dirty="0" smtClean="0"/>
+              <a:t>Critical Battery Shutdown</a:t>
+            </a:r>
+          </a:p>
+          <a:p>
+            <a:pPr lvl="1"/>
+            <a:r>
+              <a:rPr lang="en-US" dirty="0" smtClean="0"/>
+              <a:t>Predictable Low-Power Operation</a:t>
+            </a:r>
+          </a:p>
+          <a:p>
+            <a:r>
+              <a:rPr lang="en-US" dirty="0" smtClean="0"/>
+              <a:t>Power-Wire Strain Relief</a:t>
+            </a:r>
+          </a:p>
+          <a:p>
+            <a:r>
+              <a:rPr lang="en-US" dirty="0" smtClean="0"/>
+              <a:t>Weather Proof Box</a:t>
+            </a:r>
+          </a:p>
+          <a:p>
+            <a:r>
+              <a:rPr lang="en-US" dirty="0" smtClean="0"/>
+              <a:t>VOC Sensor</a:t>
+            </a:r>
+          </a:p>
+          <a:p>
+            <a:r>
+              <a:rPr lang="en-US" dirty="0" smtClean="0"/>
+              <a:t>Multiple Sensor Ports</a:t>
+            </a:r>
+          </a:p>
+          <a:p>
+            <a:r>
+              <a:rPr lang="en-US" dirty="0" smtClean="0"/>
+              <a:t>Jumper for Power</a:t>
+            </a:r>
+          </a:p>
+          <a:p>
+            <a:endParaRPr lang="en-US" dirty="0" smtClean="0"/>
+          </a:p>
+          <a:p>
+            <a:endParaRPr lang="en-US" dirty="0"/>
+          </a:p>
+        </p:txBody>
+      </p:sp>
+    </p:spTree>
+    <p:extLst>
+      <p:ext uri="{BB962C8B-B14F-4D97-AF65-F5344CB8AC3E}">
+        <p14:creationId xmlns:p14="http://schemas.microsoft.com/office/powerpoint/2010/main" val="3665447531"/>
+      </p:ext>
+    </p:extLst>
+  </p:cSld>
+  <p:clrMapOvr>
+    <a:masterClrMapping/>
+  </p:clrMapOvr>
+  <p:timing>
+    <p:tnLst>
+      <p:par>
+        <p:cTn id="1" dur="indefinite" restart="never" nodeType="tmRoot"/>
+      </p:par>
+    </p:tnLst>
+  </p:timing>
+</p:sld>
+</file>
+
+<file path=ppt/slides/slide21.xml><?xml version="1.0" encoding="utf-8"?>
+<p:sld xmlns:a="http://schemas.openxmlformats.org/drawingml/2006/main" xmlns:r="http://schemas.openxmlformats.org/officeDocument/2006/relationships" xmlns:p="http://schemas.openxmlformats.org/presentationml/2006/main">
+  <p:cSld>
+    <p:spTree>
+      <p:nvGrpSpPr>
+        <p:cNvPr id="1" name=""/>
+        <p:cNvGrpSpPr/>
+        <p:nvPr/>
+      </p:nvGrpSpPr>
+      <p:grpSpPr>
+        <a:xfrm>
+          <a:off x="0" y="0"/>
+          <a:ext cx="0" cy="0"/>
+          <a:chOff x="0" y="0"/>
+          <a:chExt cx="0" cy="0"/>
+        </a:xfrm>
+      </p:grpSpPr>
+      <p:sp>
+        <p:nvSpPr>
+          <p:cNvPr id="2" name="Title 1"/>
+          <p:cNvSpPr>
+            <a:spLocks noGrp="1"/>
+          </p:cNvSpPr>
+          <p:nvPr>
+            <p:ph type="ctrTitle"/>
+          </p:nvPr>
+        </p:nvSpPr>
+        <p:spPr>
+          <a:xfrm>
+            <a:off x="533400" y="2514600"/>
+            <a:ext cx="8119242" cy="1470025"/>
+          </a:xfrm>
+        </p:spPr>
+        <p:txBody>
+          <a:bodyPr/>
+          <a:lstStyle/>
+          <a:p>
+            <a:r>
+              <a:rPr lang="en-US" dirty="0" smtClean="0"/>
+              <a:t>Q&amp;A</a:t>
+            </a:r>
+            <a:endParaRPr lang="en-US" dirty="0"/>
+          </a:p>
+        </p:txBody>
+      </p:sp>
+    </p:spTree>
+    <p:extLst>
+      <p:ext uri="{BB962C8B-B14F-4D97-AF65-F5344CB8AC3E}">
+        <p14:creationId xmlns:p14="http://schemas.microsoft.com/office/powerpoint/2010/main" val="1052113653"/>
       </p:ext>
     </p:extLst>
   </p:cSld>
@@ -3304,16 +5927,1940 @@
           <a:chExt cx="0" cy="0"/>
         </a:xfrm>
       </p:grpSpPr>
+      <p:sp>
+        <p:nvSpPr>
+          <p:cNvPr id="2" name="Text Placeholder 1"/>
+          <p:cNvSpPr>
+            <a:spLocks noGrp="1"/>
+          </p:cNvSpPr>
+          <p:nvPr>
+            <p:ph type="body" sz="quarter" idx="13"/>
+          </p:nvPr>
+        </p:nvSpPr>
+        <p:spPr/>
+        <p:txBody>
+          <a:bodyPr/>
+          <a:lstStyle/>
+          <a:p>
+            <a:r>
+              <a:rPr lang="en-US" dirty="0" smtClean="0"/>
+              <a:t>Hardware</a:t>
+            </a:r>
+            <a:endParaRPr lang="en-US" dirty="0"/>
+          </a:p>
+        </p:txBody>
+      </p:sp>
+      <p:sp>
+        <p:nvSpPr>
+          <p:cNvPr id="3" name="Text Placeholder 2"/>
+          <p:cNvSpPr>
+            <a:spLocks noGrp="1"/>
+          </p:cNvSpPr>
+          <p:nvPr>
+            <p:ph type="body" sz="quarter" idx="14"/>
+          </p:nvPr>
+        </p:nvSpPr>
+        <p:spPr/>
+        <p:txBody>
+          <a:bodyPr/>
+          <a:lstStyle/>
+          <a:p>
+            <a:r>
+              <a:rPr lang="en-US" dirty="0" smtClean="0"/>
+              <a:t>Main Board (Base Station)</a:t>
+            </a:r>
+            <a:endParaRPr lang="en-US" dirty="0"/>
+          </a:p>
+        </p:txBody>
+      </p:sp>
+      <p:pic>
+        <p:nvPicPr>
+          <p:cNvPr id="6" name="Picture 5"/>
+          <p:cNvPicPr>
+            <a:picLocks noChangeAspect="1"/>
+          </p:cNvPicPr>
+          <p:nvPr/>
+        </p:nvPicPr>
+        <p:blipFill>
+          <a:blip r:embed="rId2" cstate="print">
+            <a:extLst>
+              <a:ext uri="{28A0092B-C50C-407E-A947-70E740481C1C}">
+                <a14:useLocalDpi xmlns:a14="http://schemas.microsoft.com/office/drawing/2010/main" val="0"/>
+              </a:ext>
+            </a:extLst>
+          </a:blip>
+          <a:stretch>
+            <a:fillRect/>
+          </a:stretch>
+        </p:blipFill>
+        <p:spPr>
+          <a:xfrm>
+            <a:off x="304800" y="1447800"/>
+            <a:ext cx="4590738" cy="3733800"/>
+          </a:xfrm>
+          <a:prstGeom prst="rect">
+            <a:avLst/>
+          </a:prstGeom>
+        </p:spPr>
+      </p:pic>
+      <p:cxnSp>
+        <p:nvCxnSpPr>
+          <p:cNvPr id="8" name="Straight Arrow Connector 7"/>
+          <p:cNvCxnSpPr/>
+          <p:nvPr/>
+        </p:nvCxnSpPr>
+        <p:spPr>
+          <a:xfrm flipH="1" flipV="1">
+            <a:off x="1371600" y="4724400"/>
+            <a:ext cx="457200" cy="1143000"/>
+          </a:xfrm>
+          <a:prstGeom prst="straightConnector1">
+            <a:avLst/>
+          </a:prstGeom>
+          <a:ln w="57150">
+            <a:solidFill>
+              <a:srgbClr val="FFC000"/>
+            </a:solidFill>
+            <a:tailEnd type="triangle"/>
+          </a:ln>
+        </p:spPr>
+        <p:style>
+          <a:lnRef idx="1">
+            <a:schemeClr val="dk1"/>
+          </a:lnRef>
+          <a:fillRef idx="0">
+            <a:schemeClr val="dk1"/>
+          </a:fillRef>
+          <a:effectRef idx="0">
+            <a:schemeClr val="dk1"/>
+          </a:effectRef>
+          <a:fontRef idx="minor">
+            <a:schemeClr val="tx1"/>
+          </a:fontRef>
+        </p:style>
+      </p:cxnSp>
+      <p:cxnSp>
+        <p:nvCxnSpPr>
+          <p:cNvPr id="12" name="Straight Arrow Connector 11"/>
+          <p:cNvCxnSpPr/>
+          <p:nvPr/>
+        </p:nvCxnSpPr>
+        <p:spPr>
+          <a:xfrm flipH="1" flipV="1">
+            <a:off x="1371600" y="2514600"/>
+            <a:ext cx="457200" cy="3352800"/>
+          </a:xfrm>
+          <a:prstGeom prst="straightConnector1">
+            <a:avLst/>
+          </a:prstGeom>
+          <a:ln w="57150">
+            <a:solidFill>
+              <a:srgbClr val="FFC000"/>
+            </a:solidFill>
+            <a:tailEnd type="triangle"/>
+          </a:ln>
+        </p:spPr>
+        <p:style>
+          <a:lnRef idx="1">
+            <a:schemeClr val="dk1"/>
+          </a:lnRef>
+          <a:fillRef idx="0">
+            <a:schemeClr val="dk1"/>
+          </a:fillRef>
+          <a:effectRef idx="0">
+            <a:schemeClr val="dk1"/>
+          </a:effectRef>
+          <a:fontRef idx="minor">
+            <a:schemeClr val="tx1"/>
+          </a:fontRef>
+        </p:style>
+      </p:cxnSp>
+      <p:sp>
+        <p:nvSpPr>
+          <p:cNvPr id="15" name="TextBox 14"/>
+          <p:cNvSpPr txBox="1"/>
+          <p:nvPr/>
+        </p:nvSpPr>
+        <p:spPr>
+          <a:xfrm>
+            <a:off x="457200" y="5867400"/>
+            <a:ext cx="2743200" cy="369332"/>
+          </a:xfrm>
+          <a:prstGeom prst="rect">
+            <a:avLst/>
+          </a:prstGeom>
+          <a:noFill/>
+        </p:spPr>
+        <p:txBody>
+          <a:bodyPr wrap="square" rtlCol="0">
+            <a:spAutoFit/>
+          </a:bodyPr>
+          <a:lstStyle/>
+          <a:p>
+            <a:r>
+              <a:rPr lang="en-US" dirty="0" smtClean="0"/>
+              <a:t>Switching Power Supply</a:t>
+            </a:r>
+            <a:endParaRPr lang="en-US" dirty="0"/>
+          </a:p>
+        </p:txBody>
+      </p:sp>
+      <p:cxnSp>
+        <p:nvCxnSpPr>
+          <p:cNvPr id="16" name="Straight Arrow Connector 15"/>
+          <p:cNvCxnSpPr/>
+          <p:nvPr/>
+        </p:nvCxnSpPr>
+        <p:spPr>
+          <a:xfrm flipH="1">
+            <a:off x="3352800" y="1752600"/>
+            <a:ext cx="2076138" cy="0"/>
+          </a:xfrm>
+          <a:prstGeom prst="straightConnector1">
+            <a:avLst/>
+          </a:prstGeom>
+          <a:ln w="57150">
+            <a:solidFill>
+              <a:srgbClr val="FFC000"/>
+            </a:solidFill>
+            <a:tailEnd type="triangle"/>
+          </a:ln>
+        </p:spPr>
+        <p:style>
+          <a:lnRef idx="1">
+            <a:schemeClr val="dk1"/>
+          </a:lnRef>
+          <a:fillRef idx="0">
+            <a:schemeClr val="dk1"/>
+          </a:fillRef>
+          <a:effectRef idx="0">
+            <a:schemeClr val="dk1"/>
+          </a:effectRef>
+          <a:fontRef idx="minor">
+            <a:schemeClr val="tx1"/>
+          </a:fontRef>
+        </p:style>
+      </p:cxnSp>
+      <p:sp>
+        <p:nvSpPr>
+          <p:cNvPr id="19" name="TextBox 18"/>
+          <p:cNvSpPr txBox="1"/>
+          <p:nvPr/>
+        </p:nvSpPr>
+        <p:spPr>
+          <a:xfrm>
+            <a:off x="5432402" y="1567934"/>
+            <a:ext cx="2511136" cy="369332"/>
+          </a:xfrm>
+          <a:prstGeom prst="rect">
+            <a:avLst/>
+          </a:prstGeom>
+          <a:noFill/>
+        </p:spPr>
+        <p:txBody>
+          <a:bodyPr wrap="square" rtlCol="0">
+            <a:spAutoFit/>
+          </a:bodyPr>
+          <a:lstStyle/>
+          <a:p>
+            <a:r>
+              <a:rPr lang="en-US" dirty="0" smtClean="0"/>
+              <a:t>Sensor Port</a:t>
+            </a:r>
+            <a:endParaRPr lang="en-US" dirty="0"/>
+          </a:p>
+        </p:txBody>
+      </p:sp>
+      <p:cxnSp>
+        <p:nvCxnSpPr>
+          <p:cNvPr id="20" name="Straight Arrow Connector 19"/>
+          <p:cNvCxnSpPr/>
+          <p:nvPr/>
+        </p:nvCxnSpPr>
+        <p:spPr>
+          <a:xfrm flipH="1">
+            <a:off x="3410262" y="3156466"/>
+            <a:ext cx="2076138" cy="0"/>
+          </a:xfrm>
+          <a:prstGeom prst="straightConnector1">
+            <a:avLst/>
+          </a:prstGeom>
+          <a:ln w="57150">
+            <a:solidFill>
+              <a:srgbClr val="FFC000"/>
+            </a:solidFill>
+            <a:tailEnd type="triangle"/>
+          </a:ln>
+        </p:spPr>
+        <p:style>
+          <a:lnRef idx="1">
+            <a:schemeClr val="dk1"/>
+          </a:lnRef>
+          <a:fillRef idx="0">
+            <a:schemeClr val="dk1"/>
+          </a:fillRef>
+          <a:effectRef idx="0">
+            <a:schemeClr val="dk1"/>
+          </a:effectRef>
+          <a:fontRef idx="minor">
+            <a:schemeClr val="tx1"/>
+          </a:fontRef>
+        </p:style>
+      </p:cxnSp>
+      <p:sp>
+        <p:nvSpPr>
+          <p:cNvPr id="21" name="TextBox 20"/>
+          <p:cNvSpPr txBox="1"/>
+          <p:nvPr/>
+        </p:nvSpPr>
+        <p:spPr>
+          <a:xfrm>
+            <a:off x="5489864" y="2971800"/>
+            <a:ext cx="2511136" cy="369332"/>
+          </a:xfrm>
+          <a:prstGeom prst="rect">
+            <a:avLst/>
+          </a:prstGeom>
+          <a:noFill/>
+        </p:spPr>
+        <p:txBody>
+          <a:bodyPr wrap="square" rtlCol="0">
+            <a:spAutoFit/>
+          </a:bodyPr>
+          <a:lstStyle/>
+          <a:p>
+            <a:r>
+              <a:rPr lang="en-US" dirty="0" smtClean="0"/>
+              <a:t>PSoC 3 Microcontroller</a:t>
+            </a:r>
+            <a:endParaRPr lang="en-US" dirty="0"/>
+          </a:p>
+        </p:txBody>
+      </p:sp>
+      <p:cxnSp>
+        <p:nvCxnSpPr>
+          <p:cNvPr id="22" name="Straight Arrow Connector 21"/>
+          <p:cNvCxnSpPr/>
+          <p:nvPr/>
+        </p:nvCxnSpPr>
+        <p:spPr>
+          <a:xfrm flipH="1">
+            <a:off x="4724400" y="3994666"/>
+            <a:ext cx="789709" cy="0"/>
+          </a:xfrm>
+          <a:prstGeom prst="straightConnector1">
+            <a:avLst/>
+          </a:prstGeom>
+          <a:ln w="57150">
+            <a:solidFill>
+              <a:srgbClr val="FFC000"/>
+            </a:solidFill>
+            <a:tailEnd type="triangle"/>
+          </a:ln>
+        </p:spPr>
+        <p:style>
+          <a:lnRef idx="1">
+            <a:schemeClr val="dk1"/>
+          </a:lnRef>
+          <a:fillRef idx="0">
+            <a:schemeClr val="dk1"/>
+          </a:fillRef>
+          <a:effectRef idx="0">
+            <a:schemeClr val="dk1"/>
+          </a:effectRef>
+          <a:fontRef idx="minor">
+            <a:schemeClr val="tx1"/>
+          </a:fontRef>
+        </p:style>
+      </p:cxnSp>
+      <p:sp>
+        <p:nvSpPr>
+          <p:cNvPr id="23" name="TextBox 22"/>
+          <p:cNvSpPr txBox="1"/>
+          <p:nvPr/>
+        </p:nvSpPr>
+        <p:spPr>
+          <a:xfrm>
+            <a:off x="5517573" y="3810000"/>
+            <a:ext cx="2511136" cy="369332"/>
+          </a:xfrm>
+          <a:prstGeom prst="rect">
+            <a:avLst/>
+          </a:prstGeom>
+          <a:noFill/>
+        </p:spPr>
+        <p:txBody>
+          <a:bodyPr wrap="square" rtlCol="0">
+            <a:spAutoFit/>
+          </a:bodyPr>
+          <a:lstStyle/>
+          <a:p>
+            <a:r>
+              <a:rPr lang="en-US" dirty="0" smtClean="0"/>
+              <a:t>USB Interface</a:t>
+            </a:r>
+            <a:endParaRPr lang="en-US" dirty="0"/>
+          </a:p>
+        </p:txBody>
+      </p:sp>
+      <p:sp>
+        <p:nvSpPr>
+          <p:cNvPr id="26" name="Date Placeholder 25"/>
+          <p:cNvSpPr>
+            <a:spLocks noGrp="1"/>
+          </p:cNvSpPr>
+          <p:nvPr>
+            <p:ph type="dt" sz="half" idx="10"/>
+          </p:nvPr>
+        </p:nvSpPr>
+        <p:spPr/>
+        <p:txBody>
+          <a:bodyPr/>
+          <a:lstStyle/>
+          <a:p>
+            <a:fld id="{D724E7E2-42E3-430D-820B-3127F0D86073}" type="datetime1">
+              <a:rPr lang="en-US" smtClean="0"/>
+              <a:t>6/4/2014</a:t>
+            </a:fld>
+            <a:endParaRPr lang="en-US"/>
+          </a:p>
+        </p:txBody>
+      </p:sp>
+      <p:sp>
+        <p:nvSpPr>
+          <p:cNvPr id="27" name="Footer Placeholder 26"/>
+          <p:cNvSpPr>
+            <a:spLocks noGrp="1"/>
+          </p:cNvSpPr>
+          <p:nvPr>
+            <p:ph type="ftr" sz="quarter" idx="11"/>
+          </p:nvPr>
+        </p:nvSpPr>
+        <p:spPr/>
+        <p:txBody>
+          <a:bodyPr/>
+          <a:lstStyle/>
+          <a:p>
+            <a:r>
+              <a:rPr lang="en-US" smtClean="0"/>
+              <a:t>Erebus Labs STEM Sensor</a:t>
+            </a:r>
+            <a:endParaRPr lang="en-US" dirty="0"/>
+          </a:p>
+        </p:txBody>
+      </p:sp>
+      <p:sp>
+        <p:nvSpPr>
+          <p:cNvPr id="28" name="Slide Number Placeholder 27"/>
+          <p:cNvSpPr>
+            <a:spLocks noGrp="1"/>
+          </p:cNvSpPr>
+          <p:nvPr>
+            <p:ph type="sldNum" sz="quarter" idx="12"/>
+          </p:nvPr>
+        </p:nvSpPr>
+        <p:spPr/>
+        <p:txBody>
+          <a:bodyPr/>
+          <a:lstStyle/>
+          <a:p>
+            <a:fld id="{41FBF465-1333-4AA3-A58E-1653FDB8C624}" type="slidenum">
+              <a:rPr lang="en-US" smtClean="0"/>
+              <a:t>3</a:t>
+            </a:fld>
+            <a:endParaRPr lang="en-US"/>
+          </a:p>
+        </p:txBody>
+      </p:sp>
     </p:spTree>
     <p:extLst>
       <p:ext uri="{BB962C8B-B14F-4D97-AF65-F5344CB8AC3E}">
-        <p14:creationId xmlns:p14="http://schemas.microsoft.com/office/powerpoint/2010/main" val="2477834422"/>
+        <p14:creationId xmlns:p14="http://schemas.microsoft.com/office/powerpoint/2010/main" val="2091242780"/>
       </p:ext>
     </p:extLst>
   </p:cSld>
   <p:clrMapOvr>
     <a:masterClrMapping/>
   </p:clrMapOvr>
+  <p:timing>
+    <p:tnLst>
+      <p:par>
+        <p:cTn id="1" dur="indefinite" restart="never" nodeType="tmRoot"/>
+      </p:par>
+    </p:tnLst>
+  </p:timing>
+</p:sld>
+</file>
+
+<file path=ppt/slides/slide4.xml><?xml version="1.0" encoding="utf-8"?>
+<p:sld xmlns:a="http://schemas.openxmlformats.org/drawingml/2006/main" xmlns:r="http://schemas.openxmlformats.org/officeDocument/2006/relationships" xmlns:p="http://schemas.openxmlformats.org/presentationml/2006/main">
+  <p:cSld>
+    <p:spTree>
+      <p:nvGrpSpPr>
+        <p:cNvPr id="1" name=""/>
+        <p:cNvGrpSpPr/>
+        <p:nvPr/>
+      </p:nvGrpSpPr>
+      <p:grpSpPr>
+        <a:xfrm>
+          <a:off x="0" y="0"/>
+          <a:ext cx="0" cy="0"/>
+          <a:chOff x="0" y="0"/>
+          <a:chExt cx="0" cy="0"/>
+        </a:xfrm>
+      </p:grpSpPr>
+      <p:sp>
+        <p:nvSpPr>
+          <p:cNvPr id="2" name="Text Placeholder 1"/>
+          <p:cNvSpPr>
+            <a:spLocks noGrp="1"/>
+          </p:cNvSpPr>
+          <p:nvPr>
+            <p:ph type="body" sz="quarter" idx="13"/>
+          </p:nvPr>
+        </p:nvSpPr>
+        <p:spPr/>
+        <p:txBody>
+          <a:bodyPr/>
+          <a:lstStyle/>
+          <a:p>
+            <a:r>
+              <a:rPr lang="en-US" dirty="0" smtClean="0"/>
+              <a:t>Hardware</a:t>
+            </a:r>
+            <a:endParaRPr lang="en-US" dirty="0"/>
+          </a:p>
+        </p:txBody>
+      </p:sp>
+      <p:sp>
+        <p:nvSpPr>
+          <p:cNvPr id="3" name="Text Placeholder 2"/>
+          <p:cNvSpPr>
+            <a:spLocks noGrp="1"/>
+          </p:cNvSpPr>
+          <p:nvPr>
+            <p:ph type="body" sz="quarter" idx="14"/>
+          </p:nvPr>
+        </p:nvSpPr>
+        <p:spPr/>
+        <p:txBody>
+          <a:bodyPr/>
+          <a:lstStyle/>
+          <a:p>
+            <a:r>
+              <a:rPr lang="en-US" dirty="0" smtClean="0"/>
+              <a:t>Cypress PSoC 3</a:t>
+            </a:r>
+            <a:endParaRPr lang="en-US" dirty="0"/>
+          </a:p>
+        </p:txBody>
+      </p:sp>
+      <p:sp>
+        <p:nvSpPr>
+          <p:cNvPr id="4" name="Text Placeholder 3"/>
+          <p:cNvSpPr>
+            <a:spLocks noGrp="1"/>
+          </p:cNvSpPr>
+          <p:nvPr>
+            <p:ph type="body" sz="quarter" idx="15"/>
+          </p:nvPr>
+        </p:nvSpPr>
+        <p:spPr>
+          <a:xfrm>
+            <a:off x="76200" y="1524000"/>
+            <a:ext cx="7848600" cy="4648200"/>
+          </a:xfrm>
+        </p:spPr>
+        <p:txBody>
+          <a:bodyPr/>
+          <a:lstStyle/>
+          <a:p>
+            <a:r>
+              <a:rPr lang="en-US" dirty="0" smtClean="0"/>
+              <a:t>Development Kit – Rapid Prototyping</a:t>
+            </a:r>
+          </a:p>
+          <a:p>
+            <a:r>
+              <a:rPr lang="en-US" dirty="0" smtClean="0"/>
+              <a:t>Flexible Architecture</a:t>
+            </a:r>
+          </a:p>
+          <a:p>
+            <a:pPr lvl="1"/>
+            <a:r>
+              <a:rPr lang="en-US" dirty="0" smtClean="0"/>
+              <a:t>Universal Digital Blocks</a:t>
+            </a:r>
+          </a:p>
+          <a:p>
+            <a:pPr lvl="1"/>
+            <a:r>
+              <a:rPr lang="en-US" dirty="0" smtClean="0"/>
+              <a:t>Programmable Interconnects</a:t>
+            </a:r>
+          </a:p>
+          <a:p>
+            <a:r>
+              <a:rPr lang="en-US" dirty="0" smtClean="0"/>
+              <a:t>One Chip Solution</a:t>
+            </a:r>
+          </a:p>
+          <a:p>
+            <a:pPr lvl="1"/>
+            <a:r>
+              <a:rPr lang="en-US" dirty="0" smtClean="0"/>
+              <a:t>Real Time Clock</a:t>
+            </a:r>
+          </a:p>
+          <a:p>
+            <a:pPr lvl="1"/>
+            <a:r>
+              <a:rPr lang="en-US" dirty="0" smtClean="0"/>
+              <a:t>USB Controller</a:t>
+            </a:r>
+          </a:p>
+          <a:p>
+            <a:pPr lvl="1"/>
+            <a:r>
+              <a:rPr lang="en-US" dirty="0" smtClean="0"/>
+              <a:t>Hardware Emulation</a:t>
+            </a:r>
+          </a:p>
+          <a:p>
+            <a:pPr lvl="1"/>
+            <a:endParaRPr lang="en-US" dirty="0" smtClean="0"/>
+          </a:p>
+        </p:txBody>
+      </p:sp>
+      <p:pic>
+        <p:nvPicPr>
+          <p:cNvPr id="5" name="Picture 4"/>
+          <p:cNvPicPr>
+            <a:picLocks noChangeAspect="1"/>
+          </p:cNvPicPr>
+          <p:nvPr/>
+        </p:nvPicPr>
+        <p:blipFill>
+          <a:blip r:embed="rId2" cstate="print">
+            <a:extLst>
+              <a:ext uri="{28A0092B-C50C-407E-A947-70E740481C1C}">
+                <a14:useLocalDpi xmlns:a14="http://schemas.microsoft.com/office/drawing/2010/main" val="0"/>
+              </a:ext>
+            </a:extLst>
+          </a:blip>
+          <a:stretch>
+            <a:fillRect/>
+          </a:stretch>
+        </p:blipFill>
+        <p:spPr>
+          <a:xfrm>
+            <a:off x="5215158" y="4142056"/>
+            <a:ext cx="2709641" cy="2032231"/>
+          </a:xfrm>
+          <a:prstGeom prst="rect">
+            <a:avLst/>
+          </a:prstGeom>
+        </p:spPr>
+      </p:pic>
+      <p:pic>
+        <p:nvPicPr>
+          <p:cNvPr id="6" name="Picture 5"/>
+          <p:cNvPicPr>
+            <a:picLocks noChangeAspect="1"/>
+          </p:cNvPicPr>
+          <p:nvPr/>
+        </p:nvPicPr>
+        <p:blipFill>
+          <a:blip r:embed="rId3" cstate="print">
+            <a:extLst>
+              <a:ext uri="{28A0092B-C50C-407E-A947-70E740481C1C}">
+                <a14:useLocalDpi xmlns:a14="http://schemas.microsoft.com/office/drawing/2010/main" val="0"/>
+              </a:ext>
+            </a:extLst>
+          </a:blip>
+          <a:stretch>
+            <a:fillRect/>
+          </a:stretch>
+        </p:blipFill>
+        <p:spPr>
+          <a:xfrm>
+            <a:off x="6172200" y="2454012"/>
+            <a:ext cx="1387088" cy="1379780"/>
+          </a:xfrm>
+          <a:prstGeom prst="rect">
+            <a:avLst/>
+          </a:prstGeom>
+        </p:spPr>
+      </p:pic>
+      <p:sp>
+        <p:nvSpPr>
+          <p:cNvPr id="7" name="Date Placeholder 6"/>
+          <p:cNvSpPr>
+            <a:spLocks noGrp="1"/>
+          </p:cNvSpPr>
+          <p:nvPr>
+            <p:ph type="dt" sz="half" idx="10"/>
+          </p:nvPr>
+        </p:nvSpPr>
+        <p:spPr/>
+        <p:txBody>
+          <a:bodyPr/>
+          <a:lstStyle/>
+          <a:p>
+            <a:fld id="{511A9959-09E7-4DFF-AD9C-13860CBC9817}" type="datetime1">
+              <a:rPr lang="en-US" smtClean="0"/>
+              <a:t>6/4/2014</a:t>
+            </a:fld>
+            <a:endParaRPr lang="en-US"/>
+          </a:p>
+        </p:txBody>
+      </p:sp>
+      <p:sp>
+        <p:nvSpPr>
+          <p:cNvPr id="8" name="Footer Placeholder 7"/>
+          <p:cNvSpPr>
+            <a:spLocks noGrp="1"/>
+          </p:cNvSpPr>
+          <p:nvPr>
+            <p:ph type="ftr" sz="quarter" idx="11"/>
+          </p:nvPr>
+        </p:nvSpPr>
+        <p:spPr/>
+        <p:txBody>
+          <a:bodyPr/>
+          <a:lstStyle/>
+          <a:p>
+            <a:r>
+              <a:rPr lang="en-US" smtClean="0"/>
+              <a:t>Erebus Labs STEM Sensor</a:t>
+            </a:r>
+            <a:endParaRPr lang="en-US" dirty="0"/>
+          </a:p>
+        </p:txBody>
+      </p:sp>
+      <p:sp>
+        <p:nvSpPr>
+          <p:cNvPr id="9" name="Slide Number Placeholder 8"/>
+          <p:cNvSpPr>
+            <a:spLocks noGrp="1"/>
+          </p:cNvSpPr>
+          <p:nvPr>
+            <p:ph type="sldNum" sz="quarter" idx="12"/>
+          </p:nvPr>
+        </p:nvSpPr>
+        <p:spPr/>
+        <p:txBody>
+          <a:bodyPr/>
+          <a:lstStyle/>
+          <a:p>
+            <a:fld id="{41FBF465-1333-4AA3-A58E-1653FDB8C624}" type="slidenum">
+              <a:rPr lang="en-US" smtClean="0"/>
+              <a:t>4</a:t>
+            </a:fld>
+            <a:endParaRPr lang="en-US"/>
+          </a:p>
+        </p:txBody>
+      </p:sp>
+    </p:spTree>
+    <p:extLst>
+      <p:ext uri="{BB962C8B-B14F-4D97-AF65-F5344CB8AC3E}">
+        <p14:creationId xmlns:p14="http://schemas.microsoft.com/office/powerpoint/2010/main" val="8636402"/>
+      </p:ext>
+    </p:extLst>
+  </p:cSld>
+  <p:clrMapOvr>
+    <a:masterClrMapping/>
+  </p:clrMapOvr>
+  <p:timing>
+    <p:tnLst>
+      <p:par>
+        <p:cTn id="1" dur="indefinite" restart="never" nodeType="tmRoot"/>
+      </p:par>
+    </p:tnLst>
+  </p:timing>
+</p:sld>
+</file>
+
+<file path=ppt/slides/slide5.xml><?xml version="1.0" encoding="utf-8"?>
+<p:sld xmlns:a="http://schemas.openxmlformats.org/drawingml/2006/main" xmlns:r="http://schemas.openxmlformats.org/officeDocument/2006/relationships" xmlns:p="http://schemas.openxmlformats.org/presentationml/2006/main">
+  <p:cSld>
+    <p:spTree>
+      <p:nvGrpSpPr>
+        <p:cNvPr id="1" name=""/>
+        <p:cNvGrpSpPr/>
+        <p:nvPr/>
+      </p:nvGrpSpPr>
+      <p:grpSpPr>
+        <a:xfrm>
+          <a:off x="0" y="0"/>
+          <a:ext cx="0" cy="0"/>
+          <a:chOff x="0" y="0"/>
+          <a:chExt cx="0" cy="0"/>
+        </a:xfrm>
+      </p:grpSpPr>
+      <p:sp>
+        <p:nvSpPr>
+          <p:cNvPr id="2" name="Text Placeholder 1"/>
+          <p:cNvSpPr>
+            <a:spLocks noGrp="1"/>
+          </p:cNvSpPr>
+          <p:nvPr>
+            <p:ph type="body" sz="quarter" idx="13"/>
+          </p:nvPr>
+        </p:nvSpPr>
+        <p:spPr/>
+        <p:txBody>
+          <a:bodyPr/>
+          <a:lstStyle/>
+          <a:p>
+            <a:r>
+              <a:rPr lang="en-US" dirty="0" smtClean="0"/>
+              <a:t>Hardware</a:t>
+            </a:r>
+            <a:endParaRPr lang="en-US" dirty="0"/>
+          </a:p>
+        </p:txBody>
+      </p:sp>
+      <p:sp>
+        <p:nvSpPr>
+          <p:cNvPr id="3" name="Text Placeholder 2"/>
+          <p:cNvSpPr>
+            <a:spLocks noGrp="1"/>
+          </p:cNvSpPr>
+          <p:nvPr>
+            <p:ph type="body" sz="quarter" idx="14"/>
+          </p:nvPr>
+        </p:nvSpPr>
+        <p:spPr/>
+        <p:txBody>
+          <a:bodyPr/>
+          <a:lstStyle/>
+          <a:p>
+            <a:r>
+              <a:rPr lang="en-US" dirty="0" smtClean="0"/>
+              <a:t>PSoC Architecture</a:t>
+            </a:r>
+            <a:endParaRPr lang="en-US" dirty="0"/>
+          </a:p>
+        </p:txBody>
+      </p:sp>
+      <p:pic>
+        <p:nvPicPr>
+          <p:cNvPr id="5" name="Picture 4"/>
+          <p:cNvPicPr>
+            <a:picLocks noChangeAspect="1"/>
+          </p:cNvPicPr>
+          <p:nvPr/>
+        </p:nvPicPr>
+        <p:blipFill>
+          <a:blip r:embed="rId2" cstate="print">
+            <a:extLst>
+              <a:ext uri="{28A0092B-C50C-407E-A947-70E740481C1C}">
+                <a14:useLocalDpi xmlns:a14="http://schemas.microsoft.com/office/drawing/2010/main" val="0"/>
+              </a:ext>
+            </a:extLst>
+          </a:blip>
+          <a:stretch>
+            <a:fillRect/>
+          </a:stretch>
+        </p:blipFill>
+        <p:spPr>
+          <a:xfrm>
+            <a:off x="555672" y="1676400"/>
+            <a:ext cx="6889656" cy="4383024"/>
+          </a:xfrm>
+          <a:prstGeom prst="rect">
+            <a:avLst/>
+          </a:prstGeom>
+        </p:spPr>
+      </p:pic>
+      <p:sp>
+        <p:nvSpPr>
+          <p:cNvPr id="6" name="Date Placeholder 5"/>
+          <p:cNvSpPr>
+            <a:spLocks noGrp="1"/>
+          </p:cNvSpPr>
+          <p:nvPr>
+            <p:ph type="dt" sz="half" idx="10"/>
+          </p:nvPr>
+        </p:nvSpPr>
+        <p:spPr/>
+        <p:txBody>
+          <a:bodyPr/>
+          <a:lstStyle/>
+          <a:p>
+            <a:fld id="{48E8C03F-E981-4D7C-B245-605A1ED2BB0C}" type="datetime1">
+              <a:rPr lang="en-US" smtClean="0"/>
+              <a:t>6/4/2014</a:t>
+            </a:fld>
+            <a:endParaRPr lang="en-US"/>
+          </a:p>
+        </p:txBody>
+      </p:sp>
+      <p:sp>
+        <p:nvSpPr>
+          <p:cNvPr id="7" name="Footer Placeholder 6"/>
+          <p:cNvSpPr>
+            <a:spLocks noGrp="1"/>
+          </p:cNvSpPr>
+          <p:nvPr>
+            <p:ph type="ftr" sz="quarter" idx="11"/>
+          </p:nvPr>
+        </p:nvSpPr>
+        <p:spPr/>
+        <p:txBody>
+          <a:bodyPr/>
+          <a:lstStyle/>
+          <a:p>
+            <a:r>
+              <a:rPr lang="en-US" smtClean="0"/>
+              <a:t>Erebus Labs STEM Sensor</a:t>
+            </a:r>
+            <a:endParaRPr lang="en-US" dirty="0"/>
+          </a:p>
+        </p:txBody>
+      </p:sp>
+      <p:sp>
+        <p:nvSpPr>
+          <p:cNvPr id="8" name="Slide Number Placeholder 7"/>
+          <p:cNvSpPr>
+            <a:spLocks noGrp="1"/>
+          </p:cNvSpPr>
+          <p:nvPr>
+            <p:ph type="sldNum" sz="quarter" idx="12"/>
+          </p:nvPr>
+        </p:nvSpPr>
+        <p:spPr/>
+        <p:txBody>
+          <a:bodyPr/>
+          <a:lstStyle/>
+          <a:p>
+            <a:fld id="{41FBF465-1333-4AA3-A58E-1653FDB8C624}" type="slidenum">
+              <a:rPr lang="en-US" smtClean="0"/>
+              <a:t>5</a:t>
+            </a:fld>
+            <a:endParaRPr lang="en-US"/>
+          </a:p>
+        </p:txBody>
+      </p:sp>
+    </p:spTree>
+    <p:extLst>
+      <p:ext uri="{BB962C8B-B14F-4D97-AF65-F5344CB8AC3E}">
+        <p14:creationId xmlns:p14="http://schemas.microsoft.com/office/powerpoint/2010/main" val="3289087403"/>
+      </p:ext>
+    </p:extLst>
+  </p:cSld>
+  <p:clrMapOvr>
+    <a:masterClrMapping/>
+  </p:clrMapOvr>
+  <p:timing>
+    <p:tnLst>
+      <p:par>
+        <p:cTn id="1" dur="indefinite" restart="never" nodeType="tmRoot"/>
+      </p:par>
+    </p:tnLst>
+  </p:timing>
+</p:sld>
+</file>
+
+<file path=ppt/slides/slide6.xml><?xml version="1.0" encoding="utf-8"?>
+<p:sld xmlns:a="http://schemas.openxmlformats.org/drawingml/2006/main" xmlns:r="http://schemas.openxmlformats.org/officeDocument/2006/relationships" xmlns:p="http://schemas.openxmlformats.org/presentationml/2006/main">
+  <p:cSld>
+    <p:spTree>
+      <p:nvGrpSpPr>
+        <p:cNvPr id="1" name=""/>
+        <p:cNvGrpSpPr/>
+        <p:nvPr/>
+      </p:nvGrpSpPr>
+      <p:grpSpPr>
+        <a:xfrm>
+          <a:off x="0" y="0"/>
+          <a:ext cx="0" cy="0"/>
+          <a:chOff x="0" y="0"/>
+          <a:chExt cx="0" cy="0"/>
+        </a:xfrm>
+      </p:grpSpPr>
+      <p:sp>
+        <p:nvSpPr>
+          <p:cNvPr id="2" name="Text Placeholder 1"/>
+          <p:cNvSpPr>
+            <a:spLocks noGrp="1"/>
+          </p:cNvSpPr>
+          <p:nvPr>
+            <p:ph type="body" sz="quarter" idx="13"/>
+          </p:nvPr>
+        </p:nvSpPr>
+        <p:spPr/>
+        <p:txBody>
+          <a:bodyPr/>
+          <a:lstStyle/>
+          <a:p>
+            <a:r>
+              <a:rPr lang="en-US" dirty="0" smtClean="0"/>
+              <a:t>Hardware</a:t>
+            </a:r>
+            <a:endParaRPr lang="en-US" dirty="0"/>
+          </a:p>
+        </p:txBody>
+      </p:sp>
+      <p:sp>
+        <p:nvSpPr>
+          <p:cNvPr id="3" name="Text Placeholder 2"/>
+          <p:cNvSpPr>
+            <a:spLocks noGrp="1"/>
+          </p:cNvSpPr>
+          <p:nvPr>
+            <p:ph type="body" sz="quarter" idx="14"/>
+          </p:nvPr>
+        </p:nvSpPr>
+        <p:spPr/>
+        <p:txBody>
+          <a:bodyPr/>
+          <a:lstStyle/>
+          <a:p>
+            <a:r>
+              <a:rPr lang="en-US" dirty="0" smtClean="0"/>
+              <a:t>Power Supply</a:t>
+            </a:r>
+            <a:endParaRPr lang="en-US" dirty="0"/>
+          </a:p>
+        </p:txBody>
+      </p:sp>
+      <p:sp>
+        <p:nvSpPr>
+          <p:cNvPr id="4" name="Text Placeholder 3"/>
+          <p:cNvSpPr>
+            <a:spLocks noGrp="1"/>
+          </p:cNvSpPr>
+          <p:nvPr>
+            <p:ph type="body" sz="quarter" idx="15"/>
+          </p:nvPr>
+        </p:nvSpPr>
+        <p:spPr/>
+        <p:txBody>
+          <a:bodyPr/>
+          <a:lstStyle/>
+          <a:p>
+            <a:r>
+              <a:rPr lang="en-US" dirty="0" smtClean="0"/>
+              <a:t>Linear Power Supply (First Choice)</a:t>
+            </a:r>
+          </a:p>
+          <a:p>
+            <a:pPr lvl="1"/>
+            <a:r>
+              <a:rPr lang="en-US" dirty="0" smtClean="0"/>
+              <a:t>Less Noise</a:t>
+            </a:r>
+          </a:p>
+          <a:p>
+            <a:pPr lvl="1"/>
+            <a:r>
+              <a:rPr lang="en-US" dirty="0" smtClean="0"/>
+              <a:t>Lower Battery Life</a:t>
+            </a:r>
+          </a:p>
+          <a:p>
+            <a:r>
+              <a:rPr lang="en-US" dirty="0" smtClean="0"/>
+              <a:t>Switching Power Supply</a:t>
+            </a:r>
+          </a:p>
+          <a:p>
+            <a:pPr lvl="1"/>
+            <a:r>
+              <a:rPr lang="en-US" dirty="0" smtClean="0"/>
+              <a:t>Noise not an issue</a:t>
+            </a:r>
+          </a:p>
+          <a:p>
+            <a:pPr lvl="1"/>
+            <a:r>
+              <a:rPr lang="en-US" dirty="0" smtClean="0"/>
+              <a:t>Battery life more important</a:t>
+            </a:r>
+          </a:p>
+          <a:p>
+            <a:pPr lvl="1"/>
+            <a:r>
+              <a:rPr lang="en-US" dirty="0" smtClean="0"/>
+              <a:t>Smaller Footprint</a:t>
+            </a:r>
+          </a:p>
+          <a:p>
+            <a:pPr lvl="1"/>
+            <a:r>
+              <a:rPr lang="en-US" dirty="0" smtClean="0"/>
+              <a:t>One Part for 3V and 5V</a:t>
+            </a:r>
+          </a:p>
+        </p:txBody>
+      </p:sp>
+      <p:sp>
+        <p:nvSpPr>
+          <p:cNvPr id="5" name="Date Placeholder 4"/>
+          <p:cNvSpPr>
+            <a:spLocks noGrp="1"/>
+          </p:cNvSpPr>
+          <p:nvPr>
+            <p:ph type="dt" sz="half" idx="10"/>
+          </p:nvPr>
+        </p:nvSpPr>
+        <p:spPr/>
+        <p:txBody>
+          <a:bodyPr/>
+          <a:lstStyle/>
+          <a:p>
+            <a:fld id="{CE8AA357-2F88-48FD-861C-786C4915934F}" type="datetime1">
+              <a:rPr lang="en-US" smtClean="0"/>
+              <a:t>6/4/2014</a:t>
+            </a:fld>
+            <a:endParaRPr lang="en-US"/>
+          </a:p>
+        </p:txBody>
+      </p:sp>
+      <p:sp>
+        <p:nvSpPr>
+          <p:cNvPr id="6" name="Footer Placeholder 5"/>
+          <p:cNvSpPr>
+            <a:spLocks noGrp="1"/>
+          </p:cNvSpPr>
+          <p:nvPr>
+            <p:ph type="ftr" sz="quarter" idx="11"/>
+          </p:nvPr>
+        </p:nvSpPr>
+        <p:spPr/>
+        <p:txBody>
+          <a:bodyPr/>
+          <a:lstStyle/>
+          <a:p>
+            <a:r>
+              <a:rPr lang="en-US" smtClean="0"/>
+              <a:t>Erebus Labs STEM Sensor</a:t>
+            </a:r>
+            <a:endParaRPr lang="en-US" dirty="0"/>
+          </a:p>
+        </p:txBody>
+      </p:sp>
+      <p:sp>
+        <p:nvSpPr>
+          <p:cNvPr id="7" name="Slide Number Placeholder 6"/>
+          <p:cNvSpPr>
+            <a:spLocks noGrp="1"/>
+          </p:cNvSpPr>
+          <p:nvPr>
+            <p:ph type="sldNum" sz="quarter" idx="12"/>
+          </p:nvPr>
+        </p:nvSpPr>
+        <p:spPr/>
+        <p:txBody>
+          <a:bodyPr/>
+          <a:lstStyle/>
+          <a:p>
+            <a:fld id="{41FBF465-1333-4AA3-A58E-1653FDB8C624}" type="slidenum">
+              <a:rPr lang="en-US" smtClean="0"/>
+              <a:t>6</a:t>
+            </a:fld>
+            <a:endParaRPr lang="en-US"/>
+          </a:p>
+        </p:txBody>
+      </p:sp>
+    </p:spTree>
+    <p:extLst>
+      <p:ext uri="{BB962C8B-B14F-4D97-AF65-F5344CB8AC3E}">
+        <p14:creationId xmlns:p14="http://schemas.microsoft.com/office/powerpoint/2010/main" val="2542745474"/>
+      </p:ext>
+    </p:extLst>
+  </p:cSld>
+  <p:clrMapOvr>
+    <a:masterClrMapping/>
+  </p:clrMapOvr>
+  <p:timing>
+    <p:tnLst>
+      <p:par>
+        <p:cTn id="1" dur="indefinite" restart="never" nodeType="tmRoot"/>
+      </p:par>
+    </p:tnLst>
+  </p:timing>
+</p:sld>
+</file>
+
+<file path=ppt/slides/slide7.xml><?xml version="1.0" encoding="utf-8"?>
+<p:sld xmlns:a="http://schemas.openxmlformats.org/drawingml/2006/main" xmlns:r="http://schemas.openxmlformats.org/officeDocument/2006/relationships" xmlns:p="http://schemas.openxmlformats.org/presentationml/2006/main">
+  <p:cSld>
+    <p:spTree>
+      <p:nvGrpSpPr>
+        <p:cNvPr id="1" name=""/>
+        <p:cNvGrpSpPr/>
+        <p:nvPr/>
+      </p:nvGrpSpPr>
+      <p:grpSpPr>
+        <a:xfrm>
+          <a:off x="0" y="0"/>
+          <a:ext cx="0" cy="0"/>
+          <a:chOff x="0" y="0"/>
+          <a:chExt cx="0" cy="0"/>
+        </a:xfrm>
+      </p:grpSpPr>
+      <p:sp>
+        <p:nvSpPr>
+          <p:cNvPr id="2" name="Text Placeholder 1"/>
+          <p:cNvSpPr>
+            <a:spLocks noGrp="1"/>
+          </p:cNvSpPr>
+          <p:nvPr>
+            <p:ph type="body" sz="quarter" idx="13"/>
+          </p:nvPr>
+        </p:nvSpPr>
+        <p:spPr/>
+        <p:txBody>
+          <a:bodyPr/>
+          <a:lstStyle/>
+          <a:p>
+            <a:r>
+              <a:rPr lang="en-US" dirty="0" smtClean="0"/>
+              <a:t>Hardware</a:t>
+            </a:r>
+            <a:endParaRPr lang="en-US" dirty="0"/>
+          </a:p>
+        </p:txBody>
+      </p:sp>
+      <p:sp>
+        <p:nvSpPr>
+          <p:cNvPr id="3" name="Text Placeholder 2"/>
+          <p:cNvSpPr>
+            <a:spLocks noGrp="1"/>
+          </p:cNvSpPr>
+          <p:nvPr>
+            <p:ph type="body" sz="quarter" idx="14"/>
+          </p:nvPr>
+        </p:nvSpPr>
+        <p:spPr/>
+        <p:txBody>
+          <a:bodyPr/>
+          <a:lstStyle/>
+          <a:p>
+            <a:r>
+              <a:rPr lang="en-US" dirty="0" smtClean="0"/>
+              <a:t>Interfaces</a:t>
+            </a:r>
+            <a:endParaRPr lang="en-US" dirty="0"/>
+          </a:p>
+        </p:txBody>
+      </p:sp>
+      <p:sp>
+        <p:nvSpPr>
+          <p:cNvPr id="4" name="Text Placeholder 3"/>
+          <p:cNvSpPr>
+            <a:spLocks noGrp="1"/>
+          </p:cNvSpPr>
+          <p:nvPr>
+            <p:ph type="body" sz="quarter" idx="15"/>
+          </p:nvPr>
+        </p:nvSpPr>
+        <p:spPr/>
+        <p:txBody>
+          <a:bodyPr>
+            <a:normAutofit/>
+          </a:bodyPr>
+          <a:lstStyle/>
+          <a:p>
+            <a:r>
+              <a:rPr lang="en-US" dirty="0" smtClean="0"/>
+              <a:t>Ethernet for Sensor Port</a:t>
+            </a:r>
+          </a:p>
+          <a:p>
+            <a:pPr lvl="1"/>
+            <a:r>
+              <a:rPr lang="en-US" dirty="0" smtClean="0"/>
+              <a:t>Cheap Cables</a:t>
+            </a:r>
+          </a:p>
+          <a:p>
+            <a:pPr lvl="1"/>
+            <a:r>
+              <a:rPr lang="en-US" dirty="0" smtClean="0"/>
+              <a:t>Easy to Work With</a:t>
+            </a:r>
+          </a:p>
+          <a:p>
+            <a:pPr lvl="1"/>
+            <a:r>
+              <a:rPr lang="en-US" dirty="0" smtClean="0"/>
+              <a:t>Many Lengths Available</a:t>
+            </a:r>
+          </a:p>
+          <a:p>
+            <a:r>
+              <a:rPr lang="en-US" dirty="0" smtClean="0"/>
+              <a:t>USB</a:t>
+            </a:r>
+          </a:p>
+          <a:p>
+            <a:pPr lvl="1"/>
+            <a:r>
+              <a:rPr lang="en-US" dirty="0" smtClean="0"/>
+              <a:t>Standard for Most Computer Interface Applications</a:t>
+            </a:r>
+          </a:p>
+          <a:p>
+            <a:pPr lvl="1"/>
+            <a:r>
+              <a:rPr lang="en-US" dirty="0" smtClean="0"/>
+              <a:t>Micro USB = Small Footprint</a:t>
+            </a:r>
+          </a:p>
+        </p:txBody>
+      </p:sp>
+      <p:sp>
+        <p:nvSpPr>
+          <p:cNvPr id="5" name="Date Placeholder 4"/>
+          <p:cNvSpPr>
+            <a:spLocks noGrp="1"/>
+          </p:cNvSpPr>
+          <p:nvPr>
+            <p:ph type="dt" sz="half" idx="10"/>
+          </p:nvPr>
+        </p:nvSpPr>
+        <p:spPr/>
+        <p:txBody>
+          <a:bodyPr/>
+          <a:lstStyle/>
+          <a:p>
+            <a:fld id="{083EEC35-4827-4E69-BD16-897B79CAC35F}" type="datetime1">
+              <a:rPr lang="en-US" smtClean="0"/>
+              <a:t>6/4/2014</a:t>
+            </a:fld>
+            <a:endParaRPr lang="en-US"/>
+          </a:p>
+        </p:txBody>
+      </p:sp>
+      <p:sp>
+        <p:nvSpPr>
+          <p:cNvPr id="6" name="Footer Placeholder 5"/>
+          <p:cNvSpPr>
+            <a:spLocks noGrp="1"/>
+          </p:cNvSpPr>
+          <p:nvPr>
+            <p:ph type="ftr" sz="quarter" idx="11"/>
+          </p:nvPr>
+        </p:nvSpPr>
+        <p:spPr/>
+        <p:txBody>
+          <a:bodyPr/>
+          <a:lstStyle/>
+          <a:p>
+            <a:r>
+              <a:rPr lang="en-US" smtClean="0"/>
+              <a:t>Erebus Labs STEM Sensor</a:t>
+            </a:r>
+            <a:endParaRPr lang="en-US" dirty="0"/>
+          </a:p>
+        </p:txBody>
+      </p:sp>
+      <p:sp>
+        <p:nvSpPr>
+          <p:cNvPr id="7" name="Slide Number Placeholder 6"/>
+          <p:cNvSpPr>
+            <a:spLocks noGrp="1"/>
+          </p:cNvSpPr>
+          <p:nvPr>
+            <p:ph type="sldNum" sz="quarter" idx="12"/>
+          </p:nvPr>
+        </p:nvSpPr>
+        <p:spPr/>
+        <p:txBody>
+          <a:bodyPr/>
+          <a:lstStyle/>
+          <a:p>
+            <a:fld id="{41FBF465-1333-4AA3-A58E-1653FDB8C624}" type="slidenum">
+              <a:rPr lang="en-US" smtClean="0"/>
+              <a:t>7</a:t>
+            </a:fld>
+            <a:endParaRPr lang="en-US"/>
+          </a:p>
+        </p:txBody>
+      </p:sp>
+    </p:spTree>
+    <p:extLst>
+      <p:ext uri="{BB962C8B-B14F-4D97-AF65-F5344CB8AC3E}">
+        <p14:creationId xmlns:p14="http://schemas.microsoft.com/office/powerpoint/2010/main" val="4234070995"/>
+      </p:ext>
+    </p:extLst>
+  </p:cSld>
+  <p:clrMapOvr>
+    <a:masterClrMapping/>
+  </p:clrMapOvr>
+  <p:timing>
+    <p:tnLst>
+      <p:par>
+        <p:cTn id="1" dur="indefinite" restart="never" nodeType="tmRoot"/>
+      </p:par>
+    </p:tnLst>
+  </p:timing>
+</p:sld>
+</file>
+
+<file path=ppt/slides/slide8.xml><?xml version="1.0" encoding="utf-8"?>
+<p:sld xmlns:a="http://schemas.openxmlformats.org/drawingml/2006/main" xmlns:r="http://schemas.openxmlformats.org/officeDocument/2006/relationships" xmlns:p="http://schemas.openxmlformats.org/presentationml/2006/main">
+  <p:cSld>
+    <p:spTree>
+      <p:nvGrpSpPr>
+        <p:cNvPr id="1" name=""/>
+        <p:cNvGrpSpPr/>
+        <p:nvPr/>
+      </p:nvGrpSpPr>
+      <p:grpSpPr>
+        <a:xfrm>
+          <a:off x="0" y="0"/>
+          <a:ext cx="0" cy="0"/>
+          <a:chOff x="0" y="0"/>
+          <a:chExt cx="0" cy="0"/>
+        </a:xfrm>
+      </p:grpSpPr>
+      <p:sp>
+        <p:nvSpPr>
+          <p:cNvPr id="2" name="Text Placeholder 1"/>
+          <p:cNvSpPr>
+            <a:spLocks noGrp="1"/>
+          </p:cNvSpPr>
+          <p:nvPr>
+            <p:ph type="body" sz="quarter" idx="13"/>
+          </p:nvPr>
+        </p:nvSpPr>
+        <p:spPr/>
+        <p:txBody>
+          <a:bodyPr/>
+          <a:lstStyle/>
+          <a:p>
+            <a:r>
+              <a:rPr lang="en-US" dirty="0" smtClean="0"/>
+              <a:t>Hardware</a:t>
+            </a:r>
+            <a:endParaRPr lang="en-US" dirty="0"/>
+          </a:p>
+        </p:txBody>
+      </p:sp>
+      <p:sp>
+        <p:nvSpPr>
+          <p:cNvPr id="3" name="Text Placeholder 2"/>
+          <p:cNvSpPr>
+            <a:spLocks noGrp="1"/>
+          </p:cNvSpPr>
+          <p:nvPr>
+            <p:ph type="body" sz="quarter" idx="14"/>
+          </p:nvPr>
+        </p:nvSpPr>
+        <p:spPr/>
+        <p:txBody>
+          <a:bodyPr/>
+          <a:lstStyle/>
+          <a:p>
+            <a:r>
+              <a:rPr lang="en-US" dirty="0" smtClean="0"/>
+              <a:t>Sensor Modules</a:t>
+            </a:r>
+            <a:endParaRPr lang="en-US" dirty="0"/>
+          </a:p>
+        </p:txBody>
+      </p:sp>
+      <p:pic>
+        <p:nvPicPr>
+          <p:cNvPr id="5" name="Picture 4"/>
+          <p:cNvPicPr>
+            <a:picLocks noChangeAspect="1"/>
+          </p:cNvPicPr>
+          <p:nvPr/>
+        </p:nvPicPr>
+        <p:blipFill>
+          <a:blip r:embed="rId2">
+            <a:extLst>
+              <a:ext uri="{28A0092B-C50C-407E-A947-70E740481C1C}">
+                <a14:useLocalDpi xmlns:a14="http://schemas.microsoft.com/office/drawing/2010/main" val="0"/>
+              </a:ext>
+            </a:extLst>
+          </a:blip>
+          <a:stretch>
+            <a:fillRect/>
+          </a:stretch>
+        </p:blipFill>
+        <p:spPr>
+          <a:xfrm>
+            <a:off x="4495800" y="1905000"/>
+            <a:ext cx="2899955" cy="2819400"/>
+          </a:xfrm>
+          <a:prstGeom prst="rect">
+            <a:avLst/>
+          </a:prstGeom>
+        </p:spPr>
+      </p:pic>
+      <p:pic>
+        <p:nvPicPr>
+          <p:cNvPr id="6" name="Picture 5"/>
+          <p:cNvPicPr>
+            <a:picLocks noChangeAspect="1"/>
+          </p:cNvPicPr>
+          <p:nvPr/>
+        </p:nvPicPr>
+        <p:blipFill>
+          <a:blip r:embed="rId3">
+            <a:extLst>
+              <a:ext uri="{28A0092B-C50C-407E-A947-70E740481C1C}">
+                <a14:useLocalDpi xmlns:a14="http://schemas.microsoft.com/office/drawing/2010/main" val="0"/>
+              </a:ext>
+            </a:extLst>
+          </a:blip>
+          <a:stretch>
+            <a:fillRect/>
+          </a:stretch>
+        </p:blipFill>
+        <p:spPr>
+          <a:xfrm>
+            <a:off x="845603" y="1905000"/>
+            <a:ext cx="3044952" cy="2819400"/>
+          </a:xfrm>
+          <a:prstGeom prst="rect">
+            <a:avLst/>
+          </a:prstGeom>
+        </p:spPr>
+      </p:pic>
+      <p:sp>
+        <p:nvSpPr>
+          <p:cNvPr id="7" name="TextBox 6"/>
+          <p:cNvSpPr txBox="1"/>
+          <p:nvPr/>
+        </p:nvSpPr>
+        <p:spPr>
+          <a:xfrm>
+            <a:off x="845603" y="4876800"/>
+            <a:ext cx="3044952" cy="369332"/>
+          </a:xfrm>
+          <a:prstGeom prst="rect">
+            <a:avLst/>
+          </a:prstGeom>
+          <a:noFill/>
+        </p:spPr>
+        <p:txBody>
+          <a:bodyPr wrap="square" rtlCol="0">
+            <a:spAutoFit/>
+          </a:bodyPr>
+          <a:lstStyle/>
+          <a:p>
+            <a:pPr algn="ctr"/>
+            <a:r>
+              <a:rPr lang="en-US" dirty="0" smtClean="0"/>
+              <a:t>Low-Oxygen Sensor</a:t>
+            </a:r>
+            <a:endParaRPr lang="en-US" dirty="0"/>
+          </a:p>
+        </p:txBody>
+      </p:sp>
+      <p:sp>
+        <p:nvSpPr>
+          <p:cNvPr id="8" name="TextBox 7"/>
+          <p:cNvSpPr txBox="1"/>
+          <p:nvPr/>
+        </p:nvSpPr>
+        <p:spPr>
+          <a:xfrm>
+            <a:off x="4495799" y="4876800"/>
+            <a:ext cx="2899955" cy="369332"/>
+          </a:xfrm>
+          <a:prstGeom prst="rect">
+            <a:avLst/>
+          </a:prstGeom>
+          <a:noFill/>
+        </p:spPr>
+        <p:txBody>
+          <a:bodyPr wrap="square" rtlCol="0">
+            <a:spAutoFit/>
+          </a:bodyPr>
+          <a:lstStyle/>
+          <a:p>
+            <a:pPr algn="ctr"/>
+            <a:r>
+              <a:rPr lang="en-US" dirty="0" smtClean="0"/>
+              <a:t>Light Sensor</a:t>
+            </a:r>
+            <a:endParaRPr lang="en-US" dirty="0"/>
+          </a:p>
+        </p:txBody>
+      </p:sp>
+      <p:sp>
+        <p:nvSpPr>
+          <p:cNvPr id="9" name="Date Placeholder 8"/>
+          <p:cNvSpPr>
+            <a:spLocks noGrp="1"/>
+          </p:cNvSpPr>
+          <p:nvPr>
+            <p:ph type="dt" sz="half" idx="10"/>
+          </p:nvPr>
+        </p:nvSpPr>
+        <p:spPr/>
+        <p:txBody>
+          <a:bodyPr/>
+          <a:lstStyle/>
+          <a:p>
+            <a:fld id="{2F4043A9-7207-4348-B17A-CB40EFB0262A}" type="datetime1">
+              <a:rPr lang="en-US" smtClean="0"/>
+              <a:t>6/4/2014</a:t>
+            </a:fld>
+            <a:endParaRPr lang="en-US"/>
+          </a:p>
+        </p:txBody>
+      </p:sp>
+      <p:sp>
+        <p:nvSpPr>
+          <p:cNvPr id="10" name="Footer Placeholder 9"/>
+          <p:cNvSpPr>
+            <a:spLocks noGrp="1"/>
+          </p:cNvSpPr>
+          <p:nvPr>
+            <p:ph type="ftr" sz="quarter" idx="11"/>
+          </p:nvPr>
+        </p:nvSpPr>
+        <p:spPr/>
+        <p:txBody>
+          <a:bodyPr/>
+          <a:lstStyle/>
+          <a:p>
+            <a:r>
+              <a:rPr lang="en-US" smtClean="0"/>
+              <a:t>Erebus Labs STEM Sensor</a:t>
+            </a:r>
+            <a:endParaRPr lang="en-US" dirty="0"/>
+          </a:p>
+        </p:txBody>
+      </p:sp>
+      <p:sp>
+        <p:nvSpPr>
+          <p:cNvPr id="11" name="Slide Number Placeholder 10"/>
+          <p:cNvSpPr>
+            <a:spLocks noGrp="1"/>
+          </p:cNvSpPr>
+          <p:nvPr>
+            <p:ph type="sldNum" sz="quarter" idx="12"/>
+          </p:nvPr>
+        </p:nvSpPr>
+        <p:spPr/>
+        <p:txBody>
+          <a:bodyPr/>
+          <a:lstStyle/>
+          <a:p>
+            <a:fld id="{41FBF465-1333-4AA3-A58E-1653FDB8C624}" type="slidenum">
+              <a:rPr lang="en-US" smtClean="0"/>
+              <a:t>8</a:t>
+            </a:fld>
+            <a:endParaRPr lang="en-US"/>
+          </a:p>
+        </p:txBody>
+      </p:sp>
+    </p:spTree>
+    <p:extLst>
+      <p:ext uri="{BB962C8B-B14F-4D97-AF65-F5344CB8AC3E}">
+        <p14:creationId xmlns:p14="http://schemas.microsoft.com/office/powerpoint/2010/main" val="4287893142"/>
+      </p:ext>
+    </p:extLst>
+  </p:cSld>
+  <p:clrMapOvr>
+    <a:masterClrMapping/>
+  </p:clrMapOvr>
+  <p:timing>
+    <p:tnLst>
+      <p:par>
+        <p:cTn id="1" dur="indefinite" restart="never" nodeType="tmRoot"/>
+      </p:par>
+    </p:tnLst>
+  </p:timing>
+</p:sld>
+</file>
+
+<file path=ppt/slides/slide9.xml><?xml version="1.0" encoding="utf-8"?>
+<p:sld xmlns:a="http://schemas.openxmlformats.org/drawingml/2006/main" xmlns:r="http://schemas.openxmlformats.org/officeDocument/2006/relationships" xmlns:p="http://schemas.openxmlformats.org/presentationml/2006/main">
+  <p:cSld>
+    <p:spTree>
+      <p:nvGrpSpPr>
+        <p:cNvPr id="1" name=""/>
+        <p:cNvGrpSpPr/>
+        <p:nvPr/>
+      </p:nvGrpSpPr>
+      <p:grpSpPr>
+        <a:xfrm>
+          <a:off x="0" y="0"/>
+          <a:ext cx="0" cy="0"/>
+          <a:chOff x="0" y="0"/>
+          <a:chExt cx="0" cy="0"/>
+        </a:xfrm>
+      </p:grpSpPr>
+      <p:sp>
+        <p:nvSpPr>
+          <p:cNvPr id="2" name="Text Placeholder 1"/>
+          <p:cNvSpPr>
+            <a:spLocks noGrp="1"/>
+          </p:cNvSpPr>
+          <p:nvPr>
+            <p:ph type="body" sz="quarter" idx="13"/>
+          </p:nvPr>
+        </p:nvSpPr>
+        <p:spPr/>
+        <p:txBody>
+          <a:bodyPr/>
+          <a:lstStyle/>
+          <a:p>
+            <a:r>
+              <a:rPr lang="en-US" dirty="0" smtClean="0"/>
+              <a:t>Hardware</a:t>
+            </a:r>
+            <a:endParaRPr lang="en-US" dirty="0"/>
+          </a:p>
+        </p:txBody>
+      </p:sp>
+      <p:sp>
+        <p:nvSpPr>
+          <p:cNvPr id="3" name="Text Placeholder 2"/>
+          <p:cNvSpPr>
+            <a:spLocks noGrp="1"/>
+          </p:cNvSpPr>
+          <p:nvPr>
+            <p:ph type="body" sz="quarter" idx="14"/>
+          </p:nvPr>
+        </p:nvSpPr>
+        <p:spPr/>
+        <p:txBody>
+          <a:bodyPr/>
+          <a:lstStyle/>
+          <a:p>
+            <a:r>
+              <a:rPr lang="en-US" dirty="0" smtClean="0"/>
+              <a:t>Low-Oxygen Sensor</a:t>
+            </a:r>
+            <a:endParaRPr lang="en-US" dirty="0"/>
+          </a:p>
+        </p:txBody>
+      </p:sp>
+      <p:sp>
+        <p:nvSpPr>
+          <p:cNvPr id="4" name="Text Placeholder 3"/>
+          <p:cNvSpPr>
+            <a:spLocks noGrp="1"/>
+          </p:cNvSpPr>
+          <p:nvPr>
+            <p:ph type="body" sz="quarter" idx="15"/>
+          </p:nvPr>
+        </p:nvSpPr>
+        <p:spPr/>
+        <p:txBody>
+          <a:bodyPr/>
+          <a:lstStyle/>
+          <a:p>
+            <a:r>
+              <a:rPr lang="en-US" dirty="0" smtClean="0"/>
+              <a:t>Figaro TGS 2602</a:t>
+            </a:r>
+          </a:p>
+          <a:p>
+            <a:r>
+              <a:rPr lang="en-US" dirty="0" smtClean="0"/>
+              <a:t>Technically “Air Contaminant Sensor”</a:t>
+            </a:r>
+          </a:p>
+          <a:p>
+            <a:r>
+              <a:rPr lang="en-US" dirty="0" smtClean="0"/>
+              <a:t>Resemblance to VOC Sensor</a:t>
+            </a:r>
+          </a:p>
+          <a:p>
+            <a:r>
+              <a:rPr lang="en-US" dirty="0" smtClean="0"/>
+              <a:t>Easy to Find Applications or Experiments</a:t>
+            </a:r>
+          </a:p>
+          <a:p>
+            <a:endParaRPr lang="en-US" dirty="0"/>
+          </a:p>
+        </p:txBody>
+      </p:sp>
+      <p:pic>
+        <p:nvPicPr>
+          <p:cNvPr id="5" name="Picture 4"/>
+          <p:cNvPicPr>
+            <a:picLocks noChangeAspect="1"/>
+          </p:cNvPicPr>
+          <p:nvPr/>
+        </p:nvPicPr>
+        <p:blipFill>
+          <a:blip r:embed="rId3"/>
+          <a:stretch>
+            <a:fillRect/>
+          </a:stretch>
+        </p:blipFill>
+        <p:spPr>
+          <a:xfrm>
+            <a:off x="3088482" y="3961370"/>
+            <a:ext cx="1824037" cy="2213438"/>
+          </a:xfrm>
+          <a:prstGeom prst="rect">
+            <a:avLst/>
+          </a:prstGeom>
+        </p:spPr>
+      </p:pic>
+      <p:pic>
+        <p:nvPicPr>
+          <p:cNvPr id="6" name="Picture 5"/>
+          <p:cNvPicPr>
+            <a:picLocks noChangeAspect="1"/>
+          </p:cNvPicPr>
+          <p:nvPr/>
+        </p:nvPicPr>
+        <p:blipFill>
+          <a:blip r:embed="rId4"/>
+          <a:stretch>
+            <a:fillRect/>
+          </a:stretch>
+        </p:blipFill>
+        <p:spPr>
+          <a:xfrm>
+            <a:off x="533400" y="4191000"/>
+            <a:ext cx="2264928" cy="1754179"/>
+          </a:xfrm>
+          <a:prstGeom prst="rect">
+            <a:avLst/>
+          </a:prstGeom>
+        </p:spPr>
+      </p:pic>
+      <p:sp>
+        <p:nvSpPr>
+          <p:cNvPr id="7" name="Rectangle 6"/>
+          <p:cNvSpPr/>
+          <p:nvPr/>
+        </p:nvSpPr>
+        <p:spPr>
+          <a:xfrm>
+            <a:off x="5181600" y="4114800"/>
+            <a:ext cx="2286000" cy="1752600"/>
+          </a:xfrm>
+          <a:prstGeom prst="rect">
+            <a:avLst/>
+          </a:prstGeom>
+        </p:spPr>
+        <p:style>
+          <a:lnRef idx="2">
+            <a:schemeClr val="accent1">
+              <a:shade val="50000"/>
+            </a:schemeClr>
+          </a:lnRef>
+          <a:fillRef idx="1">
+            <a:schemeClr val="accent1"/>
+          </a:fillRef>
+          <a:effectRef idx="0">
+            <a:schemeClr val="accent1"/>
+          </a:effectRef>
+          <a:fontRef idx="minor">
+            <a:schemeClr val="lt1"/>
+          </a:fontRef>
+        </p:style>
+        <p:txBody>
+          <a:bodyPr rtlCol="0" anchor="ctr"/>
+          <a:lstStyle/>
+          <a:p>
+            <a:pPr algn="ctr"/>
+            <a:r>
+              <a:rPr lang="en-US" dirty="0" smtClean="0"/>
+              <a:t>Picture of Sensor Module</a:t>
+            </a:r>
+            <a:endParaRPr lang="en-US" dirty="0"/>
+          </a:p>
+        </p:txBody>
+      </p:sp>
+      <p:sp>
+        <p:nvSpPr>
+          <p:cNvPr id="8" name="Date Placeholder 7"/>
+          <p:cNvSpPr>
+            <a:spLocks noGrp="1"/>
+          </p:cNvSpPr>
+          <p:nvPr>
+            <p:ph type="dt" sz="half" idx="10"/>
+          </p:nvPr>
+        </p:nvSpPr>
+        <p:spPr/>
+        <p:txBody>
+          <a:bodyPr/>
+          <a:lstStyle/>
+          <a:p>
+            <a:fld id="{5CCE490F-6F2A-472B-9AC3-55962C89105B}" type="datetime1">
+              <a:rPr lang="en-US" smtClean="0"/>
+              <a:t>6/4/2014</a:t>
+            </a:fld>
+            <a:endParaRPr lang="en-US"/>
+          </a:p>
+        </p:txBody>
+      </p:sp>
+      <p:sp>
+        <p:nvSpPr>
+          <p:cNvPr id="9" name="Footer Placeholder 8"/>
+          <p:cNvSpPr>
+            <a:spLocks noGrp="1"/>
+          </p:cNvSpPr>
+          <p:nvPr>
+            <p:ph type="ftr" sz="quarter" idx="11"/>
+          </p:nvPr>
+        </p:nvSpPr>
+        <p:spPr/>
+        <p:txBody>
+          <a:bodyPr/>
+          <a:lstStyle/>
+          <a:p>
+            <a:r>
+              <a:rPr lang="en-US" smtClean="0"/>
+              <a:t>Erebus Labs STEM Sensor</a:t>
+            </a:r>
+            <a:endParaRPr lang="en-US" dirty="0"/>
+          </a:p>
+        </p:txBody>
+      </p:sp>
+      <p:sp>
+        <p:nvSpPr>
+          <p:cNvPr id="10" name="Slide Number Placeholder 9"/>
+          <p:cNvSpPr>
+            <a:spLocks noGrp="1"/>
+          </p:cNvSpPr>
+          <p:nvPr>
+            <p:ph type="sldNum" sz="quarter" idx="12"/>
+          </p:nvPr>
+        </p:nvSpPr>
+        <p:spPr/>
+        <p:txBody>
+          <a:bodyPr/>
+          <a:lstStyle/>
+          <a:p>
+            <a:fld id="{41FBF465-1333-4AA3-A58E-1653FDB8C624}" type="slidenum">
+              <a:rPr lang="en-US" smtClean="0"/>
+              <a:t>9</a:t>
+            </a:fld>
+            <a:endParaRPr lang="en-US"/>
+          </a:p>
+        </p:txBody>
+      </p:sp>
+    </p:spTree>
+    <p:extLst>
+      <p:ext uri="{BB962C8B-B14F-4D97-AF65-F5344CB8AC3E}">
+        <p14:creationId xmlns:p14="http://schemas.microsoft.com/office/powerpoint/2010/main" val="4146449161"/>
+      </p:ext>
+    </p:extLst>
+  </p:cSld>
+  <p:clrMapOvr>
+    <a:masterClrMapping/>
+  </p:clrMapOvr>
+  <p:timing>
+    <p:tnLst>
+      <p:par>
+        <p:cTn id="1" dur="indefinite" restart="never" nodeType="tmRoot"/>
+      </p:par>
+    </p:tnLst>
+  </p:timing>
 </p:sld>
 </file>
 
